--- a/Projekt bazy danych Wyposazenie.pptx
+++ b/Projekt bazy danych Wyposazenie.pptx
@@ -73,20 +73,26 @@
         </p:nvSpPr>
         <p:spPr>
           <a:xfrm>
-            <a:off x="311760" y="418320"/>
-            <a:ext cx="8519760" cy="625320"/>
+            <a:off x="457200" y="205200"/>
+            <a:ext cx="8229240" cy="858600"/>
           </a:xfrm>
           <a:prstGeom prst="rect">
             <a:avLst/>
           </a:prstGeom>
         </p:spPr>
         <p:txBody>
-          <a:bodyPr lIns="0" rIns="0" tIns="0" bIns="0" anchor="ctr">
-            <a:spAutoFit/>
-          </a:bodyPr>
+          <a:bodyPr lIns="0" rIns="0" tIns="0" bIns="0" anchor="ctr"/>
           <a:p>
             <a:pPr algn="ctr"/>
             <a:endParaRPr b="0" lang="pl-PL" sz="4400" spc="-1" strike="noStrike">
+              <a:solidFill>
+                <a:srgbClr val="000000"/>
+              </a:solidFill>
+              <a:uFill>
+                <a:solidFill>
+                  <a:srgbClr val="ffffff"/>
+                </a:solidFill>
+              </a:uFill>
               <a:latin typeface="Arial"/>
             </a:endParaRPr>
           </a:p>
@@ -104,8 +110,8 @@
         </p:nvSpPr>
         <p:spPr>
           <a:xfrm>
-            <a:off x="311760" y="1152360"/>
-            <a:ext cx="8519760" cy="1629000"/>
+            <a:off x="457200" y="1203480"/>
+            <a:ext cx="8229240" cy="1422720"/>
           </a:xfrm>
           <a:prstGeom prst="rect">
             <a:avLst/>
@@ -117,6 +123,14 @@
           </a:bodyPr>
           <a:p>
             <a:endParaRPr b="0" lang="pl-PL" sz="3200" spc="-1" strike="noStrike">
+              <a:solidFill>
+                <a:srgbClr val="000000"/>
+              </a:solidFill>
+              <a:uFill>
+                <a:solidFill>
+                  <a:srgbClr val="ffffff"/>
+                </a:solidFill>
+              </a:uFill>
               <a:latin typeface="Arial"/>
             </a:endParaRPr>
           </a:p>
@@ -134,8 +148,8 @@
         </p:nvSpPr>
         <p:spPr>
           <a:xfrm>
-            <a:off x="311760" y="2936520"/>
-            <a:ext cx="8519760" cy="1629000"/>
+            <a:off x="457200" y="2761920"/>
+            <a:ext cx="8229240" cy="1422720"/>
           </a:xfrm>
           <a:prstGeom prst="rect">
             <a:avLst/>
@@ -147,6 +161,14 @@
           </a:bodyPr>
           <a:p>
             <a:endParaRPr b="0" lang="pl-PL" sz="3200" spc="-1" strike="noStrike">
+              <a:solidFill>
+                <a:srgbClr val="000000"/>
+              </a:solidFill>
+              <a:uFill>
+                <a:solidFill>
+                  <a:srgbClr val="ffffff"/>
+                </a:solidFill>
+              </a:uFill>
               <a:latin typeface="Arial"/>
             </a:endParaRPr>
           </a:p>
@@ -186,20 +208,26 @@
         </p:nvSpPr>
         <p:spPr>
           <a:xfrm>
-            <a:off x="311760" y="418320"/>
-            <a:ext cx="8519760" cy="625320"/>
+            <a:off x="457200" y="205200"/>
+            <a:ext cx="8229240" cy="858600"/>
           </a:xfrm>
           <a:prstGeom prst="rect">
             <a:avLst/>
           </a:prstGeom>
         </p:spPr>
         <p:txBody>
-          <a:bodyPr lIns="0" rIns="0" tIns="0" bIns="0" anchor="ctr">
-            <a:spAutoFit/>
-          </a:bodyPr>
+          <a:bodyPr lIns="0" rIns="0" tIns="0" bIns="0" anchor="ctr"/>
           <a:p>
             <a:pPr algn="ctr"/>
             <a:endParaRPr b="0" lang="pl-PL" sz="4400" spc="-1" strike="noStrike">
+              <a:solidFill>
+                <a:srgbClr val="000000"/>
+              </a:solidFill>
+              <a:uFill>
+                <a:solidFill>
+                  <a:srgbClr val="ffffff"/>
+                </a:solidFill>
+              </a:uFill>
               <a:latin typeface="Arial"/>
             </a:endParaRPr>
           </a:p>
@@ -217,8 +245,8 @@
         </p:nvSpPr>
         <p:spPr>
           <a:xfrm>
-            <a:off x="311760" y="1152360"/>
-            <a:ext cx="4157280" cy="1629000"/>
+            <a:off x="457200" y="1203480"/>
+            <a:ext cx="4015800" cy="1422720"/>
           </a:xfrm>
           <a:prstGeom prst="rect">
             <a:avLst/>
@@ -230,6 +258,14 @@
           </a:bodyPr>
           <a:p>
             <a:endParaRPr b="0" lang="pl-PL" sz="3200" spc="-1" strike="noStrike">
+              <a:solidFill>
+                <a:srgbClr val="000000"/>
+              </a:solidFill>
+              <a:uFill>
+                <a:solidFill>
+                  <a:srgbClr val="ffffff"/>
+                </a:solidFill>
+              </a:uFill>
               <a:latin typeface="Arial"/>
             </a:endParaRPr>
           </a:p>
@@ -247,8 +283,8 @@
         </p:nvSpPr>
         <p:spPr>
           <a:xfrm>
-            <a:off x="4677120" y="1152360"/>
-            <a:ext cx="4157280" cy="1629000"/>
+            <a:off x="4674240" y="1203480"/>
+            <a:ext cx="4015800" cy="1422720"/>
           </a:xfrm>
           <a:prstGeom prst="rect">
             <a:avLst/>
@@ -260,6 +296,14 @@
           </a:bodyPr>
           <a:p>
             <a:endParaRPr b="0" lang="pl-PL" sz="3200" spc="-1" strike="noStrike">
+              <a:solidFill>
+                <a:srgbClr val="000000"/>
+              </a:solidFill>
+              <a:uFill>
+                <a:solidFill>
+                  <a:srgbClr val="ffffff"/>
+                </a:solidFill>
+              </a:uFill>
               <a:latin typeface="Arial"/>
             </a:endParaRPr>
           </a:p>
@@ -277,8 +321,8 @@
         </p:nvSpPr>
         <p:spPr>
           <a:xfrm>
-            <a:off x="311760" y="2936520"/>
-            <a:ext cx="4157280" cy="1629000"/>
+            <a:off x="4674240" y="2761920"/>
+            <a:ext cx="4015800" cy="1422720"/>
           </a:xfrm>
           <a:prstGeom prst="rect">
             <a:avLst/>
@@ -290,6 +334,14 @@
           </a:bodyPr>
           <a:p>
             <a:endParaRPr b="0" lang="pl-PL" sz="3200" spc="-1" strike="noStrike">
+              <a:solidFill>
+                <a:srgbClr val="000000"/>
+              </a:solidFill>
+              <a:uFill>
+                <a:solidFill>
+                  <a:srgbClr val="ffffff"/>
+                </a:solidFill>
+              </a:uFill>
               <a:latin typeface="Arial"/>
             </a:endParaRPr>
           </a:p>
@@ -307,8 +359,8 @@
         </p:nvSpPr>
         <p:spPr>
           <a:xfrm>
-            <a:off x="4677120" y="2936520"/>
-            <a:ext cx="4157280" cy="1629000"/>
+            <a:off x="457200" y="2761920"/>
+            <a:ext cx="4015800" cy="1422720"/>
           </a:xfrm>
           <a:prstGeom prst="rect">
             <a:avLst/>
@@ -320,6 +372,14 @@
           </a:bodyPr>
           <a:p>
             <a:endParaRPr b="0" lang="pl-PL" sz="3200" spc="-1" strike="noStrike">
+              <a:solidFill>
+                <a:srgbClr val="000000"/>
+              </a:solidFill>
+              <a:uFill>
+                <a:solidFill>
+                  <a:srgbClr val="ffffff"/>
+                </a:solidFill>
+              </a:uFill>
               <a:latin typeface="Arial"/>
             </a:endParaRPr>
           </a:p>
@@ -359,20 +419,26 @@
         </p:nvSpPr>
         <p:spPr>
           <a:xfrm>
-            <a:off x="311760" y="418320"/>
-            <a:ext cx="8519760" cy="625320"/>
+            <a:off x="457200" y="205200"/>
+            <a:ext cx="8229240" cy="858600"/>
           </a:xfrm>
           <a:prstGeom prst="rect">
             <a:avLst/>
           </a:prstGeom>
         </p:spPr>
         <p:txBody>
-          <a:bodyPr lIns="0" rIns="0" tIns="0" bIns="0" anchor="ctr">
-            <a:spAutoFit/>
-          </a:bodyPr>
+          <a:bodyPr lIns="0" rIns="0" tIns="0" bIns="0" anchor="ctr"/>
           <a:p>
             <a:pPr algn="ctr"/>
             <a:endParaRPr b="0" lang="pl-PL" sz="4400" spc="-1" strike="noStrike">
+              <a:solidFill>
+                <a:srgbClr val="000000"/>
+              </a:solidFill>
+              <a:uFill>
+                <a:solidFill>
+                  <a:srgbClr val="ffffff"/>
+                </a:solidFill>
+              </a:uFill>
               <a:latin typeface="Arial"/>
             </a:endParaRPr>
           </a:p>
@@ -390,8 +456,8 @@
         </p:nvSpPr>
         <p:spPr>
           <a:xfrm>
-            <a:off x="311760" y="1152360"/>
-            <a:ext cx="2743200" cy="1629000"/>
+            <a:off x="457200" y="1203480"/>
+            <a:ext cx="2649600" cy="1422720"/>
           </a:xfrm>
           <a:prstGeom prst="rect">
             <a:avLst/>
@@ -403,6 +469,14 @@
           </a:bodyPr>
           <a:p>
             <a:endParaRPr b="0" lang="pl-PL" sz="3200" spc="-1" strike="noStrike">
+              <a:solidFill>
+                <a:srgbClr val="000000"/>
+              </a:solidFill>
+              <a:uFill>
+                <a:solidFill>
+                  <a:srgbClr val="ffffff"/>
+                </a:solidFill>
+              </a:uFill>
               <a:latin typeface="Arial"/>
             </a:endParaRPr>
           </a:p>
@@ -420,8 +494,8 @@
         </p:nvSpPr>
         <p:spPr>
           <a:xfrm>
-            <a:off x="3192480" y="1152360"/>
-            <a:ext cx="2743200" cy="1629000"/>
+            <a:off x="3239640" y="1203480"/>
+            <a:ext cx="2649600" cy="1422720"/>
           </a:xfrm>
           <a:prstGeom prst="rect">
             <a:avLst/>
@@ -433,6 +507,14 @@
           </a:bodyPr>
           <a:p>
             <a:endParaRPr b="0" lang="pl-PL" sz="3200" spc="-1" strike="noStrike">
+              <a:solidFill>
+                <a:srgbClr val="000000"/>
+              </a:solidFill>
+              <a:uFill>
+                <a:solidFill>
+                  <a:srgbClr val="ffffff"/>
+                </a:solidFill>
+              </a:uFill>
               <a:latin typeface="Arial"/>
             </a:endParaRPr>
           </a:p>
@@ -450,8 +532,8 @@
         </p:nvSpPr>
         <p:spPr>
           <a:xfrm>
-            <a:off x="6073200" y="1152360"/>
-            <a:ext cx="2743200" cy="1629000"/>
+            <a:off x="6022080" y="1203480"/>
+            <a:ext cx="2649600" cy="1422720"/>
           </a:xfrm>
           <a:prstGeom prst="rect">
             <a:avLst/>
@@ -463,6 +545,14 @@
           </a:bodyPr>
           <a:p>
             <a:endParaRPr b="0" lang="pl-PL" sz="3200" spc="-1" strike="noStrike">
+              <a:solidFill>
+                <a:srgbClr val="000000"/>
+              </a:solidFill>
+              <a:uFill>
+                <a:solidFill>
+                  <a:srgbClr val="ffffff"/>
+                </a:solidFill>
+              </a:uFill>
               <a:latin typeface="Arial"/>
             </a:endParaRPr>
           </a:p>
@@ -480,8 +570,8 @@
         </p:nvSpPr>
         <p:spPr>
           <a:xfrm>
-            <a:off x="311760" y="2936520"/>
-            <a:ext cx="2743200" cy="1629000"/>
+            <a:off x="6022080" y="2761920"/>
+            <a:ext cx="2649600" cy="1422720"/>
           </a:xfrm>
           <a:prstGeom prst="rect">
             <a:avLst/>
@@ -493,6 +583,14 @@
           </a:bodyPr>
           <a:p>
             <a:endParaRPr b="0" lang="pl-PL" sz="3200" spc="-1" strike="noStrike">
+              <a:solidFill>
+                <a:srgbClr val="000000"/>
+              </a:solidFill>
+              <a:uFill>
+                <a:solidFill>
+                  <a:srgbClr val="ffffff"/>
+                </a:solidFill>
+              </a:uFill>
               <a:latin typeface="Arial"/>
             </a:endParaRPr>
           </a:p>
@@ -510,8 +608,8 @@
         </p:nvSpPr>
         <p:spPr>
           <a:xfrm>
-            <a:off x="3192480" y="2936520"/>
-            <a:ext cx="2743200" cy="1629000"/>
+            <a:off x="3239640" y="2761920"/>
+            <a:ext cx="2649600" cy="1422720"/>
           </a:xfrm>
           <a:prstGeom prst="rect">
             <a:avLst/>
@@ -523,6 +621,14 @@
           </a:bodyPr>
           <a:p>
             <a:endParaRPr b="0" lang="pl-PL" sz="3200" spc="-1" strike="noStrike">
+              <a:solidFill>
+                <a:srgbClr val="000000"/>
+              </a:solidFill>
+              <a:uFill>
+                <a:solidFill>
+                  <a:srgbClr val="ffffff"/>
+                </a:solidFill>
+              </a:uFill>
               <a:latin typeface="Arial"/>
             </a:endParaRPr>
           </a:p>
@@ -540,8 +646,8 @@
         </p:nvSpPr>
         <p:spPr>
           <a:xfrm>
-            <a:off x="6073200" y="2936520"/>
-            <a:ext cx="2743200" cy="1629000"/>
+            <a:off x="457200" y="2761920"/>
+            <a:ext cx="2649600" cy="1422720"/>
           </a:xfrm>
           <a:prstGeom prst="rect">
             <a:avLst/>
@@ -553,6 +659,14 @@
           </a:bodyPr>
           <a:p>
             <a:endParaRPr b="0" lang="pl-PL" sz="3200" spc="-1" strike="noStrike">
+              <a:solidFill>
+                <a:srgbClr val="000000"/>
+              </a:solidFill>
+              <a:uFill>
+                <a:solidFill>
+                  <a:srgbClr val="ffffff"/>
+                </a:solidFill>
+              </a:uFill>
               <a:latin typeface="Arial"/>
             </a:endParaRPr>
           </a:p>
@@ -614,20 +728,26 @@
         </p:nvSpPr>
         <p:spPr>
           <a:xfrm>
-            <a:off x="311760" y="418320"/>
-            <a:ext cx="8519760" cy="625320"/>
+            <a:off x="457200" y="205200"/>
+            <a:ext cx="8229240" cy="858600"/>
           </a:xfrm>
           <a:prstGeom prst="rect">
             <a:avLst/>
           </a:prstGeom>
         </p:spPr>
         <p:txBody>
-          <a:bodyPr lIns="0" rIns="0" tIns="0" bIns="0" anchor="ctr">
-            <a:spAutoFit/>
-          </a:bodyPr>
+          <a:bodyPr lIns="0" rIns="0" tIns="0" bIns="0" anchor="ctr"/>
           <a:p>
             <a:pPr algn="ctr"/>
             <a:endParaRPr b="0" lang="pl-PL" sz="4400" spc="-1" strike="noStrike">
+              <a:solidFill>
+                <a:srgbClr val="000000"/>
+              </a:solidFill>
+              <a:uFill>
+                <a:solidFill>
+                  <a:srgbClr val="ffffff"/>
+                </a:solidFill>
+              </a:uFill>
               <a:latin typeface="Arial"/>
             </a:endParaRPr>
           </a:p>
@@ -645,20 +765,26 @@
         </p:nvSpPr>
         <p:spPr>
           <a:xfrm>
-            <a:off x="311760" y="1152360"/>
-            <a:ext cx="8519760" cy="3415680"/>
+            <a:off x="457200" y="1203480"/>
+            <a:ext cx="8229240" cy="2982960"/>
           </a:xfrm>
           <a:prstGeom prst="rect">
             <a:avLst/>
           </a:prstGeom>
         </p:spPr>
         <p:txBody>
-          <a:bodyPr lIns="0" rIns="0" tIns="0" bIns="0" anchor="ctr">
-            <a:spAutoFit/>
-          </a:bodyPr>
+          <a:bodyPr lIns="0" rIns="0" tIns="0" bIns="0" anchor="ctr"/>
           <a:p>
             <a:pPr algn="ctr"/>
             <a:endParaRPr b="0" lang="pl-PL" sz="3200" spc="-1" strike="noStrike">
+              <a:solidFill>
+                <a:srgbClr val="000000"/>
+              </a:solidFill>
+              <a:uFill>
+                <a:solidFill>
+                  <a:srgbClr val="ffffff"/>
+                </a:solidFill>
+              </a:uFill>
               <a:latin typeface="Arial"/>
             </a:endParaRPr>
           </a:p>
@@ -698,20 +824,26 @@
         </p:nvSpPr>
         <p:spPr>
           <a:xfrm>
-            <a:off x="311760" y="418320"/>
-            <a:ext cx="8519760" cy="625320"/>
+            <a:off x="457200" y="205200"/>
+            <a:ext cx="8229240" cy="858600"/>
           </a:xfrm>
           <a:prstGeom prst="rect">
             <a:avLst/>
           </a:prstGeom>
         </p:spPr>
         <p:txBody>
-          <a:bodyPr lIns="0" rIns="0" tIns="0" bIns="0" anchor="ctr">
-            <a:spAutoFit/>
-          </a:bodyPr>
+          <a:bodyPr lIns="0" rIns="0" tIns="0" bIns="0" anchor="ctr"/>
           <a:p>
             <a:pPr algn="ctr"/>
             <a:endParaRPr b="0" lang="pl-PL" sz="4400" spc="-1" strike="noStrike">
+              <a:solidFill>
+                <a:srgbClr val="000000"/>
+              </a:solidFill>
+              <a:uFill>
+                <a:solidFill>
+                  <a:srgbClr val="ffffff"/>
+                </a:solidFill>
+              </a:uFill>
               <a:latin typeface="Arial"/>
             </a:endParaRPr>
           </a:p>
@@ -729,8 +861,8 @@
         </p:nvSpPr>
         <p:spPr>
           <a:xfrm>
-            <a:off x="311760" y="1152360"/>
-            <a:ext cx="8519760" cy="3415680"/>
+            <a:off x="457200" y="1203480"/>
+            <a:ext cx="8229240" cy="2982960"/>
           </a:xfrm>
           <a:prstGeom prst="rect">
             <a:avLst/>
@@ -742,6 +874,14 @@
           </a:bodyPr>
           <a:p>
             <a:endParaRPr b="0" lang="pl-PL" sz="3200" spc="-1" strike="noStrike">
+              <a:solidFill>
+                <a:srgbClr val="000000"/>
+              </a:solidFill>
+              <a:uFill>
+                <a:solidFill>
+                  <a:srgbClr val="ffffff"/>
+                </a:solidFill>
+              </a:uFill>
               <a:latin typeface="Arial"/>
             </a:endParaRPr>
           </a:p>
@@ -781,20 +921,26 @@
         </p:nvSpPr>
         <p:spPr>
           <a:xfrm>
-            <a:off x="311760" y="418320"/>
-            <a:ext cx="8519760" cy="625320"/>
+            <a:off x="457200" y="205200"/>
+            <a:ext cx="8229240" cy="858600"/>
           </a:xfrm>
           <a:prstGeom prst="rect">
             <a:avLst/>
           </a:prstGeom>
         </p:spPr>
         <p:txBody>
-          <a:bodyPr lIns="0" rIns="0" tIns="0" bIns="0" anchor="ctr">
-            <a:spAutoFit/>
-          </a:bodyPr>
+          <a:bodyPr lIns="0" rIns="0" tIns="0" bIns="0" anchor="ctr"/>
           <a:p>
             <a:pPr algn="ctr"/>
             <a:endParaRPr b="0" lang="pl-PL" sz="4400" spc="-1" strike="noStrike">
+              <a:solidFill>
+                <a:srgbClr val="000000"/>
+              </a:solidFill>
+              <a:uFill>
+                <a:solidFill>
+                  <a:srgbClr val="ffffff"/>
+                </a:solidFill>
+              </a:uFill>
               <a:latin typeface="Arial"/>
             </a:endParaRPr>
           </a:p>
@@ -812,8 +958,8 @@
         </p:nvSpPr>
         <p:spPr>
           <a:xfrm>
-            <a:off x="311760" y="1152360"/>
-            <a:ext cx="4157280" cy="3415680"/>
+            <a:off x="457200" y="1203480"/>
+            <a:ext cx="4015800" cy="2982960"/>
           </a:xfrm>
           <a:prstGeom prst="rect">
             <a:avLst/>
@@ -825,6 +971,14 @@
           </a:bodyPr>
           <a:p>
             <a:endParaRPr b="0" lang="pl-PL" sz="3200" spc="-1" strike="noStrike">
+              <a:solidFill>
+                <a:srgbClr val="000000"/>
+              </a:solidFill>
+              <a:uFill>
+                <a:solidFill>
+                  <a:srgbClr val="ffffff"/>
+                </a:solidFill>
+              </a:uFill>
               <a:latin typeface="Arial"/>
             </a:endParaRPr>
           </a:p>
@@ -842,8 +996,8 @@
         </p:nvSpPr>
         <p:spPr>
           <a:xfrm>
-            <a:off x="4677120" y="1152360"/>
-            <a:ext cx="4157280" cy="3415680"/>
+            <a:off x="4674240" y="1203480"/>
+            <a:ext cx="4015800" cy="2982960"/>
           </a:xfrm>
           <a:prstGeom prst="rect">
             <a:avLst/>
@@ -855,6 +1009,14 @@
           </a:bodyPr>
           <a:p>
             <a:endParaRPr b="0" lang="pl-PL" sz="3200" spc="-1" strike="noStrike">
+              <a:solidFill>
+                <a:srgbClr val="000000"/>
+              </a:solidFill>
+              <a:uFill>
+                <a:solidFill>
+                  <a:srgbClr val="ffffff"/>
+                </a:solidFill>
+              </a:uFill>
               <a:latin typeface="Arial"/>
             </a:endParaRPr>
           </a:p>
@@ -894,20 +1056,26 @@
         </p:nvSpPr>
         <p:spPr>
           <a:xfrm>
-            <a:off x="311760" y="418320"/>
-            <a:ext cx="8519760" cy="625320"/>
+            <a:off x="457200" y="205200"/>
+            <a:ext cx="8229240" cy="858600"/>
           </a:xfrm>
           <a:prstGeom prst="rect">
             <a:avLst/>
           </a:prstGeom>
         </p:spPr>
         <p:txBody>
-          <a:bodyPr lIns="0" rIns="0" tIns="0" bIns="0" anchor="ctr">
-            <a:spAutoFit/>
-          </a:bodyPr>
+          <a:bodyPr lIns="0" rIns="0" tIns="0" bIns="0" anchor="ctr"/>
           <a:p>
             <a:pPr algn="ctr"/>
             <a:endParaRPr b="0" lang="pl-PL" sz="4400" spc="-1" strike="noStrike">
+              <a:solidFill>
+                <a:srgbClr val="000000"/>
+              </a:solidFill>
+              <a:uFill>
+                <a:solidFill>
+                  <a:srgbClr val="ffffff"/>
+                </a:solidFill>
+              </a:uFill>
               <a:latin typeface="Arial"/>
             </a:endParaRPr>
           </a:p>
@@ -947,20 +1115,26 @@
         </p:nvSpPr>
         <p:spPr>
           <a:xfrm>
-            <a:off x="311760" y="444960"/>
-            <a:ext cx="8519760" cy="2652840"/>
+            <a:off x="457200" y="205200"/>
+            <a:ext cx="8229240" cy="3981240"/>
           </a:xfrm>
           <a:prstGeom prst="rect">
             <a:avLst/>
           </a:prstGeom>
         </p:spPr>
         <p:txBody>
-          <a:bodyPr lIns="0" rIns="0" tIns="0" bIns="0" anchor="ctr">
-            <a:spAutoFit/>
-          </a:bodyPr>
+          <a:bodyPr lIns="0" rIns="0" tIns="0" bIns="0" anchor="ctr"/>
           <a:p>
             <a:pPr algn="ctr"/>
             <a:endParaRPr b="0" lang="pl-PL" sz="3200" spc="-1" strike="noStrike">
+              <a:solidFill>
+                <a:srgbClr val="000000"/>
+              </a:solidFill>
+              <a:uFill>
+                <a:solidFill>
+                  <a:srgbClr val="ffffff"/>
+                </a:solidFill>
+              </a:uFill>
               <a:latin typeface="Arial"/>
             </a:endParaRPr>
           </a:p>
@@ -1000,20 +1174,26 @@
         </p:nvSpPr>
         <p:spPr>
           <a:xfrm>
-            <a:off x="311760" y="418320"/>
-            <a:ext cx="8519760" cy="625320"/>
+            <a:off x="457200" y="205200"/>
+            <a:ext cx="8229240" cy="858600"/>
           </a:xfrm>
           <a:prstGeom prst="rect">
             <a:avLst/>
           </a:prstGeom>
         </p:spPr>
         <p:txBody>
-          <a:bodyPr lIns="0" rIns="0" tIns="0" bIns="0" anchor="ctr">
-            <a:spAutoFit/>
-          </a:bodyPr>
+          <a:bodyPr lIns="0" rIns="0" tIns="0" bIns="0" anchor="ctr"/>
           <a:p>
             <a:pPr algn="ctr"/>
             <a:endParaRPr b="0" lang="pl-PL" sz="4400" spc="-1" strike="noStrike">
+              <a:solidFill>
+                <a:srgbClr val="000000"/>
+              </a:solidFill>
+              <a:uFill>
+                <a:solidFill>
+                  <a:srgbClr val="ffffff"/>
+                </a:solidFill>
+              </a:uFill>
               <a:latin typeface="Arial"/>
             </a:endParaRPr>
           </a:p>
@@ -1031,8 +1211,8 @@
         </p:nvSpPr>
         <p:spPr>
           <a:xfrm>
-            <a:off x="311760" y="1152360"/>
-            <a:ext cx="4157280" cy="1629000"/>
+            <a:off x="457200" y="1203480"/>
+            <a:ext cx="4015800" cy="1422720"/>
           </a:xfrm>
           <a:prstGeom prst="rect">
             <a:avLst/>
@@ -1044,6 +1224,14 @@
           </a:bodyPr>
           <a:p>
             <a:endParaRPr b="0" lang="pl-PL" sz="3200" spc="-1" strike="noStrike">
+              <a:solidFill>
+                <a:srgbClr val="000000"/>
+              </a:solidFill>
+              <a:uFill>
+                <a:solidFill>
+                  <a:srgbClr val="ffffff"/>
+                </a:solidFill>
+              </a:uFill>
               <a:latin typeface="Arial"/>
             </a:endParaRPr>
           </a:p>
@@ -1061,8 +1249,8 @@
         </p:nvSpPr>
         <p:spPr>
           <a:xfrm>
-            <a:off x="4677120" y="1152360"/>
-            <a:ext cx="4157280" cy="3415680"/>
+            <a:off x="457200" y="2761920"/>
+            <a:ext cx="4015800" cy="1422720"/>
           </a:xfrm>
           <a:prstGeom prst="rect">
             <a:avLst/>
@@ -1074,6 +1262,14 @@
           </a:bodyPr>
           <a:p>
             <a:endParaRPr b="0" lang="pl-PL" sz="3200" spc="-1" strike="noStrike">
+              <a:solidFill>
+                <a:srgbClr val="000000"/>
+              </a:solidFill>
+              <a:uFill>
+                <a:solidFill>
+                  <a:srgbClr val="ffffff"/>
+                </a:solidFill>
+              </a:uFill>
               <a:latin typeface="Arial"/>
             </a:endParaRPr>
           </a:p>
@@ -1091,8 +1287,8 @@
         </p:nvSpPr>
         <p:spPr>
           <a:xfrm>
-            <a:off x="311760" y="2936520"/>
-            <a:ext cx="4157280" cy="1629000"/>
+            <a:off x="4674240" y="1203480"/>
+            <a:ext cx="4015800" cy="2982960"/>
           </a:xfrm>
           <a:prstGeom prst="rect">
             <a:avLst/>
@@ -1104,6 +1300,14 @@
           </a:bodyPr>
           <a:p>
             <a:endParaRPr b="0" lang="pl-PL" sz="3200" spc="-1" strike="noStrike">
+              <a:solidFill>
+                <a:srgbClr val="000000"/>
+              </a:solidFill>
+              <a:uFill>
+                <a:solidFill>
+                  <a:srgbClr val="ffffff"/>
+                </a:solidFill>
+              </a:uFill>
               <a:latin typeface="Arial"/>
             </a:endParaRPr>
           </a:p>
@@ -1143,20 +1347,26 @@
         </p:nvSpPr>
         <p:spPr>
           <a:xfrm>
-            <a:off x="311760" y="418320"/>
-            <a:ext cx="8519760" cy="625320"/>
+            <a:off x="457200" y="205200"/>
+            <a:ext cx="8229240" cy="858600"/>
           </a:xfrm>
           <a:prstGeom prst="rect">
             <a:avLst/>
           </a:prstGeom>
         </p:spPr>
         <p:txBody>
-          <a:bodyPr lIns="0" rIns="0" tIns="0" bIns="0" anchor="ctr">
-            <a:spAutoFit/>
-          </a:bodyPr>
+          <a:bodyPr lIns="0" rIns="0" tIns="0" bIns="0" anchor="ctr"/>
           <a:p>
             <a:pPr algn="ctr"/>
             <a:endParaRPr b="0" lang="pl-PL" sz="4400" spc="-1" strike="noStrike">
+              <a:solidFill>
+                <a:srgbClr val="000000"/>
+              </a:solidFill>
+              <a:uFill>
+                <a:solidFill>
+                  <a:srgbClr val="ffffff"/>
+                </a:solidFill>
+              </a:uFill>
               <a:latin typeface="Arial"/>
             </a:endParaRPr>
           </a:p>
@@ -1174,20 +1384,26 @@
         </p:nvSpPr>
         <p:spPr>
           <a:xfrm>
-            <a:off x="311760" y="1152360"/>
-            <a:ext cx="8519760" cy="3415680"/>
+            <a:off x="457200" y="1203480"/>
+            <a:ext cx="8229240" cy="2982960"/>
           </a:xfrm>
           <a:prstGeom prst="rect">
             <a:avLst/>
           </a:prstGeom>
         </p:spPr>
         <p:txBody>
-          <a:bodyPr lIns="0" rIns="0" tIns="0" bIns="0" anchor="ctr">
-            <a:spAutoFit/>
-          </a:bodyPr>
+          <a:bodyPr lIns="0" rIns="0" tIns="0" bIns="0" anchor="ctr"/>
           <a:p>
             <a:pPr algn="ctr"/>
             <a:endParaRPr b="0" lang="pl-PL" sz="3200" spc="-1" strike="noStrike">
+              <a:solidFill>
+                <a:srgbClr val="000000"/>
+              </a:solidFill>
+              <a:uFill>
+                <a:solidFill>
+                  <a:srgbClr val="ffffff"/>
+                </a:solidFill>
+              </a:uFill>
               <a:latin typeface="Arial"/>
             </a:endParaRPr>
           </a:p>
@@ -1227,20 +1443,26 @@
         </p:nvSpPr>
         <p:spPr>
           <a:xfrm>
-            <a:off x="311760" y="418320"/>
-            <a:ext cx="8519760" cy="625320"/>
+            <a:off x="457200" y="205200"/>
+            <a:ext cx="8229240" cy="858600"/>
           </a:xfrm>
           <a:prstGeom prst="rect">
             <a:avLst/>
           </a:prstGeom>
         </p:spPr>
         <p:txBody>
-          <a:bodyPr lIns="0" rIns="0" tIns="0" bIns="0" anchor="ctr">
-            <a:spAutoFit/>
-          </a:bodyPr>
+          <a:bodyPr lIns="0" rIns="0" tIns="0" bIns="0" anchor="ctr"/>
           <a:p>
             <a:pPr algn="ctr"/>
             <a:endParaRPr b="0" lang="pl-PL" sz="4400" spc="-1" strike="noStrike">
+              <a:solidFill>
+                <a:srgbClr val="000000"/>
+              </a:solidFill>
+              <a:uFill>
+                <a:solidFill>
+                  <a:srgbClr val="ffffff"/>
+                </a:solidFill>
+              </a:uFill>
               <a:latin typeface="Arial"/>
             </a:endParaRPr>
           </a:p>
@@ -1258,8 +1480,8 @@
         </p:nvSpPr>
         <p:spPr>
           <a:xfrm>
-            <a:off x="311760" y="1152360"/>
-            <a:ext cx="4157280" cy="3415680"/>
+            <a:off x="457200" y="1203480"/>
+            <a:ext cx="4015800" cy="2982960"/>
           </a:xfrm>
           <a:prstGeom prst="rect">
             <a:avLst/>
@@ -1271,6 +1493,14 @@
           </a:bodyPr>
           <a:p>
             <a:endParaRPr b="0" lang="pl-PL" sz="3200" spc="-1" strike="noStrike">
+              <a:solidFill>
+                <a:srgbClr val="000000"/>
+              </a:solidFill>
+              <a:uFill>
+                <a:solidFill>
+                  <a:srgbClr val="ffffff"/>
+                </a:solidFill>
+              </a:uFill>
               <a:latin typeface="Arial"/>
             </a:endParaRPr>
           </a:p>
@@ -1288,8 +1518,8 @@
         </p:nvSpPr>
         <p:spPr>
           <a:xfrm>
-            <a:off x="4677120" y="1152360"/>
-            <a:ext cx="4157280" cy="1629000"/>
+            <a:off x="4674240" y="1203480"/>
+            <a:ext cx="4015800" cy="1422720"/>
           </a:xfrm>
           <a:prstGeom prst="rect">
             <a:avLst/>
@@ -1301,6 +1531,14 @@
           </a:bodyPr>
           <a:p>
             <a:endParaRPr b="0" lang="pl-PL" sz="3200" spc="-1" strike="noStrike">
+              <a:solidFill>
+                <a:srgbClr val="000000"/>
+              </a:solidFill>
+              <a:uFill>
+                <a:solidFill>
+                  <a:srgbClr val="ffffff"/>
+                </a:solidFill>
+              </a:uFill>
               <a:latin typeface="Arial"/>
             </a:endParaRPr>
           </a:p>
@@ -1318,8 +1556,8 @@
         </p:nvSpPr>
         <p:spPr>
           <a:xfrm>
-            <a:off x="4677120" y="2936520"/>
-            <a:ext cx="4157280" cy="1629000"/>
+            <a:off x="4674240" y="2761920"/>
+            <a:ext cx="4015800" cy="1422720"/>
           </a:xfrm>
           <a:prstGeom prst="rect">
             <a:avLst/>
@@ -1331,6 +1569,14 @@
           </a:bodyPr>
           <a:p>
             <a:endParaRPr b="0" lang="pl-PL" sz="3200" spc="-1" strike="noStrike">
+              <a:solidFill>
+                <a:srgbClr val="000000"/>
+              </a:solidFill>
+              <a:uFill>
+                <a:solidFill>
+                  <a:srgbClr val="ffffff"/>
+                </a:solidFill>
+              </a:uFill>
               <a:latin typeface="Arial"/>
             </a:endParaRPr>
           </a:p>
@@ -1370,20 +1616,26 @@
         </p:nvSpPr>
         <p:spPr>
           <a:xfrm>
-            <a:off x="311760" y="418320"/>
-            <a:ext cx="8519760" cy="625320"/>
+            <a:off x="457200" y="205200"/>
+            <a:ext cx="8229240" cy="858600"/>
           </a:xfrm>
           <a:prstGeom prst="rect">
             <a:avLst/>
           </a:prstGeom>
         </p:spPr>
         <p:txBody>
-          <a:bodyPr lIns="0" rIns="0" tIns="0" bIns="0" anchor="ctr">
-            <a:spAutoFit/>
-          </a:bodyPr>
+          <a:bodyPr lIns="0" rIns="0" tIns="0" bIns="0" anchor="ctr"/>
           <a:p>
             <a:pPr algn="ctr"/>
             <a:endParaRPr b="0" lang="pl-PL" sz="4400" spc="-1" strike="noStrike">
+              <a:solidFill>
+                <a:srgbClr val="000000"/>
+              </a:solidFill>
+              <a:uFill>
+                <a:solidFill>
+                  <a:srgbClr val="ffffff"/>
+                </a:solidFill>
+              </a:uFill>
               <a:latin typeface="Arial"/>
             </a:endParaRPr>
           </a:p>
@@ -1401,8 +1653,8 @@
         </p:nvSpPr>
         <p:spPr>
           <a:xfrm>
-            <a:off x="311760" y="1152360"/>
-            <a:ext cx="4157280" cy="1629000"/>
+            <a:off x="457200" y="1203480"/>
+            <a:ext cx="4015800" cy="1422720"/>
           </a:xfrm>
           <a:prstGeom prst="rect">
             <a:avLst/>
@@ -1414,6 +1666,14 @@
           </a:bodyPr>
           <a:p>
             <a:endParaRPr b="0" lang="pl-PL" sz="3200" spc="-1" strike="noStrike">
+              <a:solidFill>
+                <a:srgbClr val="000000"/>
+              </a:solidFill>
+              <a:uFill>
+                <a:solidFill>
+                  <a:srgbClr val="ffffff"/>
+                </a:solidFill>
+              </a:uFill>
               <a:latin typeface="Arial"/>
             </a:endParaRPr>
           </a:p>
@@ -1431,8 +1691,8 @@
         </p:nvSpPr>
         <p:spPr>
           <a:xfrm>
-            <a:off x="4677120" y="1152360"/>
-            <a:ext cx="4157280" cy="1629000"/>
+            <a:off x="4674240" y="1203480"/>
+            <a:ext cx="4015800" cy="1422720"/>
           </a:xfrm>
           <a:prstGeom prst="rect">
             <a:avLst/>
@@ -1444,6 +1704,14 @@
           </a:bodyPr>
           <a:p>
             <a:endParaRPr b="0" lang="pl-PL" sz="3200" spc="-1" strike="noStrike">
+              <a:solidFill>
+                <a:srgbClr val="000000"/>
+              </a:solidFill>
+              <a:uFill>
+                <a:solidFill>
+                  <a:srgbClr val="ffffff"/>
+                </a:solidFill>
+              </a:uFill>
               <a:latin typeface="Arial"/>
             </a:endParaRPr>
           </a:p>
@@ -1461,8 +1729,8 @@
         </p:nvSpPr>
         <p:spPr>
           <a:xfrm>
-            <a:off x="311760" y="2936520"/>
-            <a:ext cx="8519760" cy="1629000"/>
+            <a:off x="457200" y="2761920"/>
+            <a:ext cx="8229240" cy="1422720"/>
           </a:xfrm>
           <a:prstGeom prst="rect">
             <a:avLst/>
@@ -1474,6 +1742,14 @@
           </a:bodyPr>
           <a:p>
             <a:endParaRPr b="0" lang="pl-PL" sz="3200" spc="-1" strike="noStrike">
+              <a:solidFill>
+                <a:srgbClr val="000000"/>
+              </a:solidFill>
+              <a:uFill>
+                <a:solidFill>
+                  <a:srgbClr val="ffffff"/>
+                </a:solidFill>
+              </a:uFill>
               <a:latin typeface="Arial"/>
             </a:endParaRPr>
           </a:p>
@@ -1513,20 +1789,26 @@
         </p:nvSpPr>
         <p:spPr>
           <a:xfrm>
-            <a:off x="311760" y="418320"/>
-            <a:ext cx="8519760" cy="625320"/>
+            <a:off x="457200" y="205200"/>
+            <a:ext cx="8229240" cy="858600"/>
           </a:xfrm>
           <a:prstGeom prst="rect">
             <a:avLst/>
           </a:prstGeom>
         </p:spPr>
         <p:txBody>
-          <a:bodyPr lIns="0" rIns="0" tIns="0" bIns="0" anchor="ctr">
-            <a:spAutoFit/>
-          </a:bodyPr>
+          <a:bodyPr lIns="0" rIns="0" tIns="0" bIns="0" anchor="ctr"/>
           <a:p>
             <a:pPr algn="ctr"/>
             <a:endParaRPr b="0" lang="pl-PL" sz="4400" spc="-1" strike="noStrike">
+              <a:solidFill>
+                <a:srgbClr val="000000"/>
+              </a:solidFill>
+              <a:uFill>
+                <a:solidFill>
+                  <a:srgbClr val="ffffff"/>
+                </a:solidFill>
+              </a:uFill>
               <a:latin typeface="Arial"/>
             </a:endParaRPr>
           </a:p>
@@ -1544,8 +1826,8 @@
         </p:nvSpPr>
         <p:spPr>
           <a:xfrm>
-            <a:off x="311760" y="1152360"/>
-            <a:ext cx="8519760" cy="1629000"/>
+            <a:off x="457200" y="1203480"/>
+            <a:ext cx="8229240" cy="1422720"/>
           </a:xfrm>
           <a:prstGeom prst="rect">
             <a:avLst/>
@@ -1557,6 +1839,14 @@
           </a:bodyPr>
           <a:p>
             <a:endParaRPr b="0" lang="pl-PL" sz="3200" spc="-1" strike="noStrike">
+              <a:solidFill>
+                <a:srgbClr val="000000"/>
+              </a:solidFill>
+              <a:uFill>
+                <a:solidFill>
+                  <a:srgbClr val="ffffff"/>
+                </a:solidFill>
+              </a:uFill>
               <a:latin typeface="Arial"/>
             </a:endParaRPr>
           </a:p>
@@ -1574,8 +1864,8 @@
         </p:nvSpPr>
         <p:spPr>
           <a:xfrm>
-            <a:off x="311760" y="2936520"/>
-            <a:ext cx="8519760" cy="1629000"/>
+            <a:off x="457200" y="2761920"/>
+            <a:ext cx="8229240" cy="1422720"/>
           </a:xfrm>
           <a:prstGeom prst="rect">
             <a:avLst/>
@@ -1587,6 +1877,14 @@
           </a:bodyPr>
           <a:p>
             <a:endParaRPr b="0" lang="pl-PL" sz="3200" spc="-1" strike="noStrike">
+              <a:solidFill>
+                <a:srgbClr val="000000"/>
+              </a:solidFill>
+              <a:uFill>
+                <a:solidFill>
+                  <a:srgbClr val="ffffff"/>
+                </a:solidFill>
+              </a:uFill>
               <a:latin typeface="Arial"/>
             </a:endParaRPr>
           </a:p>
@@ -1626,20 +1924,26 @@
         </p:nvSpPr>
         <p:spPr>
           <a:xfrm>
-            <a:off x="311760" y="418320"/>
-            <a:ext cx="8519760" cy="625320"/>
+            <a:off x="457200" y="205200"/>
+            <a:ext cx="8229240" cy="858600"/>
           </a:xfrm>
           <a:prstGeom prst="rect">
             <a:avLst/>
           </a:prstGeom>
         </p:spPr>
         <p:txBody>
-          <a:bodyPr lIns="0" rIns="0" tIns="0" bIns="0" anchor="ctr">
-            <a:spAutoFit/>
-          </a:bodyPr>
+          <a:bodyPr lIns="0" rIns="0" tIns="0" bIns="0" anchor="ctr"/>
           <a:p>
             <a:pPr algn="ctr"/>
             <a:endParaRPr b="0" lang="pl-PL" sz="4400" spc="-1" strike="noStrike">
+              <a:solidFill>
+                <a:srgbClr val="000000"/>
+              </a:solidFill>
+              <a:uFill>
+                <a:solidFill>
+                  <a:srgbClr val="ffffff"/>
+                </a:solidFill>
+              </a:uFill>
               <a:latin typeface="Arial"/>
             </a:endParaRPr>
           </a:p>
@@ -1657,8 +1961,8 @@
         </p:nvSpPr>
         <p:spPr>
           <a:xfrm>
-            <a:off x="311760" y="1152360"/>
-            <a:ext cx="4157280" cy="1629000"/>
+            <a:off x="457200" y="1203480"/>
+            <a:ext cx="4015800" cy="1422720"/>
           </a:xfrm>
           <a:prstGeom prst="rect">
             <a:avLst/>
@@ -1670,6 +1974,14 @@
           </a:bodyPr>
           <a:p>
             <a:endParaRPr b="0" lang="pl-PL" sz="3200" spc="-1" strike="noStrike">
+              <a:solidFill>
+                <a:srgbClr val="000000"/>
+              </a:solidFill>
+              <a:uFill>
+                <a:solidFill>
+                  <a:srgbClr val="ffffff"/>
+                </a:solidFill>
+              </a:uFill>
               <a:latin typeface="Arial"/>
             </a:endParaRPr>
           </a:p>
@@ -1687,8 +1999,8 @@
         </p:nvSpPr>
         <p:spPr>
           <a:xfrm>
-            <a:off x="4677120" y="1152360"/>
-            <a:ext cx="4157280" cy="1629000"/>
+            <a:off x="4674240" y="1203480"/>
+            <a:ext cx="4015800" cy="1422720"/>
           </a:xfrm>
           <a:prstGeom prst="rect">
             <a:avLst/>
@@ -1700,6 +2012,14 @@
           </a:bodyPr>
           <a:p>
             <a:endParaRPr b="0" lang="pl-PL" sz="3200" spc="-1" strike="noStrike">
+              <a:solidFill>
+                <a:srgbClr val="000000"/>
+              </a:solidFill>
+              <a:uFill>
+                <a:solidFill>
+                  <a:srgbClr val="ffffff"/>
+                </a:solidFill>
+              </a:uFill>
               <a:latin typeface="Arial"/>
             </a:endParaRPr>
           </a:p>
@@ -1717,8 +2037,8 @@
         </p:nvSpPr>
         <p:spPr>
           <a:xfrm>
-            <a:off x="311760" y="2936520"/>
-            <a:ext cx="4157280" cy="1629000"/>
+            <a:off x="4674240" y="2761920"/>
+            <a:ext cx="4015800" cy="1422720"/>
           </a:xfrm>
           <a:prstGeom prst="rect">
             <a:avLst/>
@@ -1730,6 +2050,14 @@
           </a:bodyPr>
           <a:p>
             <a:endParaRPr b="0" lang="pl-PL" sz="3200" spc="-1" strike="noStrike">
+              <a:solidFill>
+                <a:srgbClr val="000000"/>
+              </a:solidFill>
+              <a:uFill>
+                <a:solidFill>
+                  <a:srgbClr val="ffffff"/>
+                </a:solidFill>
+              </a:uFill>
               <a:latin typeface="Arial"/>
             </a:endParaRPr>
           </a:p>
@@ -1747,8 +2075,8 @@
         </p:nvSpPr>
         <p:spPr>
           <a:xfrm>
-            <a:off x="4677120" y="2936520"/>
-            <a:ext cx="4157280" cy="1629000"/>
+            <a:off x="457200" y="2761920"/>
+            <a:ext cx="4015800" cy="1422720"/>
           </a:xfrm>
           <a:prstGeom prst="rect">
             <a:avLst/>
@@ -1760,6 +2088,14 @@
           </a:bodyPr>
           <a:p>
             <a:endParaRPr b="0" lang="pl-PL" sz="3200" spc="-1" strike="noStrike">
+              <a:solidFill>
+                <a:srgbClr val="000000"/>
+              </a:solidFill>
+              <a:uFill>
+                <a:solidFill>
+                  <a:srgbClr val="ffffff"/>
+                </a:solidFill>
+              </a:uFill>
               <a:latin typeface="Arial"/>
             </a:endParaRPr>
           </a:p>
@@ -1799,20 +2135,26 @@
         </p:nvSpPr>
         <p:spPr>
           <a:xfrm>
-            <a:off x="311760" y="418320"/>
-            <a:ext cx="8519760" cy="625320"/>
+            <a:off x="457200" y="205200"/>
+            <a:ext cx="8229240" cy="858600"/>
           </a:xfrm>
           <a:prstGeom prst="rect">
             <a:avLst/>
           </a:prstGeom>
         </p:spPr>
         <p:txBody>
-          <a:bodyPr lIns="0" rIns="0" tIns="0" bIns="0" anchor="ctr">
-            <a:spAutoFit/>
-          </a:bodyPr>
+          <a:bodyPr lIns="0" rIns="0" tIns="0" bIns="0" anchor="ctr"/>
           <a:p>
             <a:pPr algn="ctr"/>
             <a:endParaRPr b="0" lang="pl-PL" sz="4400" spc="-1" strike="noStrike">
+              <a:solidFill>
+                <a:srgbClr val="000000"/>
+              </a:solidFill>
+              <a:uFill>
+                <a:solidFill>
+                  <a:srgbClr val="ffffff"/>
+                </a:solidFill>
+              </a:uFill>
               <a:latin typeface="Arial"/>
             </a:endParaRPr>
           </a:p>
@@ -1830,8 +2172,8 @@
         </p:nvSpPr>
         <p:spPr>
           <a:xfrm>
-            <a:off x="311760" y="1152360"/>
-            <a:ext cx="2743200" cy="1629000"/>
+            <a:off x="457200" y="1203480"/>
+            <a:ext cx="2649600" cy="1422720"/>
           </a:xfrm>
           <a:prstGeom prst="rect">
             <a:avLst/>
@@ -1843,6 +2185,14 @@
           </a:bodyPr>
           <a:p>
             <a:endParaRPr b="0" lang="pl-PL" sz="3200" spc="-1" strike="noStrike">
+              <a:solidFill>
+                <a:srgbClr val="000000"/>
+              </a:solidFill>
+              <a:uFill>
+                <a:solidFill>
+                  <a:srgbClr val="ffffff"/>
+                </a:solidFill>
+              </a:uFill>
               <a:latin typeface="Arial"/>
             </a:endParaRPr>
           </a:p>
@@ -1860,8 +2210,8 @@
         </p:nvSpPr>
         <p:spPr>
           <a:xfrm>
-            <a:off x="3192480" y="1152360"/>
-            <a:ext cx="2743200" cy="1629000"/>
+            <a:off x="3239640" y="1203480"/>
+            <a:ext cx="2649600" cy="1422720"/>
           </a:xfrm>
           <a:prstGeom prst="rect">
             <a:avLst/>
@@ -1873,6 +2223,14 @@
           </a:bodyPr>
           <a:p>
             <a:endParaRPr b="0" lang="pl-PL" sz="3200" spc="-1" strike="noStrike">
+              <a:solidFill>
+                <a:srgbClr val="000000"/>
+              </a:solidFill>
+              <a:uFill>
+                <a:solidFill>
+                  <a:srgbClr val="ffffff"/>
+                </a:solidFill>
+              </a:uFill>
               <a:latin typeface="Arial"/>
             </a:endParaRPr>
           </a:p>
@@ -1890,8 +2248,8 @@
         </p:nvSpPr>
         <p:spPr>
           <a:xfrm>
-            <a:off x="6073200" y="1152360"/>
-            <a:ext cx="2743200" cy="1629000"/>
+            <a:off x="6022080" y="1203480"/>
+            <a:ext cx="2649600" cy="1422720"/>
           </a:xfrm>
           <a:prstGeom prst="rect">
             <a:avLst/>
@@ -1903,6 +2261,14 @@
           </a:bodyPr>
           <a:p>
             <a:endParaRPr b="0" lang="pl-PL" sz="3200" spc="-1" strike="noStrike">
+              <a:solidFill>
+                <a:srgbClr val="000000"/>
+              </a:solidFill>
+              <a:uFill>
+                <a:solidFill>
+                  <a:srgbClr val="ffffff"/>
+                </a:solidFill>
+              </a:uFill>
               <a:latin typeface="Arial"/>
             </a:endParaRPr>
           </a:p>
@@ -1920,8 +2286,8 @@
         </p:nvSpPr>
         <p:spPr>
           <a:xfrm>
-            <a:off x="311760" y="2936520"/>
-            <a:ext cx="2743200" cy="1629000"/>
+            <a:off x="6022080" y="2761920"/>
+            <a:ext cx="2649600" cy="1422720"/>
           </a:xfrm>
           <a:prstGeom prst="rect">
             <a:avLst/>
@@ -1933,6 +2299,14 @@
           </a:bodyPr>
           <a:p>
             <a:endParaRPr b="0" lang="pl-PL" sz="3200" spc="-1" strike="noStrike">
+              <a:solidFill>
+                <a:srgbClr val="000000"/>
+              </a:solidFill>
+              <a:uFill>
+                <a:solidFill>
+                  <a:srgbClr val="ffffff"/>
+                </a:solidFill>
+              </a:uFill>
               <a:latin typeface="Arial"/>
             </a:endParaRPr>
           </a:p>
@@ -1950,8 +2324,8 @@
         </p:nvSpPr>
         <p:spPr>
           <a:xfrm>
-            <a:off x="3192480" y="2936520"/>
-            <a:ext cx="2743200" cy="1629000"/>
+            <a:off x="3239640" y="2761920"/>
+            <a:ext cx="2649600" cy="1422720"/>
           </a:xfrm>
           <a:prstGeom prst="rect">
             <a:avLst/>
@@ -1963,6 +2337,14 @@
           </a:bodyPr>
           <a:p>
             <a:endParaRPr b="0" lang="pl-PL" sz="3200" spc="-1" strike="noStrike">
+              <a:solidFill>
+                <a:srgbClr val="000000"/>
+              </a:solidFill>
+              <a:uFill>
+                <a:solidFill>
+                  <a:srgbClr val="ffffff"/>
+                </a:solidFill>
+              </a:uFill>
               <a:latin typeface="Arial"/>
             </a:endParaRPr>
           </a:p>
@@ -1980,8 +2362,8 @@
         </p:nvSpPr>
         <p:spPr>
           <a:xfrm>
-            <a:off x="6073200" y="2936520"/>
-            <a:ext cx="2743200" cy="1629000"/>
+            <a:off x="457200" y="2761920"/>
+            <a:ext cx="2649600" cy="1422720"/>
           </a:xfrm>
           <a:prstGeom prst="rect">
             <a:avLst/>
@@ -1993,6 +2375,14 @@
           </a:bodyPr>
           <a:p>
             <a:endParaRPr b="0" lang="pl-PL" sz="3200" spc="-1" strike="noStrike">
+              <a:solidFill>
+                <a:srgbClr val="000000"/>
+              </a:solidFill>
+              <a:uFill>
+                <a:solidFill>
+                  <a:srgbClr val="ffffff"/>
+                </a:solidFill>
+              </a:uFill>
               <a:latin typeface="Arial"/>
             </a:endParaRPr>
           </a:p>
@@ -2032,20 +2422,26 @@
         </p:nvSpPr>
         <p:spPr>
           <a:xfrm>
-            <a:off x="311760" y="418320"/>
-            <a:ext cx="8519760" cy="625320"/>
+            <a:off x="457200" y="205200"/>
+            <a:ext cx="8229240" cy="858600"/>
           </a:xfrm>
           <a:prstGeom prst="rect">
             <a:avLst/>
           </a:prstGeom>
         </p:spPr>
         <p:txBody>
-          <a:bodyPr lIns="0" rIns="0" tIns="0" bIns="0" anchor="ctr">
-            <a:spAutoFit/>
-          </a:bodyPr>
+          <a:bodyPr lIns="0" rIns="0" tIns="0" bIns="0" anchor="ctr"/>
           <a:p>
             <a:pPr algn="ctr"/>
             <a:endParaRPr b="0" lang="pl-PL" sz="4400" spc="-1" strike="noStrike">
+              <a:solidFill>
+                <a:srgbClr val="000000"/>
+              </a:solidFill>
+              <a:uFill>
+                <a:solidFill>
+                  <a:srgbClr val="ffffff"/>
+                </a:solidFill>
+              </a:uFill>
               <a:latin typeface="Arial"/>
             </a:endParaRPr>
           </a:p>
@@ -2063,8 +2459,8 @@
         </p:nvSpPr>
         <p:spPr>
           <a:xfrm>
-            <a:off x="311760" y="1152360"/>
-            <a:ext cx="8519760" cy="3415680"/>
+            <a:off x="457200" y="1203480"/>
+            <a:ext cx="8229240" cy="2982960"/>
           </a:xfrm>
           <a:prstGeom prst="rect">
             <a:avLst/>
@@ -2076,6 +2472,14 @@
           </a:bodyPr>
           <a:p>
             <a:endParaRPr b="0" lang="pl-PL" sz="3200" spc="-1" strike="noStrike">
+              <a:solidFill>
+                <a:srgbClr val="000000"/>
+              </a:solidFill>
+              <a:uFill>
+                <a:solidFill>
+                  <a:srgbClr val="ffffff"/>
+                </a:solidFill>
+              </a:uFill>
               <a:latin typeface="Arial"/>
             </a:endParaRPr>
           </a:p>
@@ -2115,20 +2519,26 @@
         </p:nvSpPr>
         <p:spPr>
           <a:xfrm>
-            <a:off x="311760" y="418320"/>
-            <a:ext cx="8519760" cy="625320"/>
+            <a:off x="457200" y="205200"/>
+            <a:ext cx="8229240" cy="858600"/>
           </a:xfrm>
           <a:prstGeom prst="rect">
             <a:avLst/>
           </a:prstGeom>
         </p:spPr>
         <p:txBody>
-          <a:bodyPr lIns="0" rIns="0" tIns="0" bIns="0" anchor="ctr">
-            <a:spAutoFit/>
-          </a:bodyPr>
+          <a:bodyPr lIns="0" rIns="0" tIns="0" bIns="0" anchor="ctr"/>
           <a:p>
             <a:pPr algn="ctr"/>
             <a:endParaRPr b="0" lang="pl-PL" sz="4400" spc="-1" strike="noStrike">
+              <a:solidFill>
+                <a:srgbClr val="000000"/>
+              </a:solidFill>
+              <a:uFill>
+                <a:solidFill>
+                  <a:srgbClr val="ffffff"/>
+                </a:solidFill>
+              </a:uFill>
               <a:latin typeface="Arial"/>
             </a:endParaRPr>
           </a:p>
@@ -2146,8 +2556,8 @@
         </p:nvSpPr>
         <p:spPr>
           <a:xfrm>
-            <a:off x="311760" y="1152360"/>
-            <a:ext cx="4157280" cy="3415680"/>
+            <a:off x="457200" y="1203480"/>
+            <a:ext cx="4015800" cy="2982960"/>
           </a:xfrm>
           <a:prstGeom prst="rect">
             <a:avLst/>
@@ -2159,6 +2569,14 @@
           </a:bodyPr>
           <a:p>
             <a:endParaRPr b="0" lang="pl-PL" sz="3200" spc="-1" strike="noStrike">
+              <a:solidFill>
+                <a:srgbClr val="000000"/>
+              </a:solidFill>
+              <a:uFill>
+                <a:solidFill>
+                  <a:srgbClr val="ffffff"/>
+                </a:solidFill>
+              </a:uFill>
               <a:latin typeface="Arial"/>
             </a:endParaRPr>
           </a:p>
@@ -2176,8 +2594,8 @@
         </p:nvSpPr>
         <p:spPr>
           <a:xfrm>
-            <a:off x="4677120" y="1152360"/>
-            <a:ext cx="4157280" cy="3415680"/>
+            <a:off x="4674240" y="1203480"/>
+            <a:ext cx="4015800" cy="2982960"/>
           </a:xfrm>
           <a:prstGeom prst="rect">
             <a:avLst/>
@@ -2189,6 +2607,14 @@
           </a:bodyPr>
           <a:p>
             <a:endParaRPr b="0" lang="pl-PL" sz="3200" spc="-1" strike="noStrike">
+              <a:solidFill>
+                <a:srgbClr val="000000"/>
+              </a:solidFill>
+              <a:uFill>
+                <a:solidFill>
+                  <a:srgbClr val="ffffff"/>
+                </a:solidFill>
+              </a:uFill>
               <a:latin typeface="Arial"/>
             </a:endParaRPr>
           </a:p>
@@ -2228,20 +2654,26 @@
         </p:nvSpPr>
         <p:spPr>
           <a:xfrm>
-            <a:off x="311760" y="418320"/>
-            <a:ext cx="8519760" cy="625320"/>
+            <a:off x="457200" y="205200"/>
+            <a:ext cx="8229240" cy="858600"/>
           </a:xfrm>
           <a:prstGeom prst="rect">
             <a:avLst/>
           </a:prstGeom>
         </p:spPr>
         <p:txBody>
-          <a:bodyPr lIns="0" rIns="0" tIns="0" bIns="0" anchor="ctr">
-            <a:spAutoFit/>
-          </a:bodyPr>
+          <a:bodyPr lIns="0" rIns="0" tIns="0" bIns="0" anchor="ctr"/>
           <a:p>
             <a:pPr algn="ctr"/>
             <a:endParaRPr b="0" lang="pl-PL" sz="4400" spc="-1" strike="noStrike">
+              <a:solidFill>
+                <a:srgbClr val="000000"/>
+              </a:solidFill>
+              <a:uFill>
+                <a:solidFill>
+                  <a:srgbClr val="ffffff"/>
+                </a:solidFill>
+              </a:uFill>
               <a:latin typeface="Arial"/>
             </a:endParaRPr>
           </a:p>
@@ -2281,20 +2713,26 @@
         </p:nvSpPr>
         <p:spPr>
           <a:xfrm>
-            <a:off x="311760" y="444960"/>
-            <a:ext cx="8519760" cy="2652840"/>
+            <a:off x="457200" y="205200"/>
+            <a:ext cx="8229240" cy="3981240"/>
           </a:xfrm>
           <a:prstGeom prst="rect">
             <a:avLst/>
           </a:prstGeom>
         </p:spPr>
         <p:txBody>
-          <a:bodyPr lIns="0" rIns="0" tIns="0" bIns="0" anchor="ctr">
-            <a:spAutoFit/>
-          </a:bodyPr>
+          <a:bodyPr lIns="0" rIns="0" tIns="0" bIns="0" anchor="ctr"/>
           <a:p>
             <a:pPr algn="ctr"/>
             <a:endParaRPr b="0" lang="pl-PL" sz="3200" spc="-1" strike="noStrike">
+              <a:solidFill>
+                <a:srgbClr val="000000"/>
+              </a:solidFill>
+              <a:uFill>
+                <a:solidFill>
+                  <a:srgbClr val="ffffff"/>
+                </a:solidFill>
+              </a:uFill>
               <a:latin typeface="Arial"/>
             </a:endParaRPr>
           </a:p>
@@ -2334,20 +2772,26 @@
         </p:nvSpPr>
         <p:spPr>
           <a:xfrm>
-            <a:off x="311760" y="418320"/>
-            <a:ext cx="8519760" cy="625320"/>
+            <a:off x="457200" y="205200"/>
+            <a:ext cx="8229240" cy="858600"/>
           </a:xfrm>
           <a:prstGeom prst="rect">
             <a:avLst/>
           </a:prstGeom>
         </p:spPr>
         <p:txBody>
-          <a:bodyPr lIns="0" rIns="0" tIns="0" bIns="0" anchor="ctr">
-            <a:spAutoFit/>
-          </a:bodyPr>
+          <a:bodyPr lIns="0" rIns="0" tIns="0" bIns="0" anchor="ctr"/>
           <a:p>
             <a:pPr algn="ctr"/>
             <a:endParaRPr b="0" lang="pl-PL" sz="4400" spc="-1" strike="noStrike">
+              <a:solidFill>
+                <a:srgbClr val="000000"/>
+              </a:solidFill>
+              <a:uFill>
+                <a:solidFill>
+                  <a:srgbClr val="ffffff"/>
+                </a:solidFill>
+              </a:uFill>
               <a:latin typeface="Arial"/>
             </a:endParaRPr>
           </a:p>
@@ -2365,8 +2809,8 @@
         </p:nvSpPr>
         <p:spPr>
           <a:xfrm>
-            <a:off x="311760" y="1152360"/>
-            <a:ext cx="4157280" cy="1629000"/>
+            <a:off x="457200" y="1203480"/>
+            <a:ext cx="4015800" cy="1422720"/>
           </a:xfrm>
           <a:prstGeom prst="rect">
             <a:avLst/>
@@ -2378,6 +2822,14 @@
           </a:bodyPr>
           <a:p>
             <a:endParaRPr b="0" lang="pl-PL" sz="3200" spc="-1" strike="noStrike">
+              <a:solidFill>
+                <a:srgbClr val="000000"/>
+              </a:solidFill>
+              <a:uFill>
+                <a:solidFill>
+                  <a:srgbClr val="ffffff"/>
+                </a:solidFill>
+              </a:uFill>
               <a:latin typeface="Arial"/>
             </a:endParaRPr>
           </a:p>
@@ -2395,8 +2847,8 @@
         </p:nvSpPr>
         <p:spPr>
           <a:xfrm>
-            <a:off x="4677120" y="1152360"/>
-            <a:ext cx="4157280" cy="3415680"/>
+            <a:off x="457200" y="2761920"/>
+            <a:ext cx="4015800" cy="1422720"/>
           </a:xfrm>
           <a:prstGeom prst="rect">
             <a:avLst/>
@@ -2408,6 +2860,14 @@
           </a:bodyPr>
           <a:p>
             <a:endParaRPr b="0" lang="pl-PL" sz="3200" spc="-1" strike="noStrike">
+              <a:solidFill>
+                <a:srgbClr val="000000"/>
+              </a:solidFill>
+              <a:uFill>
+                <a:solidFill>
+                  <a:srgbClr val="ffffff"/>
+                </a:solidFill>
+              </a:uFill>
               <a:latin typeface="Arial"/>
             </a:endParaRPr>
           </a:p>
@@ -2425,8 +2885,8 @@
         </p:nvSpPr>
         <p:spPr>
           <a:xfrm>
-            <a:off x="311760" y="2936520"/>
-            <a:ext cx="4157280" cy="1629000"/>
+            <a:off x="4674240" y="1203480"/>
+            <a:ext cx="4015800" cy="2982960"/>
           </a:xfrm>
           <a:prstGeom prst="rect">
             <a:avLst/>
@@ -2438,6 +2898,14 @@
           </a:bodyPr>
           <a:p>
             <a:endParaRPr b="0" lang="pl-PL" sz="3200" spc="-1" strike="noStrike">
+              <a:solidFill>
+                <a:srgbClr val="000000"/>
+              </a:solidFill>
+              <a:uFill>
+                <a:solidFill>
+                  <a:srgbClr val="ffffff"/>
+                </a:solidFill>
+              </a:uFill>
               <a:latin typeface="Arial"/>
             </a:endParaRPr>
           </a:p>
@@ -2477,20 +2945,26 @@
         </p:nvSpPr>
         <p:spPr>
           <a:xfrm>
-            <a:off x="311760" y="418320"/>
-            <a:ext cx="8519760" cy="625320"/>
+            <a:off x="457200" y="205200"/>
+            <a:ext cx="8229240" cy="858600"/>
           </a:xfrm>
           <a:prstGeom prst="rect">
             <a:avLst/>
           </a:prstGeom>
         </p:spPr>
         <p:txBody>
-          <a:bodyPr lIns="0" rIns="0" tIns="0" bIns="0" anchor="ctr">
-            <a:spAutoFit/>
-          </a:bodyPr>
+          <a:bodyPr lIns="0" rIns="0" tIns="0" bIns="0" anchor="ctr"/>
           <a:p>
             <a:pPr algn="ctr"/>
             <a:endParaRPr b="0" lang="pl-PL" sz="4400" spc="-1" strike="noStrike">
+              <a:solidFill>
+                <a:srgbClr val="000000"/>
+              </a:solidFill>
+              <a:uFill>
+                <a:solidFill>
+                  <a:srgbClr val="ffffff"/>
+                </a:solidFill>
+              </a:uFill>
               <a:latin typeface="Arial"/>
             </a:endParaRPr>
           </a:p>
@@ -2508,8 +2982,8 @@
         </p:nvSpPr>
         <p:spPr>
           <a:xfrm>
-            <a:off x="311760" y="1152360"/>
-            <a:ext cx="4157280" cy="3415680"/>
+            <a:off x="457200" y="1203480"/>
+            <a:ext cx="4015800" cy="2982960"/>
           </a:xfrm>
           <a:prstGeom prst="rect">
             <a:avLst/>
@@ -2521,6 +2995,14 @@
           </a:bodyPr>
           <a:p>
             <a:endParaRPr b="0" lang="pl-PL" sz="3200" spc="-1" strike="noStrike">
+              <a:solidFill>
+                <a:srgbClr val="000000"/>
+              </a:solidFill>
+              <a:uFill>
+                <a:solidFill>
+                  <a:srgbClr val="ffffff"/>
+                </a:solidFill>
+              </a:uFill>
               <a:latin typeface="Arial"/>
             </a:endParaRPr>
           </a:p>
@@ -2538,8 +3020,8 @@
         </p:nvSpPr>
         <p:spPr>
           <a:xfrm>
-            <a:off x="4677120" y="1152360"/>
-            <a:ext cx="4157280" cy="1629000"/>
+            <a:off x="4674240" y="1203480"/>
+            <a:ext cx="4015800" cy="1422720"/>
           </a:xfrm>
           <a:prstGeom prst="rect">
             <a:avLst/>
@@ -2551,6 +3033,14 @@
           </a:bodyPr>
           <a:p>
             <a:endParaRPr b="0" lang="pl-PL" sz="3200" spc="-1" strike="noStrike">
+              <a:solidFill>
+                <a:srgbClr val="000000"/>
+              </a:solidFill>
+              <a:uFill>
+                <a:solidFill>
+                  <a:srgbClr val="ffffff"/>
+                </a:solidFill>
+              </a:uFill>
               <a:latin typeface="Arial"/>
             </a:endParaRPr>
           </a:p>
@@ -2568,8 +3058,8 @@
         </p:nvSpPr>
         <p:spPr>
           <a:xfrm>
-            <a:off x="4677120" y="2936520"/>
-            <a:ext cx="4157280" cy="1629000"/>
+            <a:off x="4674240" y="2761920"/>
+            <a:ext cx="4015800" cy="1422720"/>
           </a:xfrm>
           <a:prstGeom prst="rect">
             <a:avLst/>
@@ -2581,6 +3071,14 @@
           </a:bodyPr>
           <a:p>
             <a:endParaRPr b="0" lang="pl-PL" sz="3200" spc="-1" strike="noStrike">
+              <a:solidFill>
+                <a:srgbClr val="000000"/>
+              </a:solidFill>
+              <a:uFill>
+                <a:solidFill>
+                  <a:srgbClr val="ffffff"/>
+                </a:solidFill>
+              </a:uFill>
               <a:latin typeface="Arial"/>
             </a:endParaRPr>
           </a:p>
@@ -2620,20 +3118,26 @@
         </p:nvSpPr>
         <p:spPr>
           <a:xfrm>
-            <a:off x="311760" y="418320"/>
-            <a:ext cx="8519760" cy="625320"/>
+            <a:off x="457200" y="205200"/>
+            <a:ext cx="8229240" cy="858600"/>
           </a:xfrm>
           <a:prstGeom prst="rect">
             <a:avLst/>
           </a:prstGeom>
         </p:spPr>
         <p:txBody>
-          <a:bodyPr lIns="0" rIns="0" tIns="0" bIns="0" anchor="ctr">
-            <a:spAutoFit/>
-          </a:bodyPr>
+          <a:bodyPr lIns="0" rIns="0" tIns="0" bIns="0" anchor="ctr"/>
           <a:p>
             <a:pPr algn="ctr"/>
             <a:endParaRPr b="0" lang="pl-PL" sz="4400" spc="-1" strike="noStrike">
+              <a:solidFill>
+                <a:srgbClr val="000000"/>
+              </a:solidFill>
+              <a:uFill>
+                <a:solidFill>
+                  <a:srgbClr val="ffffff"/>
+                </a:solidFill>
+              </a:uFill>
               <a:latin typeface="Arial"/>
             </a:endParaRPr>
           </a:p>
@@ -2651,8 +3155,8 @@
         </p:nvSpPr>
         <p:spPr>
           <a:xfrm>
-            <a:off x="311760" y="1152360"/>
-            <a:ext cx="4157280" cy="1629000"/>
+            <a:off x="457200" y="1203480"/>
+            <a:ext cx="4015800" cy="1422720"/>
           </a:xfrm>
           <a:prstGeom prst="rect">
             <a:avLst/>
@@ -2664,6 +3168,14 @@
           </a:bodyPr>
           <a:p>
             <a:endParaRPr b="0" lang="pl-PL" sz="3200" spc="-1" strike="noStrike">
+              <a:solidFill>
+                <a:srgbClr val="000000"/>
+              </a:solidFill>
+              <a:uFill>
+                <a:solidFill>
+                  <a:srgbClr val="ffffff"/>
+                </a:solidFill>
+              </a:uFill>
               <a:latin typeface="Arial"/>
             </a:endParaRPr>
           </a:p>
@@ -2681,8 +3193,8 @@
         </p:nvSpPr>
         <p:spPr>
           <a:xfrm>
-            <a:off x="4677120" y="1152360"/>
-            <a:ext cx="4157280" cy="1629000"/>
+            <a:off x="4674240" y="1203480"/>
+            <a:ext cx="4015800" cy="1422720"/>
           </a:xfrm>
           <a:prstGeom prst="rect">
             <a:avLst/>
@@ -2694,6 +3206,14 @@
           </a:bodyPr>
           <a:p>
             <a:endParaRPr b="0" lang="pl-PL" sz="3200" spc="-1" strike="noStrike">
+              <a:solidFill>
+                <a:srgbClr val="000000"/>
+              </a:solidFill>
+              <a:uFill>
+                <a:solidFill>
+                  <a:srgbClr val="ffffff"/>
+                </a:solidFill>
+              </a:uFill>
               <a:latin typeface="Arial"/>
             </a:endParaRPr>
           </a:p>
@@ -2711,8 +3231,8 @@
         </p:nvSpPr>
         <p:spPr>
           <a:xfrm>
-            <a:off x="311760" y="2936520"/>
-            <a:ext cx="8519760" cy="1629000"/>
+            <a:off x="457200" y="2761920"/>
+            <a:ext cx="8229240" cy="1422720"/>
           </a:xfrm>
           <a:prstGeom prst="rect">
             <a:avLst/>
@@ -2724,6 +3244,14 @@
           </a:bodyPr>
           <a:p>
             <a:endParaRPr b="0" lang="pl-PL" sz="3200" spc="-1" strike="noStrike">
+              <a:solidFill>
+                <a:srgbClr val="000000"/>
+              </a:solidFill>
+              <a:uFill>
+                <a:solidFill>
+                  <a:srgbClr val="ffffff"/>
+                </a:solidFill>
+              </a:uFill>
               <a:latin typeface="Arial"/>
             </a:endParaRPr>
           </a:p>
@@ -2770,25 +3298,39 @@
         </p:nvSpPr>
         <p:spPr>
           <a:xfrm>
-            <a:off x="311760" y="444960"/>
-            <a:ext cx="8519760" cy="572040"/>
+            <a:off x="311760" y="301320"/>
+            <a:ext cx="8519400" cy="858960"/>
           </a:xfrm>
           <a:prstGeom prst="rect">
             <a:avLst/>
           </a:prstGeom>
         </p:spPr>
         <p:txBody>
-          <a:bodyPr lIns="0" rIns="0" tIns="0" bIns="0" anchor="ctr">
-            <a:noAutofit/>
-          </a:bodyPr>
+          <a:bodyPr lIns="0" rIns="0" tIns="0" bIns="0" anchor="ctr"/>
           <a:p>
             <a:r>
               <a:rPr b="0" lang="pl-PL" sz="1800" spc="-1" strike="noStrike">
+                <a:solidFill>
+                  <a:srgbClr val="000000"/>
+                </a:solidFill>
+                <a:uFill>
+                  <a:solidFill>
+                    <a:srgbClr val="ffffff"/>
+                  </a:solidFill>
+                </a:uFill>
                 <a:latin typeface="Arial"/>
               </a:rPr>
               <a:t>Kliknij, aby edytować format tekstu tytułu</a:t>
             </a:r>
             <a:endParaRPr b="0" lang="pl-PL" sz="1800" spc="-1" strike="noStrike">
+              <a:solidFill>
+                <a:srgbClr val="000000"/>
+              </a:solidFill>
+              <a:uFill>
+                <a:solidFill>
+                  <a:srgbClr val="ffffff"/>
+                </a:solidFill>
+              </a:uFill>
               <a:latin typeface="Arial"/>
             </a:endParaRPr>
           </a:p>
@@ -2806,8 +3348,8 @@
         </p:nvSpPr>
         <p:spPr>
           <a:xfrm>
-            <a:off x="457200" y="1203480"/>
-            <a:ext cx="8229240" cy="2982960"/>
+            <a:off x="311760" y="1152360"/>
+            <a:ext cx="8519400" cy="3415320"/>
           </a:xfrm>
           <a:prstGeom prst="rect">
             <a:avLst/>
@@ -2815,7 +3357,7 @@
         </p:spPr>
         <p:txBody>
           <a:bodyPr lIns="0" rIns="0" tIns="0" bIns="0">
-            <a:normAutofit fontScale="80000"/>
+            <a:normAutofit/>
           </a:bodyPr>
           <a:p>
             <a:pPr marL="432000" indent="-324000">
@@ -2830,12 +3372,28 @@
               <a:buChar char=""/>
             </a:pPr>
             <a:r>
-              <a:rPr b="0" lang="pl-PL" sz="3200" spc="-1" strike="noStrike">
+              <a:rPr b="0" lang="pl-PL" sz="1800" spc="-1" strike="noStrike">
+                <a:solidFill>
+                  <a:srgbClr val="000000"/>
+                </a:solidFill>
+                <a:uFill>
+                  <a:solidFill>
+                    <a:srgbClr val="ffffff"/>
+                  </a:solidFill>
+                </a:uFill>
                 <a:latin typeface="Arial"/>
               </a:rPr>
               <a:t>Kliknij, aby edytować format tekstu konspektu</a:t>
             </a:r>
-            <a:endParaRPr b="0" lang="pl-PL" sz="3200" spc="-1" strike="noStrike">
+            <a:endParaRPr b="0" lang="pl-PL" sz="1800" spc="-1" strike="noStrike">
+              <a:solidFill>
+                <a:srgbClr val="000000"/>
+              </a:solidFill>
+              <a:uFill>
+                <a:solidFill>
+                  <a:srgbClr val="ffffff"/>
+                </a:solidFill>
+              </a:uFill>
               <a:latin typeface="Arial"/>
             </a:endParaRPr>
           </a:p>
@@ -2852,12 +3410,28 @@
               <a:buChar char=""/>
             </a:pPr>
             <a:r>
-              <a:rPr b="0" lang="pl-PL" sz="2800" spc="-1" strike="noStrike">
+              <a:rPr b="0" lang="pl-PL" sz="1800" spc="-1" strike="noStrike">
+                <a:solidFill>
+                  <a:srgbClr val="000000"/>
+                </a:solidFill>
+                <a:uFill>
+                  <a:solidFill>
+                    <a:srgbClr val="ffffff"/>
+                  </a:solidFill>
+                </a:uFill>
                 <a:latin typeface="Arial"/>
               </a:rPr>
               <a:t>Drugi poziom konspektu</a:t>
             </a:r>
-            <a:endParaRPr b="0" lang="pl-PL" sz="2800" spc="-1" strike="noStrike">
+            <a:endParaRPr b="0" lang="pl-PL" sz="1800" spc="-1" strike="noStrike">
+              <a:solidFill>
+                <a:srgbClr val="000000"/>
+              </a:solidFill>
+              <a:uFill>
+                <a:solidFill>
+                  <a:srgbClr val="ffffff"/>
+                </a:solidFill>
+              </a:uFill>
               <a:latin typeface="Arial"/>
             </a:endParaRPr>
           </a:p>
@@ -2874,12 +3448,28 @@
               <a:buChar char=""/>
             </a:pPr>
             <a:r>
-              <a:rPr b="0" lang="pl-PL" sz="2400" spc="-1" strike="noStrike">
+              <a:rPr b="0" lang="pl-PL" sz="1800" spc="-1" strike="noStrike">
+                <a:solidFill>
+                  <a:srgbClr val="000000"/>
+                </a:solidFill>
+                <a:uFill>
+                  <a:solidFill>
+                    <a:srgbClr val="ffffff"/>
+                  </a:solidFill>
+                </a:uFill>
                 <a:latin typeface="Arial"/>
               </a:rPr>
               <a:t>Trzeci poziom konspektu</a:t>
             </a:r>
-            <a:endParaRPr b="0" lang="pl-PL" sz="2400" spc="-1" strike="noStrike">
+            <a:endParaRPr b="0" lang="pl-PL" sz="1800" spc="-1" strike="noStrike">
+              <a:solidFill>
+                <a:srgbClr val="000000"/>
+              </a:solidFill>
+              <a:uFill>
+                <a:solidFill>
+                  <a:srgbClr val="ffffff"/>
+                </a:solidFill>
+              </a:uFill>
               <a:latin typeface="Arial"/>
             </a:endParaRPr>
           </a:p>
@@ -2896,12 +3486,28 @@
               <a:buChar char=""/>
             </a:pPr>
             <a:r>
-              <a:rPr b="0" lang="pl-PL" sz="2000" spc="-1" strike="noStrike">
+              <a:rPr b="0" lang="pl-PL" sz="1800" spc="-1" strike="noStrike">
+                <a:solidFill>
+                  <a:srgbClr val="000000"/>
+                </a:solidFill>
+                <a:uFill>
+                  <a:solidFill>
+                    <a:srgbClr val="ffffff"/>
+                  </a:solidFill>
+                </a:uFill>
                 <a:latin typeface="Arial"/>
               </a:rPr>
               <a:t>Czwarty poziom konspektu</a:t>
             </a:r>
-            <a:endParaRPr b="0" lang="pl-PL" sz="2000" spc="-1" strike="noStrike">
+            <a:endParaRPr b="0" lang="pl-PL" sz="1800" spc="-1" strike="noStrike">
+              <a:solidFill>
+                <a:srgbClr val="000000"/>
+              </a:solidFill>
+              <a:uFill>
+                <a:solidFill>
+                  <a:srgbClr val="ffffff"/>
+                </a:solidFill>
+              </a:uFill>
               <a:latin typeface="Arial"/>
             </a:endParaRPr>
           </a:p>
@@ -2918,12 +3524,28 @@
               <a:buChar char=""/>
             </a:pPr>
             <a:r>
-              <a:rPr b="0" lang="pl-PL" sz="2000" spc="-1" strike="noStrike">
+              <a:rPr b="0" lang="pl-PL" sz="1800" spc="-1" strike="noStrike">
+                <a:solidFill>
+                  <a:srgbClr val="000000"/>
+                </a:solidFill>
+                <a:uFill>
+                  <a:solidFill>
+                    <a:srgbClr val="ffffff"/>
+                  </a:solidFill>
+                </a:uFill>
                 <a:latin typeface="Arial"/>
               </a:rPr>
               <a:t>Piąty poziom konspektu</a:t>
             </a:r>
-            <a:endParaRPr b="0" lang="pl-PL" sz="2000" spc="-1" strike="noStrike">
+            <a:endParaRPr b="0" lang="pl-PL" sz="1800" spc="-1" strike="noStrike">
+              <a:solidFill>
+                <a:srgbClr val="000000"/>
+              </a:solidFill>
+              <a:uFill>
+                <a:solidFill>
+                  <a:srgbClr val="ffffff"/>
+                </a:solidFill>
+              </a:uFill>
               <a:latin typeface="Arial"/>
             </a:endParaRPr>
           </a:p>
@@ -2940,12 +3562,28 @@
               <a:buChar char=""/>
             </a:pPr>
             <a:r>
-              <a:rPr b="0" lang="pl-PL" sz="2000" spc="-1" strike="noStrike">
+              <a:rPr b="0" lang="pl-PL" sz="1800" spc="-1" strike="noStrike">
+                <a:solidFill>
+                  <a:srgbClr val="000000"/>
+                </a:solidFill>
+                <a:uFill>
+                  <a:solidFill>
+                    <a:srgbClr val="ffffff"/>
+                  </a:solidFill>
+                </a:uFill>
                 <a:latin typeface="Arial"/>
               </a:rPr>
               <a:t>Szósty poziom konspektu</a:t>
             </a:r>
-            <a:endParaRPr b="0" lang="pl-PL" sz="2000" spc="-1" strike="noStrike">
+            <a:endParaRPr b="0" lang="pl-PL" sz="1800" spc="-1" strike="noStrike">
+              <a:solidFill>
+                <a:srgbClr val="000000"/>
+              </a:solidFill>
+              <a:uFill>
+                <a:solidFill>
+                  <a:srgbClr val="ffffff"/>
+                </a:solidFill>
+              </a:uFill>
               <a:latin typeface="Arial"/>
             </a:endParaRPr>
           </a:p>
@@ -2962,12 +3600,28 @@
               <a:buChar char=""/>
             </a:pPr>
             <a:r>
-              <a:rPr b="0" lang="pl-PL" sz="2000" spc="-1" strike="noStrike">
+              <a:rPr b="0" lang="pl-PL" sz="1800" spc="-1" strike="noStrike">
+                <a:solidFill>
+                  <a:srgbClr val="000000"/>
+                </a:solidFill>
+                <a:uFill>
+                  <a:solidFill>
+                    <a:srgbClr val="ffffff"/>
+                  </a:solidFill>
+                </a:uFill>
                 <a:latin typeface="Arial"/>
               </a:rPr>
               <a:t>Siódmy poziom konspektu</a:t>
             </a:r>
-            <a:endParaRPr b="0" lang="pl-PL" sz="2000" spc="-1" strike="noStrike">
+            <a:endParaRPr b="0" lang="pl-PL" sz="1800" spc="-1" strike="noStrike">
+              <a:solidFill>
+                <a:srgbClr val="000000"/>
+              </a:solidFill>
+              <a:uFill>
+                <a:solidFill>
+                  <a:srgbClr val="ffffff"/>
+                </a:solidFill>
+              </a:uFill>
               <a:latin typeface="Arial"/>
             </a:endParaRPr>
           </a:p>
@@ -3029,25 +3683,40 @@
         </p:nvSpPr>
         <p:spPr>
           <a:xfrm>
-            <a:off x="311760" y="444960"/>
-            <a:ext cx="8519760" cy="572040"/>
+            <a:off x="457200" y="205200"/>
+            <a:ext cx="8229240" cy="858600"/>
           </a:xfrm>
           <a:prstGeom prst="rect">
             <a:avLst/>
           </a:prstGeom>
         </p:spPr>
         <p:txBody>
-          <a:bodyPr lIns="0" rIns="0" tIns="0" bIns="0" anchor="ctr">
-            <a:noAutofit/>
-          </a:bodyPr>
-          <a:p>
+          <a:bodyPr lIns="0" rIns="0" tIns="0" bIns="0" anchor="ctr"/>
+          <a:p>
+            <a:pPr algn="ctr"/>
             <a:r>
-              <a:rPr b="0" lang="pl-PL" sz="1800" spc="-1" strike="noStrike">
+              <a:rPr b="0" lang="pl-PL" sz="4400" spc="-1" strike="noStrike">
+                <a:solidFill>
+                  <a:srgbClr val="000000"/>
+                </a:solidFill>
+                <a:uFill>
+                  <a:solidFill>
+                    <a:srgbClr val="ffffff"/>
+                  </a:solidFill>
+                </a:uFill>
                 <a:latin typeface="Arial"/>
               </a:rPr>
               <a:t>Kliknij, aby edytować format tekstu tytułu</a:t>
             </a:r>
-            <a:endParaRPr b="0" lang="pl-PL" sz="1800" spc="-1" strike="noStrike">
+            <a:endParaRPr b="0" lang="pl-PL" sz="4400" spc="-1" strike="noStrike">
+              <a:solidFill>
+                <a:srgbClr val="000000"/>
+              </a:solidFill>
+              <a:uFill>
+                <a:solidFill>
+                  <a:srgbClr val="ffffff"/>
+                </a:solidFill>
+              </a:uFill>
               <a:latin typeface="Arial"/>
             </a:endParaRPr>
           </a:p>
@@ -3065,8 +3734,8 @@
         </p:nvSpPr>
         <p:spPr>
           <a:xfrm>
-            <a:off x="311760" y="1152360"/>
-            <a:ext cx="8519760" cy="3415680"/>
+            <a:off x="457200" y="1203480"/>
+            <a:ext cx="8229240" cy="2982960"/>
           </a:xfrm>
           <a:prstGeom prst="rect">
             <a:avLst/>
@@ -3089,12 +3758,28 @@
               <a:buChar char=""/>
             </a:pPr>
             <a:r>
-              <a:rPr b="0" lang="pl-PL" sz="1800" spc="-1" strike="noStrike">
+              <a:rPr b="0" lang="pl-PL" sz="3200" spc="-1" strike="noStrike">
+                <a:solidFill>
+                  <a:srgbClr val="000000"/>
+                </a:solidFill>
+                <a:uFill>
+                  <a:solidFill>
+                    <a:srgbClr val="ffffff"/>
+                  </a:solidFill>
+                </a:uFill>
                 <a:latin typeface="Arial"/>
               </a:rPr>
               <a:t>Kliknij, aby edytować format tekstu konspektu</a:t>
             </a:r>
-            <a:endParaRPr b="0" lang="pl-PL" sz="1800" spc="-1" strike="noStrike">
+            <a:endParaRPr b="0" lang="pl-PL" sz="3200" spc="-1" strike="noStrike">
+              <a:solidFill>
+                <a:srgbClr val="000000"/>
+              </a:solidFill>
+              <a:uFill>
+                <a:solidFill>
+                  <a:srgbClr val="ffffff"/>
+                </a:solidFill>
+              </a:uFill>
               <a:latin typeface="Arial"/>
             </a:endParaRPr>
           </a:p>
@@ -3111,12 +3796,28 @@
               <a:buChar char=""/>
             </a:pPr>
             <a:r>
-              <a:rPr b="0" lang="pl-PL" sz="1800" spc="-1" strike="noStrike">
+              <a:rPr b="0" lang="pl-PL" sz="2800" spc="-1" strike="noStrike">
+                <a:solidFill>
+                  <a:srgbClr val="000000"/>
+                </a:solidFill>
+                <a:uFill>
+                  <a:solidFill>
+                    <a:srgbClr val="ffffff"/>
+                  </a:solidFill>
+                </a:uFill>
                 <a:latin typeface="Arial"/>
               </a:rPr>
               <a:t>Drugi poziom konspektu</a:t>
             </a:r>
-            <a:endParaRPr b="0" lang="pl-PL" sz="1800" spc="-1" strike="noStrike">
+            <a:endParaRPr b="0" lang="pl-PL" sz="2800" spc="-1" strike="noStrike">
+              <a:solidFill>
+                <a:srgbClr val="000000"/>
+              </a:solidFill>
+              <a:uFill>
+                <a:solidFill>
+                  <a:srgbClr val="ffffff"/>
+                </a:solidFill>
+              </a:uFill>
               <a:latin typeface="Arial"/>
             </a:endParaRPr>
           </a:p>
@@ -3133,12 +3834,28 @@
               <a:buChar char=""/>
             </a:pPr>
             <a:r>
-              <a:rPr b="0" lang="pl-PL" sz="1800" spc="-1" strike="noStrike">
+              <a:rPr b="0" lang="pl-PL" sz="2400" spc="-1" strike="noStrike">
+                <a:solidFill>
+                  <a:srgbClr val="000000"/>
+                </a:solidFill>
+                <a:uFill>
+                  <a:solidFill>
+                    <a:srgbClr val="ffffff"/>
+                  </a:solidFill>
+                </a:uFill>
                 <a:latin typeface="Arial"/>
               </a:rPr>
               <a:t>Trzeci poziom konspektu</a:t>
             </a:r>
-            <a:endParaRPr b="0" lang="pl-PL" sz="1800" spc="-1" strike="noStrike">
+            <a:endParaRPr b="0" lang="pl-PL" sz="2400" spc="-1" strike="noStrike">
+              <a:solidFill>
+                <a:srgbClr val="000000"/>
+              </a:solidFill>
+              <a:uFill>
+                <a:solidFill>
+                  <a:srgbClr val="ffffff"/>
+                </a:solidFill>
+              </a:uFill>
               <a:latin typeface="Arial"/>
             </a:endParaRPr>
           </a:p>
@@ -3155,12 +3872,28 @@
               <a:buChar char=""/>
             </a:pPr>
             <a:r>
-              <a:rPr b="0" lang="pl-PL" sz="1800" spc="-1" strike="noStrike">
+              <a:rPr b="0" lang="pl-PL" sz="2000" spc="-1" strike="noStrike">
+                <a:solidFill>
+                  <a:srgbClr val="000000"/>
+                </a:solidFill>
+                <a:uFill>
+                  <a:solidFill>
+                    <a:srgbClr val="ffffff"/>
+                  </a:solidFill>
+                </a:uFill>
                 <a:latin typeface="Arial"/>
               </a:rPr>
               <a:t>Czwarty poziom konspektu</a:t>
             </a:r>
-            <a:endParaRPr b="0" lang="pl-PL" sz="1800" spc="-1" strike="noStrike">
+            <a:endParaRPr b="0" lang="pl-PL" sz="2000" spc="-1" strike="noStrike">
+              <a:solidFill>
+                <a:srgbClr val="000000"/>
+              </a:solidFill>
+              <a:uFill>
+                <a:solidFill>
+                  <a:srgbClr val="ffffff"/>
+                </a:solidFill>
+              </a:uFill>
               <a:latin typeface="Arial"/>
             </a:endParaRPr>
           </a:p>
@@ -3177,12 +3910,28 @@
               <a:buChar char=""/>
             </a:pPr>
             <a:r>
-              <a:rPr b="0" lang="pl-PL" sz="1800" spc="-1" strike="noStrike">
+              <a:rPr b="0" lang="pl-PL" sz="2000" spc="-1" strike="noStrike">
+                <a:solidFill>
+                  <a:srgbClr val="000000"/>
+                </a:solidFill>
+                <a:uFill>
+                  <a:solidFill>
+                    <a:srgbClr val="ffffff"/>
+                  </a:solidFill>
+                </a:uFill>
                 <a:latin typeface="Arial"/>
               </a:rPr>
               <a:t>Piąty poziom konspektu</a:t>
             </a:r>
-            <a:endParaRPr b="0" lang="pl-PL" sz="1800" spc="-1" strike="noStrike">
+            <a:endParaRPr b="0" lang="pl-PL" sz="2000" spc="-1" strike="noStrike">
+              <a:solidFill>
+                <a:srgbClr val="000000"/>
+              </a:solidFill>
+              <a:uFill>
+                <a:solidFill>
+                  <a:srgbClr val="ffffff"/>
+                </a:solidFill>
+              </a:uFill>
               <a:latin typeface="Arial"/>
             </a:endParaRPr>
           </a:p>
@@ -3199,12 +3948,28 @@
               <a:buChar char=""/>
             </a:pPr>
             <a:r>
-              <a:rPr b="0" lang="pl-PL" sz="1800" spc="-1" strike="noStrike">
+              <a:rPr b="0" lang="pl-PL" sz="2000" spc="-1" strike="noStrike">
+                <a:solidFill>
+                  <a:srgbClr val="000000"/>
+                </a:solidFill>
+                <a:uFill>
+                  <a:solidFill>
+                    <a:srgbClr val="ffffff"/>
+                  </a:solidFill>
+                </a:uFill>
                 <a:latin typeface="Arial"/>
               </a:rPr>
               <a:t>Szósty poziom konspektu</a:t>
             </a:r>
-            <a:endParaRPr b="0" lang="pl-PL" sz="1800" spc="-1" strike="noStrike">
+            <a:endParaRPr b="0" lang="pl-PL" sz="2000" spc="-1" strike="noStrike">
+              <a:solidFill>
+                <a:srgbClr val="000000"/>
+              </a:solidFill>
+              <a:uFill>
+                <a:solidFill>
+                  <a:srgbClr val="ffffff"/>
+                </a:solidFill>
+              </a:uFill>
               <a:latin typeface="Arial"/>
             </a:endParaRPr>
           </a:p>
@@ -3221,12 +3986,28 @@
               <a:buChar char=""/>
             </a:pPr>
             <a:r>
-              <a:rPr b="0" lang="pl-PL" sz="1800" spc="-1" strike="noStrike">
+              <a:rPr b="0" lang="pl-PL" sz="2000" spc="-1" strike="noStrike">
+                <a:solidFill>
+                  <a:srgbClr val="000000"/>
+                </a:solidFill>
+                <a:uFill>
+                  <a:solidFill>
+                    <a:srgbClr val="ffffff"/>
+                  </a:solidFill>
+                </a:uFill>
                 <a:latin typeface="Arial"/>
               </a:rPr>
               <a:t>Siódmy poziom konspektu</a:t>
             </a:r>
-            <a:endParaRPr b="0" lang="pl-PL" sz="1800" spc="-1" strike="noStrike">
+            <a:endParaRPr b="0" lang="pl-PL" sz="2000" spc="-1" strike="noStrike">
+              <a:solidFill>
+                <a:srgbClr val="000000"/>
+              </a:solidFill>
+              <a:uFill>
+                <a:solidFill>
+                  <a:srgbClr val="ffffff"/>
+                </a:solidFill>
+              </a:uFill>
               <a:latin typeface="Arial"/>
             </a:endParaRPr>
           </a:p>
@@ -3278,7 +4059,7 @@
         <p:spPr>
           <a:xfrm>
             <a:off x="311760" y="744480"/>
-            <a:ext cx="8519760" cy="2052000"/>
+            <a:ext cx="8519400" cy="2051640"/>
           </a:xfrm>
           <a:prstGeom prst="rect">
             <a:avLst/>
@@ -3295,9 +4076,7 @@
           <a:fontRef idx="minor"/>
         </p:style>
         <p:txBody>
-          <a:bodyPr lIns="90000" rIns="90000" tIns="91440" bIns="91440" anchor="b">
-            <a:noAutofit/>
-          </a:bodyPr>
+          <a:bodyPr lIns="90000" rIns="90000" tIns="91440" bIns="91440" anchor="b"/>
           <a:p>
             <a:pPr algn="ctr">
               <a:lnSpc>
@@ -3309,12 +4088,25 @@
                 <a:solidFill>
                   <a:srgbClr val="000000"/>
                 </a:solidFill>
+                <a:uFill>
+                  <a:solidFill>
+                    <a:srgbClr val="ffffff"/>
+                  </a:solidFill>
+                </a:uFill>
                 <a:latin typeface="Arial"/>
                 <a:ea typeface="Arial"/>
               </a:rPr>
               <a:t>Projekt bazy danych “Wyposazenie”</a:t>
             </a:r>
             <a:endParaRPr b="0" lang="pl-PL" sz="5200" spc="-1" strike="noStrike">
+              <a:solidFill>
+                <a:srgbClr val="000000"/>
+              </a:solidFill>
+              <a:uFill>
+                <a:solidFill>
+                  <a:srgbClr val="ffffff"/>
+                </a:solidFill>
+              </a:uFill>
               <a:latin typeface="Arial"/>
             </a:endParaRPr>
           </a:p>
@@ -3329,7 +4121,7 @@
         <p:spPr>
           <a:xfrm>
             <a:off x="311760" y="2834280"/>
-            <a:ext cx="8519760" cy="792000"/>
+            <a:ext cx="8519400" cy="791640"/>
           </a:xfrm>
           <a:prstGeom prst="rect">
             <a:avLst/>
@@ -3346,9 +4138,7 @@
           <a:fontRef idx="minor"/>
         </p:style>
         <p:txBody>
-          <a:bodyPr lIns="90000" rIns="90000" tIns="91440" bIns="91440">
-            <a:noAutofit/>
-          </a:bodyPr>
+          <a:bodyPr lIns="90000" rIns="90000" tIns="91440" bIns="91440"/>
           <a:p>
             <a:pPr algn="ctr">
               <a:lnSpc>
@@ -3360,12 +4150,25 @@
                 <a:solidFill>
                   <a:srgbClr val="595959"/>
                 </a:solidFill>
+                <a:uFill>
+                  <a:solidFill>
+                    <a:srgbClr val="ffffff"/>
+                  </a:solidFill>
+                </a:uFill>
                 <a:latin typeface="Arial"/>
                 <a:ea typeface="Arial"/>
               </a:rPr>
               <a:t>w oparciu o bazę SQLite</a:t>
             </a:r>
             <a:endParaRPr b="0" lang="pl-PL" sz="2800" spc="-1" strike="noStrike">
+              <a:solidFill>
+                <a:srgbClr val="000000"/>
+              </a:solidFill>
+              <a:uFill>
+                <a:solidFill>
+                  <a:srgbClr val="ffffff"/>
+                </a:solidFill>
+              </a:uFill>
               <a:latin typeface="Arial"/>
             </a:endParaRPr>
           </a:p>
@@ -3376,6 +4179,14 @@
               </a:lnSpc>
             </a:pPr>
             <a:endParaRPr b="0" lang="pl-PL" sz="2800" spc="-1" strike="noStrike">
+              <a:solidFill>
+                <a:srgbClr val="000000"/>
+              </a:solidFill>
+              <a:uFill>
+                <a:solidFill>
+                  <a:srgbClr val="ffffff"/>
+                </a:solidFill>
+              </a:uFill>
               <a:latin typeface="Arial"/>
             </a:endParaRPr>
           </a:p>
@@ -3383,14 +4194,6 @@
       </p:sp>
     </p:spTree>
   </p:cSld>
-  <mc:AlternateContent>
-    <mc:Choice Requires="p14">
-      <p:transition spd="slow" p14:dur="2000"/>
-    </mc:Choice>
-    <mc:Fallback>
-      <p:transition spd="slow"/>
-    </mc:Fallback>
-  </mc:AlternateContent>
   <p:timing>
     <p:tnLst>
       <p:par>
@@ -3440,14 +4243,14 @@
       </p:grpSpPr>
       <p:sp>
         <p:nvSpPr>
-          <p:cNvPr id="128" name="CustomShape 1"/>
+          <p:cNvPr id="127" name="CustomShape 1"/>
           <p:cNvSpPr/>
           <p:nvPr/>
         </p:nvSpPr>
         <p:spPr>
           <a:xfrm>
             <a:off x="311760" y="444960"/>
-            <a:ext cx="8519760" cy="572040"/>
+            <a:ext cx="8519400" cy="571680"/>
           </a:xfrm>
           <a:prstGeom prst="rect">
             <a:avLst/>
@@ -3464,9 +4267,7 @@
           <a:fontRef idx="minor"/>
         </p:style>
         <p:txBody>
-          <a:bodyPr lIns="0" rIns="0" tIns="0" bIns="0" anchor="ctr">
-            <a:noAutofit/>
-          </a:bodyPr>
+          <a:bodyPr lIns="0" rIns="0" tIns="0" bIns="0" anchor="ctr"/>
           <a:p>
             <a:pPr>
               <a:lnSpc>
@@ -3478,11 +4279,25 @@
                 <a:solidFill>
                   <a:srgbClr val="000000"/>
                 </a:solidFill>
+                <a:uFill>
+                  <a:solidFill>
+                    <a:srgbClr val="ffffff"/>
+                  </a:solidFill>
+                </a:uFill>
                 <a:latin typeface="Arial"/>
+                <a:ea typeface="DejaVu Sans"/>
               </a:rPr>
               <a:t>Tworzenie bazy danych</a:t>
             </a:r>
             <a:endParaRPr b="0" lang="pl-PL" sz="1400" spc="-1" strike="noStrike">
+              <a:solidFill>
+                <a:srgbClr val="000000"/>
+              </a:solidFill>
+              <a:uFill>
+                <a:solidFill>
+                  <a:srgbClr val="ffffff"/>
+                </a:solidFill>
+              </a:uFill>
               <a:latin typeface="Arial"/>
             </a:endParaRPr>
           </a:p>
@@ -3490,14 +4305,14 @@
       </p:sp>
       <p:sp>
         <p:nvSpPr>
-          <p:cNvPr id="129" name="CustomShape 2"/>
+          <p:cNvPr id="128" name="CustomShape 2"/>
           <p:cNvSpPr/>
           <p:nvPr/>
         </p:nvSpPr>
         <p:spPr>
           <a:xfrm>
             <a:off x="311760" y="1152360"/>
-            <a:ext cx="8519760" cy="3415680"/>
+            <a:ext cx="8519400" cy="3415320"/>
           </a:xfrm>
           <a:prstGeom prst="rect">
             <a:avLst/>
@@ -3515,10 +4330,10 @@
         </p:style>
         <p:txBody>
           <a:bodyPr lIns="0" rIns="0" tIns="0" bIns="0">
-            <a:normAutofit fontScale="97000"/>
+            <a:normAutofit/>
           </a:bodyPr>
           <a:p>
-            <a:pPr marL="432000" indent="-323640">
+            <a:pPr marL="432000" indent="-323280">
               <a:lnSpc>
                 <a:spcPct val="100000"/>
               </a:lnSpc>
@@ -3537,16 +4352,30 @@
                 <a:solidFill>
                   <a:srgbClr val="000000"/>
                 </a:solidFill>
+                <a:uFill>
+                  <a:solidFill>
+                    <a:srgbClr val="ffffff"/>
+                  </a:solidFill>
+                </a:uFill>
                 <a:latin typeface="Arial"/>
+                <a:ea typeface="DejaVu Sans"/>
               </a:rPr>
               <a:t>Tworzymy baze danych. W command line wpisujemy: sqlite3 &lt;nazwa_bazy_danych&gt; , np. sqlite3 wyposazenie.db .</a:t>
             </a:r>
             <a:endParaRPr b="0" lang="pl-PL" sz="1400" spc="-1" strike="noStrike">
-              <a:latin typeface="Arial"/>
-            </a:endParaRPr>
-          </a:p>
-          <a:p>
-            <a:pPr marL="432000" indent="-323640">
+              <a:solidFill>
+                <a:srgbClr val="000000"/>
+              </a:solidFill>
+              <a:uFill>
+                <a:solidFill>
+                  <a:srgbClr val="ffffff"/>
+                </a:solidFill>
+              </a:uFill>
+              <a:latin typeface="Arial"/>
+            </a:endParaRPr>
+          </a:p>
+          <a:p>
+            <a:pPr marL="432000" indent="-323280">
               <a:lnSpc>
                 <a:spcPct val="100000"/>
               </a:lnSpc>
@@ -3565,16 +4394,30 @@
                 <a:solidFill>
                   <a:srgbClr val="000000"/>
                 </a:solidFill>
+                <a:uFill>
+                  <a:solidFill>
+                    <a:srgbClr val="ffffff"/>
+                  </a:solidFill>
+                </a:uFill>
                 <a:latin typeface="Arial"/>
+                <a:ea typeface="DejaVu Sans"/>
               </a:rPr>
               <a:t>Będąc w interpreterze sqlite3 z nowo utworzoną pustą baza danych, przechodzimy to tworzenia tabel.</a:t>
             </a:r>
             <a:endParaRPr b="0" lang="pl-PL" sz="1400" spc="-1" strike="noStrike">
-              <a:latin typeface="Arial"/>
-            </a:endParaRPr>
-          </a:p>
-          <a:p>
-            <a:pPr marL="432000" indent="-323640">
+              <a:solidFill>
+                <a:srgbClr val="000000"/>
+              </a:solidFill>
+              <a:uFill>
+                <a:solidFill>
+                  <a:srgbClr val="ffffff"/>
+                </a:solidFill>
+              </a:uFill>
+              <a:latin typeface="Arial"/>
+            </a:endParaRPr>
+          </a:p>
+          <a:p>
+            <a:pPr marL="432000" indent="-323280">
               <a:lnSpc>
                 <a:spcPct val="100000"/>
               </a:lnSpc>
@@ -3593,16 +4436,30 @@
                 <a:solidFill>
                   <a:srgbClr val="000000"/>
                 </a:solidFill>
+                <a:uFill>
+                  <a:solidFill>
+                    <a:srgbClr val="ffffff"/>
+                  </a:solidFill>
+                </a:uFill>
                 <a:latin typeface="Arial"/>
+                <a:ea typeface="DejaVu Sans"/>
               </a:rPr>
               <a:t>CREATE TABLE dzialy (id INTEGER PRIMARY KEY AUTOINCREMENT, nazwa TEXT);</a:t>
             </a:r>
             <a:endParaRPr b="0" lang="pl-PL" sz="1400" spc="-1" strike="noStrike">
-              <a:latin typeface="Arial"/>
-            </a:endParaRPr>
-          </a:p>
-          <a:p>
-            <a:pPr marL="432000" indent="-323640">
+              <a:solidFill>
+                <a:srgbClr val="000000"/>
+              </a:solidFill>
+              <a:uFill>
+                <a:solidFill>
+                  <a:srgbClr val="ffffff"/>
+                </a:solidFill>
+              </a:uFill>
+              <a:latin typeface="Arial"/>
+            </a:endParaRPr>
+          </a:p>
+          <a:p>
+            <a:pPr marL="432000" indent="-323280">
               <a:lnSpc>
                 <a:spcPct val="100000"/>
               </a:lnSpc>
@@ -3621,16 +4478,30 @@
                 <a:solidFill>
                   <a:srgbClr val="000000"/>
                 </a:solidFill>
+                <a:uFill>
+                  <a:solidFill>
+                    <a:srgbClr val="ffffff"/>
+                  </a:solidFill>
+                </a:uFill>
                 <a:latin typeface="Arial"/>
+                <a:ea typeface="DejaVu Sans"/>
               </a:rPr>
               <a:t>CREATE TABLE stanowiska (id INTEGER PRIMARY KEY AUTOINCREMENT, nazwa TEXT);</a:t>
             </a:r>
             <a:endParaRPr b="0" lang="pl-PL" sz="1400" spc="-1" strike="noStrike">
-              <a:latin typeface="Arial"/>
-            </a:endParaRPr>
-          </a:p>
-          <a:p>
-            <a:pPr marL="432000" indent="-323640">
+              <a:solidFill>
+                <a:srgbClr val="000000"/>
+              </a:solidFill>
+              <a:uFill>
+                <a:solidFill>
+                  <a:srgbClr val="ffffff"/>
+                </a:solidFill>
+              </a:uFill>
+              <a:latin typeface="Arial"/>
+            </a:endParaRPr>
+          </a:p>
+          <a:p>
+            <a:pPr marL="432000" indent="-323280">
               <a:lnSpc>
                 <a:spcPct val="100000"/>
               </a:lnSpc>
@@ -3649,16 +4520,30 @@
                 <a:solidFill>
                   <a:srgbClr val="000000"/>
                 </a:solidFill>
+                <a:uFill>
+                  <a:solidFill>
+                    <a:srgbClr val="ffffff"/>
+                  </a:solidFill>
+                </a:uFill>
                 <a:latin typeface="Arial"/>
+                <a:ea typeface="DejaVu Sans"/>
               </a:rPr>
               <a:t>CREATE TABLE uzytkownicy (id INTEGER PRIMARY KEY AUTOINCREMENT, imie TEXT,nazwisko TEXT, dzialy_id INTEGER,stanowiska_id INTEGER,FOREIGN KEY(dzialy_id) REFERENCES dzialy(id), FOREIGN KEY(stanowiska_id) REFERENCES stanowiska(id));</a:t>
             </a:r>
             <a:endParaRPr b="0" lang="pl-PL" sz="1400" spc="-1" strike="noStrike">
-              <a:latin typeface="Arial"/>
-            </a:endParaRPr>
-          </a:p>
-          <a:p>
-            <a:pPr marL="432000" indent="-323640">
+              <a:solidFill>
+                <a:srgbClr val="000000"/>
+              </a:solidFill>
+              <a:uFill>
+                <a:solidFill>
+                  <a:srgbClr val="ffffff"/>
+                </a:solidFill>
+              </a:uFill>
+              <a:latin typeface="Arial"/>
+            </a:endParaRPr>
+          </a:p>
+          <a:p>
+            <a:pPr marL="432000" indent="-323280">
               <a:lnSpc>
                 <a:spcPct val="100000"/>
               </a:lnSpc>
@@ -3677,16 +4562,30 @@
                 <a:solidFill>
                   <a:srgbClr val="000000"/>
                 </a:solidFill>
+                <a:uFill>
+                  <a:solidFill>
+                    <a:srgbClr val="ffffff"/>
+                  </a:solidFill>
+                </a:uFill>
                 <a:latin typeface="Arial"/>
+                <a:ea typeface="DejaVu Sans"/>
               </a:rPr>
-              <a:t>CREATE TABLE sprzety (id INTEGER PRIMARY KEY AUTOINCREMENT, nazwa TEXT, opis TEXT, uzytkownicy_id INTEGER, FOREING KEY uzytkownicy_id REFERENCES uzytkownicy(id));</a:t>
+              <a:t>CREATE TABLE sprzety (id INTEGER PRIMARY KEY AUTOINCREMENT, nazwa TEXT, opis TEXT, uzytkownicy_id INTEGER, FOREIGN KEY uzytkownicy_id REFERENCES uzytkownicy(id));</a:t>
             </a:r>
             <a:endParaRPr b="0" lang="pl-PL" sz="1400" spc="-1" strike="noStrike">
-              <a:latin typeface="Arial"/>
-            </a:endParaRPr>
-          </a:p>
-          <a:p>
-            <a:pPr marL="432000" indent="-323640">
+              <a:solidFill>
+                <a:srgbClr val="000000"/>
+              </a:solidFill>
+              <a:uFill>
+                <a:solidFill>
+                  <a:srgbClr val="ffffff"/>
+                </a:solidFill>
+              </a:uFill>
+              <a:latin typeface="Arial"/>
+            </a:endParaRPr>
+          </a:p>
+          <a:p>
+            <a:pPr marL="432000" indent="-323280">
               <a:lnSpc>
                 <a:spcPct val="100000"/>
               </a:lnSpc>
@@ -3705,11 +4604,25 @@
                 <a:solidFill>
                   <a:srgbClr val="000000"/>
                 </a:solidFill>
+                <a:uFill>
+                  <a:solidFill>
+                    <a:srgbClr val="ffffff"/>
+                  </a:solidFill>
+                </a:uFill>
                 <a:latin typeface="Arial"/>
+                <a:ea typeface="DejaVu Sans"/>
               </a:rPr>
               <a:t>sprawdzamy strukture stworzonych tabel poprzez polecenie .schema i wychodzimy z sqlite3 poprzez polecenie .quit .</a:t>
             </a:r>
             <a:endParaRPr b="0" lang="pl-PL" sz="1400" spc="-1" strike="noStrike">
+              <a:solidFill>
+                <a:srgbClr val="000000"/>
+              </a:solidFill>
+              <a:uFill>
+                <a:solidFill>
+                  <a:srgbClr val="ffffff"/>
+                </a:solidFill>
+              </a:uFill>
               <a:latin typeface="Arial"/>
             </a:endParaRPr>
           </a:p>
@@ -3717,14 +4630,6 @@
       </p:sp>
     </p:spTree>
   </p:cSld>
-  <mc:AlternateContent>
-    <mc:Choice Requires="p14">
-      <p:transition spd="slow" p14:dur="2000"/>
-    </mc:Choice>
-    <mc:Fallback>
-      <p:transition spd="slow"/>
-    </mc:Fallback>
-  </mc:AlternateContent>
   <p:timing>
     <p:tnLst>
       <p:par>
@@ -3781,7 +4686,7 @@
         <p:spPr>
           <a:xfrm>
             <a:off x="311760" y="444960"/>
-            <a:ext cx="8519760" cy="572040"/>
+            <a:ext cx="8519400" cy="571680"/>
           </a:xfrm>
           <a:prstGeom prst="rect">
             <a:avLst/>
@@ -3798,9 +4703,7 @@
           <a:fontRef idx="minor"/>
         </p:style>
         <p:txBody>
-          <a:bodyPr lIns="90000" rIns="90000" tIns="91440" bIns="91440">
-            <a:noAutofit/>
-          </a:bodyPr>
+          <a:bodyPr lIns="90000" rIns="90000" tIns="91440" bIns="91440"/>
           <a:p>
             <a:pPr>
               <a:lnSpc>
@@ -3812,12 +4715,25 @@
                 <a:solidFill>
                   <a:srgbClr val="000000"/>
                 </a:solidFill>
+                <a:uFill>
+                  <a:solidFill>
+                    <a:srgbClr val="ffffff"/>
+                  </a:solidFill>
+                </a:uFill>
                 <a:latin typeface="Arial"/>
                 <a:ea typeface="Arial"/>
               </a:rPr>
               <a:t>Narzędzia do pracy z SQLite</a:t>
             </a:r>
             <a:endParaRPr b="0" lang="pl-PL" sz="2800" spc="-1" strike="noStrike">
+              <a:solidFill>
+                <a:srgbClr val="000000"/>
+              </a:solidFill>
+              <a:uFill>
+                <a:solidFill>
+                  <a:srgbClr val="ffffff"/>
+                </a:solidFill>
+              </a:uFill>
               <a:latin typeface="Arial"/>
             </a:endParaRPr>
           </a:p>
@@ -3832,7 +4748,7 @@
         <p:spPr>
           <a:xfrm>
             <a:off x="311760" y="1152360"/>
-            <a:ext cx="8519760" cy="3415680"/>
+            <a:ext cx="8519400" cy="3415320"/>
           </a:xfrm>
           <a:prstGeom prst="rect">
             <a:avLst/>
@@ -3849,11 +4765,9 @@
           <a:fontRef idx="minor"/>
         </p:style>
         <p:txBody>
-          <a:bodyPr lIns="90000" rIns="90000" tIns="91440" bIns="91440">
-            <a:noAutofit/>
-          </a:bodyPr>
-          <a:p>
-            <a:pPr marL="457200" indent="-342360">
+          <a:bodyPr lIns="90000" rIns="90000" tIns="91440" bIns="91440"/>
+          <a:p>
+            <a:pPr marL="457200" indent="-342000">
               <a:lnSpc>
                 <a:spcPct val="100000"/>
               </a:lnSpc>
@@ -3868,17 +4782,30 @@
                 <a:solidFill>
                   <a:srgbClr val="595959"/>
                 </a:solidFill>
+                <a:uFill>
+                  <a:solidFill>
+                    <a:srgbClr val="ffffff"/>
+                  </a:solidFill>
+                </a:uFill>
                 <a:latin typeface="Arial"/>
                 <a:ea typeface="Arial"/>
               </a:rPr>
               <a:t>do realizacji projektu wybrana została baza danych SQLite. </a:t>
             </a:r>
             <a:endParaRPr b="0" lang="pl-PL" sz="1800" spc="-1" strike="noStrike">
-              <a:latin typeface="Arial"/>
-            </a:endParaRPr>
-          </a:p>
-          <a:p>
-            <a:pPr marL="457200" indent="-342360">
+              <a:solidFill>
+                <a:srgbClr val="000000"/>
+              </a:solidFill>
+              <a:uFill>
+                <a:solidFill>
+                  <a:srgbClr val="ffffff"/>
+                </a:solidFill>
+              </a:uFill>
+              <a:latin typeface="Arial"/>
+            </a:endParaRPr>
+          </a:p>
+          <a:p>
+            <a:pPr marL="457200" indent="-342000">
               <a:lnSpc>
                 <a:spcPct val="100000"/>
               </a:lnSpc>
@@ -3893,6 +4820,11 @@
                 <a:solidFill>
                   <a:srgbClr val="595959"/>
                 </a:solidFill>
+                <a:uFill>
+                  <a:solidFill>
+                    <a:srgbClr val="ffffff"/>
+                  </a:solidFill>
+                </a:uFill>
                 <a:latin typeface="Arial"/>
                 <a:ea typeface="Arial"/>
               </a:rPr>
@@ -3919,6 +4851,11 @@
                 <a:solidFill>
                   <a:srgbClr val="595959"/>
                 </a:solidFill>
+                <a:uFill>
+                  <a:solidFill>
+                    <a:srgbClr val="ffffff"/>
+                  </a:solidFill>
+                </a:uFill>
                 <a:latin typeface="Arial"/>
                 <a:ea typeface="Arial"/>
               </a:rPr>
@@ -3929,6 +4866,11 @@
                 <a:solidFill>
                   <a:srgbClr val="000000"/>
                 </a:solidFill>
+                <a:uFill>
+                  <a:solidFill>
+                    <a:srgbClr val="ffffff"/>
+                  </a:solidFill>
+                </a:uFill>
                 <a:latin typeface="Verdana"/>
                 <a:ea typeface="Verdana"/>
               </a:rPr>
@@ -3955,6 +4897,11 @@
                 <a:solidFill>
                   <a:srgbClr val="595959"/>
                 </a:solidFill>
+                <a:uFill>
+                  <a:solidFill>
+                    <a:srgbClr val="ffffff"/>
+                  </a:solidFill>
+                </a:uFill>
                 <a:latin typeface="Arial"/>
                 <a:ea typeface="Arial"/>
               </a:rPr>
@@ -3981,17 +4928,30 @@
                 <a:solidFill>
                   <a:srgbClr val="595959"/>
                 </a:solidFill>
+                <a:uFill>
+                  <a:solidFill>
+                    <a:srgbClr val="ffffff"/>
+                  </a:solidFill>
+                </a:uFill>
                 <a:latin typeface="Arial"/>
                 <a:ea typeface="Arial"/>
               </a:rPr>
               <a:t> .</a:t>
             </a:r>
             <a:endParaRPr b="0" lang="pl-PL" sz="1800" spc="-1" strike="noStrike">
-              <a:latin typeface="Arial"/>
-            </a:endParaRPr>
-          </a:p>
-          <a:p>
-            <a:pPr marL="457200" indent="-342360">
+              <a:solidFill>
+                <a:srgbClr val="000000"/>
+              </a:solidFill>
+              <a:uFill>
+                <a:solidFill>
+                  <a:srgbClr val="ffffff"/>
+                </a:solidFill>
+              </a:uFill>
+              <a:latin typeface="Arial"/>
+            </a:endParaRPr>
+          </a:p>
+          <a:p>
+            <a:pPr marL="457200" indent="-342000">
               <a:lnSpc>
                 <a:spcPct val="100000"/>
               </a:lnSpc>
@@ -4006,17 +4966,30 @@
                 <a:solidFill>
                   <a:srgbClr val="595959"/>
                 </a:solidFill>
+                <a:uFill>
+                  <a:solidFill>
+                    <a:srgbClr val="ffffff"/>
+                  </a:solidFill>
+                </a:uFill>
                 <a:latin typeface="Arial"/>
                 <a:ea typeface="Arial"/>
               </a:rPr>
               <a:t>rozpakowanie i umieszczenie powyższych plików na komputerze w miejsce które jest wpisane w zmiennej srodowiskowej PATH.</a:t>
             </a:r>
             <a:endParaRPr b="0" lang="pl-PL" sz="1800" spc="-1" strike="noStrike">
-              <a:latin typeface="Arial"/>
-            </a:endParaRPr>
-          </a:p>
-          <a:p>
-            <a:pPr marL="457200" indent="-342360">
+              <a:solidFill>
+                <a:srgbClr val="000000"/>
+              </a:solidFill>
+              <a:uFill>
+                <a:solidFill>
+                  <a:srgbClr val="ffffff"/>
+                </a:solidFill>
+              </a:uFill>
+              <a:latin typeface="Arial"/>
+            </a:endParaRPr>
+          </a:p>
+          <a:p>
+            <a:pPr marL="457200" indent="-342000">
               <a:lnSpc>
                 <a:spcPct val="100000"/>
               </a:lnSpc>
@@ -4031,6 +5004,11 @@
                 <a:solidFill>
                   <a:srgbClr val="595959"/>
                 </a:solidFill>
+                <a:uFill>
+                  <a:solidFill>
+                    <a:srgbClr val="ffffff"/>
+                  </a:solidFill>
+                </a:uFill>
                 <a:latin typeface="Arial"/>
                 <a:ea typeface="Arial"/>
               </a:rPr>
@@ -4053,6 +5031,14 @@
               <a:t>https://sqlitestudio.pl/index.rvt</a:t>
             </a:r>
             <a:endParaRPr b="0" lang="pl-PL" sz="1100" spc="-1" strike="noStrike">
+              <a:solidFill>
+                <a:srgbClr val="000000"/>
+              </a:solidFill>
+              <a:uFill>
+                <a:solidFill>
+                  <a:srgbClr val="ffffff"/>
+                </a:solidFill>
+              </a:uFill>
               <a:latin typeface="Arial"/>
             </a:endParaRPr>
           </a:p>
@@ -4069,6 +5055,14 @@
               </a:spcAft>
             </a:pPr>
             <a:endParaRPr b="0" lang="pl-PL" sz="1100" spc="-1" strike="noStrike">
+              <a:solidFill>
+                <a:srgbClr val="000000"/>
+              </a:solidFill>
+              <a:uFill>
+                <a:solidFill>
+                  <a:srgbClr val="ffffff"/>
+                </a:solidFill>
+              </a:uFill>
               <a:latin typeface="Arial"/>
             </a:endParaRPr>
           </a:p>
@@ -4076,14 +5070,6 @@
       </p:sp>
     </p:spTree>
   </p:cSld>
-  <mc:AlternateContent>
-    <mc:Choice Requires="p14">
-      <p:transition spd="slow" p14:dur="2000"/>
-    </mc:Choice>
-    <mc:Fallback>
-      <p:transition spd="slow"/>
-    </mc:Fallback>
-  </mc:AlternateContent>
   <p:timing>
     <p:tnLst>
       <p:par>
@@ -4140,7 +5126,7 @@
         <p:spPr>
           <a:xfrm>
             <a:off x="311760" y="444960"/>
-            <a:ext cx="8519760" cy="572040"/>
+            <a:ext cx="8519400" cy="571680"/>
           </a:xfrm>
           <a:prstGeom prst="rect">
             <a:avLst/>
@@ -4157,9 +5143,7 @@
           <a:fontRef idx="minor"/>
         </p:style>
         <p:txBody>
-          <a:bodyPr lIns="90000" rIns="90000" tIns="91440" bIns="91440">
-            <a:noAutofit/>
-          </a:bodyPr>
+          <a:bodyPr lIns="90000" rIns="90000" tIns="91440" bIns="91440"/>
           <a:p>
             <a:pPr>
               <a:lnSpc>
@@ -4171,12 +5155,25 @@
                 <a:solidFill>
                   <a:srgbClr val="000000"/>
                 </a:solidFill>
+                <a:uFill>
+                  <a:solidFill>
+                    <a:srgbClr val="ffffff"/>
+                  </a:solidFill>
+                </a:uFill>
                 <a:latin typeface="Arial"/>
                 <a:ea typeface="Arial"/>
               </a:rPr>
               <a:t>Schemat tabel.</a:t>
             </a:r>
             <a:endParaRPr b="0" lang="pl-PL" sz="2800" spc="-1" strike="noStrike">
+              <a:solidFill>
+                <a:srgbClr val="000000"/>
+              </a:solidFill>
+              <a:uFill>
+                <a:solidFill>
+                  <a:srgbClr val="ffffff"/>
+                </a:solidFill>
+              </a:uFill>
               <a:latin typeface="Arial"/>
             </a:endParaRPr>
           </a:p>
@@ -4191,7 +5188,7 @@
         <p:spPr>
           <a:xfrm>
             <a:off x="311760" y="1152360"/>
-            <a:ext cx="8519760" cy="3415680"/>
+            <a:ext cx="8519400" cy="3415320"/>
           </a:xfrm>
           <a:prstGeom prst="rect">
             <a:avLst/>
@@ -4208,9 +5205,7 @@
           <a:fontRef idx="minor"/>
         </p:style>
         <p:txBody>
-          <a:bodyPr lIns="90000" rIns="90000" tIns="91440" bIns="91440">
-            <a:noAutofit/>
-          </a:bodyPr>
+          <a:bodyPr lIns="90000" rIns="90000" tIns="91440" bIns="91440"/>
           <a:p>
             <a:pPr>
               <a:lnSpc>
@@ -4225,12 +5220,25 @@
                 <a:solidFill>
                   <a:srgbClr val="595959"/>
                 </a:solidFill>
+                <a:uFill>
+                  <a:solidFill>
+                    <a:srgbClr val="ffffff"/>
+                  </a:solidFill>
+                </a:uFill>
                 <a:latin typeface="Arial"/>
                 <a:ea typeface="Arial"/>
               </a:rPr>
               <a:t>Tabele: Dzialy, Stanowiska, Uzytkownicy, Sprzet</a:t>
             </a:r>
             <a:endParaRPr b="0" lang="pl-PL" sz="1800" spc="-1" strike="noStrike">
+              <a:solidFill>
+                <a:srgbClr val="000000"/>
+              </a:solidFill>
+              <a:uFill>
+                <a:solidFill>
+                  <a:srgbClr val="ffffff"/>
+                </a:solidFill>
+              </a:uFill>
               <a:latin typeface="Arial"/>
             </a:endParaRPr>
           </a:p>
@@ -4256,9 +5264,7 @@
               <a:tr h="379440">
                 <a:tc>
                   <a:txBody>
-                    <a:bodyPr lIns="91080" rIns="91080">
-                      <a:noAutofit/>
-                    </a:bodyPr>
+                    <a:bodyPr lIns="91080" rIns="91080"/>
                     <a:p>
                       <a:pPr algn="ctr">
                         <a:lnSpc>
@@ -4270,12 +5276,25 @@
                           <a:solidFill>
                             <a:srgbClr val="000000"/>
                           </a:solidFill>
+                          <a:uFill>
+                            <a:solidFill>
+                              <a:srgbClr val="ffffff"/>
+                            </a:solidFill>
+                          </a:uFill>
                           <a:latin typeface="Arial"/>
                           <a:ea typeface="Arial"/>
                         </a:rPr>
                         <a:t>DZIALY</a:t>
                       </a:r>
                       <a:endParaRPr b="0" lang="pl-PL" sz="1400" spc="-1" strike="noStrike">
+                        <a:solidFill>
+                          <a:srgbClr val="000000"/>
+                        </a:solidFill>
+                        <a:uFill>
+                          <a:solidFill>
+                            <a:srgbClr val="ffffff"/>
+                          </a:solidFill>
+                        </a:uFill>
                         <a:latin typeface="Arial"/>
                       </a:endParaRPr>
                     </a:p>
@@ -4308,9 +5327,7 @@
               <a:tr h="379440">
                 <a:tc>
                   <a:txBody>
-                    <a:bodyPr lIns="91080" rIns="91080">
-                      <a:noAutofit/>
-                    </a:bodyPr>
+                    <a:bodyPr lIns="91080" rIns="91080"/>
                     <a:p>
                       <a:pPr>
                         <a:lnSpc>
@@ -4322,6 +5339,11 @@
                           <a:solidFill>
                             <a:srgbClr val="000000"/>
                           </a:solidFill>
+                          <a:uFill>
+                            <a:solidFill>
+                              <a:srgbClr val="ffffff"/>
+                            </a:solidFill>
+                          </a:uFill>
                           <a:latin typeface="Arial"/>
                           <a:ea typeface="Arial"/>
                         </a:rPr>
@@ -4332,12 +5354,25 @@
                           <a:solidFill>
                             <a:srgbClr val="000000"/>
                           </a:solidFill>
+                          <a:uFill>
+                            <a:solidFill>
+                              <a:srgbClr val="ffffff"/>
+                            </a:solidFill>
+                          </a:uFill>
                           <a:latin typeface="Arial"/>
                           <a:ea typeface="Arial"/>
                         </a:rPr>
                         <a:t> , integer primary key autoincrement</a:t>
                       </a:r>
                       <a:endParaRPr b="0" lang="pl-PL" sz="1400" spc="-1" strike="noStrike">
+                        <a:solidFill>
+                          <a:srgbClr val="000000"/>
+                        </a:solidFill>
+                        <a:uFill>
+                          <a:solidFill>
+                            <a:srgbClr val="ffffff"/>
+                          </a:solidFill>
+                        </a:uFill>
                         <a:latin typeface="Arial"/>
                       </a:endParaRPr>
                     </a:p>
@@ -4370,9 +5405,7 @@
               <a:tr h="379440">
                 <a:tc>
                   <a:txBody>
-                    <a:bodyPr lIns="91080" rIns="91080">
-                      <a:noAutofit/>
-                    </a:bodyPr>
+                    <a:bodyPr lIns="91080" rIns="91080"/>
                     <a:p>
                       <a:pPr>
                         <a:lnSpc>
@@ -4384,70 +5417,29 @@
                           <a:solidFill>
                             <a:srgbClr val="000000"/>
                           </a:solidFill>
+                          <a:uFill>
+                            <a:solidFill>
+                              <a:srgbClr val="ffffff"/>
+                            </a:solidFill>
+                          </a:uFill>
                           <a:latin typeface="Arial"/>
                           <a:ea typeface="Arial"/>
                         </a:rPr>
                         <a:t>NAZWA, text</a:t>
                       </a:r>
                       <a:endParaRPr b="0" lang="pl-PL" sz="1400" spc="-1" strike="noStrike">
+                        <a:solidFill>
+                          <a:srgbClr val="000000"/>
+                        </a:solidFill>
+                        <a:uFill>
+                          <a:solidFill>
+                            <a:srgbClr val="ffffff"/>
+                          </a:solidFill>
+                        </a:uFill>
                         <a:latin typeface="Arial"/>
                       </a:endParaRPr>
                     </a:p>
                   </a:txBody>
-                  <a:tcPr marL="91080" marR="91080">
-                    <a:lnL w="9360">
-                      <a:solidFill>
-                        <a:srgbClr val="9e9e9e"/>
-                      </a:solidFill>
-                    </a:lnL>
-                    <a:lnR w="9360">
-                      <a:solidFill>
-                        <a:srgbClr val="9e9e9e"/>
-                      </a:solidFill>
-                    </a:lnR>
-                    <a:lnT w="9360">
-                      <a:solidFill>
-                        <a:srgbClr val="9e9e9e"/>
-                      </a:solidFill>
-                    </a:lnT>
-                    <a:lnB w="9360">
-                      <a:solidFill>
-                        <a:srgbClr val="9e9e9e"/>
-                      </a:solidFill>
-                    </a:lnB>
-                    <a:noFill/>
-                  </a:tcPr>
-                </a:tc>
-              </a:tr>
-              <a:tr h="519480">
-                <a:tc>
-                  <a:tcPr marL="91080" marR="91080">
-                    <a:lnL w="9360">
-                      <a:solidFill>
-                        <a:srgbClr val="9e9e9e"/>
-                      </a:solidFill>
-                    </a:lnL>
-                    <a:lnR w="9360">
-                      <a:solidFill>
-                        <a:srgbClr val="9e9e9e"/>
-                      </a:solidFill>
-                    </a:lnR>
-                    <a:lnT w="9360">
-                      <a:solidFill>
-                        <a:srgbClr val="9e9e9e"/>
-                      </a:solidFill>
-                    </a:lnT>
-                    <a:lnB w="9360">
-                      <a:solidFill>
-                        <a:srgbClr val="9e9e9e"/>
-                      </a:solidFill>
-                    </a:lnB>
-                    <a:noFill/>
-                  </a:tcPr>
-                </a:tc>
-              </a:tr>
-              <a:tr h="519480">
-                <a:tc>
                   <a:tcPr marL="91080" marR="91080">
                     <a:lnL w="9360">
                       <a:solidFill>
@@ -4497,9 +5489,7 @@
               <a:tr h="379440">
                 <a:tc>
                   <a:txBody>
-                    <a:bodyPr lIns="91080" rIns="91080">
-                      <a:noAutofit/>
-                    </a:bodyPr>
+                    <a:bodyPr lIns="91080" rIns="91080"/>
                     <a:p>
                       <a:pPr algn="ctr">
                         <a:lnSpc>
@@ -4511,12 +5501,25 @@
                           <a:solidFill>
                             <a:srgbClr val="000000"/>
                           </a:solidFill>
+                          <a:uFill>
+                            <a:solidFill>
+                              <a:srgbClr val="ffffff"/>
+                            </a:solidFill>
+                          </a:uFill>
                           <a:latin typeface="Arial"/>
                           <a:ea typeface="Arial"/>
                         </a:rPr>
                         <a:t>STANOWISKA</a:t>
                       </a:r>
                       <a:endParaRPr b="0" lang="pl-PL" sz="1400" spc="-1" strike="noStrike">
+                        <a:solidFill>
+                          <a:srgbClr val="000000"/>
+                        </a:solidFill>
+                        <a:uFill>
+                          <a:solidFill>
+                            <a:srgbClr val="ffffff"/>
+                          </a:solidFill>
+                        </a:uFill>
                         <a:latin typeface="Arial"/>
                       </a:endParaRPr>
                     </a:p>
@@ -4549,9 +5552,7 @@
               <a:tr h="379440">
                 <a:tc>
                   <a:txBody>
-                    <a:bodyPr lIns="91080" rIns="91080">
-                      <a:noAutofit/>
-                    </a:bodyPr>
+                    <a:bodyPr lIns="91080" rIns="91080"/>
                     <a:p>
                       <a:pPr>
                         <a:lnSpc>
@@ -4563,6 +5564,11 @@
                           <a:solidFill>
                             <a:srgbClr val="000000"/>
                           </a:solidFill>
+                          <a:uFill>
+                            <a:solidFill>
+                              <a:srgbClr val="ffffff"/>
+                            </a:solidFill>
+                          </a:uFill>
                           <a:latin typeface="Arial"/>
                           <a:ea typeface="Arial"/>
                         </a:rPr>
@@ -4573,12 +5579,25 @@
                           <a:solidFill>
                             <a:srgbClr val="000000"/>
                           </a:solidFill>
+                          <a:uFill>
+                            <a:solidFill>
+                              <a:srgbClr val="ffffff"/>
+                            </a:solidFill>
+                          </a:uFill>
                           <a:latin typeface="Arial"/>
                           <a:ea typeface="Arial"/>
                         </a:rPr>
                         <a:t> , integer primary key autoincrement</a:t>
                       </a:r>
                       <a:endParaRPr b="0" lang="pl-PL" sz="1400" spc="-1" strike="noStrike">
+                        <a:solidFill>
+                          <a:srgbClr val="000000"/>
+                        </a:solidFill>
+                        <a:uFill>
+                          <a:solidFill>
+                            <a:srgbClr val="ffffff"/>
+                          </a:solidFill>
+                        </a:uFill>
                         <a:latin typeface="Arial"/>
                       </a:endParaRPr>
                     </a:p>
@@ -4611,9 +5630,7 @@
               <a:tr h="379440">
                 <a:tc>
                   <a:txBody>
-                    <a:bodyPr lIns="91080" rIns="91080">
-                      <a:noAutofit/>
-                    </a:bodyPr>
+                    <a:bodyPr lIns="91080" rIns="91080"/>
                     <a:p>
                       <a:pPr>
                         <a:lnSpc>
@@ -4625,70 +5642,29 @@
                           <a:solidFill>
                             <a:srgbClr val="000000"/>
                           </a:solidFill>
+                          <a:uFill>
+                            <a:solidFill>
+                              <a:srgbClr val="ffffff"/>
+                            </a:solidFill>
+                          </a:uFill>
                           <a:latin typeface="Arial"/>
                           <a:ea typeface="Arial"/>
                         </a:rPr>
                         <a:t>NAZWA , text</a:t>
                       </a:r>
                       <a:endParaRPr b="0" lang="pl-PL" sz="1400" spc="-1" strike="noStrike">
+                        <a:solidFill>
+                          <a:srgbClr val="000000"/>
+                        </a:solidFill>
+                        <a:uFill>
+                          <a:solidFill>
+                            <a:srgbClr val="ffffff"/>
+                          </a:solidFill>
+                        </a:uFill>
                         <a:latin typeface="Arial"/>
                       </a:endParaRPr>
                     </a:p>
                   </a:txBody>
-                  <a:tcPr marL="91080" marR="91080">
-                    <a:lnL w="9360">
-                      <a:solidFill>
-                        <a:srgbClr val="9e9e9e"/>
-                      </a:solidFill>
-                    </a:lnL>
-                    <a:lnR w="9360">
-                      <a:solidFill>
-                        <a:srgbClr val="9e9e9e"/>
-                      </a:solidFill>
-                    </a:lnR>
-                    <a:lnT w="9360">
-                      <a:solidFill>
-                        <a:srgbClr val="9e9e9e"/>
-                      </a:solidFill>
-                    </a:lnT>
-                    <a:lnB w="9360">
-                      <a:solidFill>
-                        <a:srgbClr val="9e9e9e"/>
-                      </a:solidFill>
-                    </a:lnB>
-                    <a:noFill/>
-                  </a:tcPr>
-                </a:tc>
-              </a:tr>
-              <a:tr h="519480">
-                <a:tc>
-                  <a:tcPr marL="91080" marR="91080">
-                    <a:lnL w="9360">
-                      <a:solidFill>
-                        <a:srgbClr val="9e9e9e"/>
-                      </a:solidFill>
-                    </a:lnL>
-                    <a:lnR w="9360">
-                      <a:solidFill>
-                        <a:srgbClr val="9e9e9e"/>
-                      </a:solidFill>
-                    </a:lnR>
-                    <a:lnT w="9360">
-                      <a:solidFill>
-                        <a:srgbClr val="9e9e9e"/>
-                      </a:solidFill>
-                    </a:lnT>
-                    <a:lnB w="9360">
-                      <a:solidFill>
-                        <a:srgbClr val="9e9e9e"/>
-                      </a:solidFill>
-                    </a:lnB>
-                    <a:noFill/>
-                  </a:tcPr>
-                </a:tc>
-              </a:tr>
-              <a:tr h="519480">
-                <a:tc>
                   <a:tcPr marL="91080" marR="91080">
                     <a:lnL w="9360">
                       <a:solidFill>
@@ -4720,14 +5696,6 @@
       </p:graphicFrame>
     </p:spTree>
   </p:cSld>
-  <mc:AlternateContent>
-    <mc:Choice Requires="p14">
-      <p:transition spd="slow" p14:dur="2000"/>
-    </mc:Choice>
-    <mc:Fallback>
-      <p:transition spd="slow"/>
-    </mc:Fallback>
-  </mc:AlternateContent>
   <p:timing>
     <p:tnLst>
       <p:par>
@@ -4784,7 +5752,7 @@
         <p:spPr>
           <a:xfrm>
             <a:off x="311760" y="444960"/>
-            <a:ext cx="8519760" cy="572040"/>
+            <a:ext cx="8519400" cy="571680"/>
           </a:xfrm>
           <a:prstGeom prst="rect">
             <a:avLst/>
@@ -4801,9 +5769,7 @@
           <a:fontRef idx="minor"/>
         </p:style>
         <p:txBody>
-          <a:bodyPr lIns="90000" rIns="90000" tIns="91440" bIns="91440">
-            <a:noAutofit/>
-          </a:bodyPr>
+          <a:bodyPr lIns="90000" rIns="90000" tIns="91440" bIns="91440"/>
           <a:p>
             <a:pPr>
               <a:lnSpc>
@@ -4815,12 +5781,25 @@
                 <a:solidFill>
                   <a:srgbClr val="000000"/>
                 </a:solidFill>
+                <a:uFill>
+                  <a:solidFill>
+                    <a:srgbClr val="ffffff"/>
+                  </a:solidFill>
+                </a:uFill>
                 <a:latin typeface="Arial"/>
                 <a:ea typeface="Arial"/>
               </a:rPr>
               <a:t>Schemat tabel ciąg dalszy.</a:t>
             </a:r>
             <a:endParaRPr b="0" lang="pl-PL" sz="2800" spc="-1" strike="noStrike">
+              <a:solidFill>
+                <a:srgbClr val="000000"/>
+              </a:solidFill>
+              <a:uFill>
+                <a:solidFill>
+                  <a:srgbClr val="ffffff"/>
+                </a:solidFill>
+              </a:uFill>
               <a:latin typeface="Arial"/>
             </a:endParaRPr>
           </a:p>
@@ -4835,7 +5814,7 @@
         <p:spPr>
           <a:xfrm>
             <a:off x="311760" y="1152360"/>
-            <a:ext cx="8519760" cy="3415680"/>
+            <a:ext cx="8519400" cy="3415320"/>
           </a:xfrm>
           <a:prstGeom prst="rect">
             <a:avLst/>
@@ -4852,9 +5831,7 @@
           <a:fontRef idx="minor"/>
         </p:style>
         <p:txBody>
-          <a:bodyPr lIns="90000" rIns="90000" tIns="91440" bIns="91440">
-            <a:noAutofit/>
-          </a:bodyPr>
+          <a:bodyPr lIns="90000" rIns="90000" tIns="91440" bIns="91440"/>
           <a:p>
             <a:pPr>
               <a:lnSpc>
@@ -4869,12 +5846,25 @@
                 <a:solidFill>
                   <a:srgbClr val="595959"/>
                 </a:solidFill>
+                <a:uFill>
+                  <a:solidFill>
+                    <a:srgbClr val="ffffff"/>
+                  </a:solidFill>
+                </a:uFill>
                 <a:latin typeface="Arial"/>
                 <a:ea typeface="Arial"/>
               </a:rPr>
               <a:t>Tabele: Dzialy, Stanowiska, Uzytkownicy, Sprzet</a:t>
             </a:r>
             <a:endParaRPr b="0" lang="pl-PL" sz="1800" spc="-1" strike="noStrike">
+              <a:solidFill>
+                <a:srgbClr val="000000"/>
+              </a:solidFill>
+              <a:uFill>
+                <a:solidFill>
+                  <a:srgbClr val="ffffff"/>
+                </a:solidFill>
+              </a:uFill>
               <a:latin typeface="Arial"/>
             </a:endParaRPr>
           </a:p>
@@ -4900,9 +5890,7 @@
               <a:tr h="379440">
                 <a:tc>
                   <a:txBody>
-                    <a:bodyPr lIns="91080" rIns="91080">
-                      <a:noAutofit/>
-                    </a:bodyPr>
+                    <a:bodyPr lIns="91080" rIns="91080"/>
                     <a:p>
                       <a:pPr algn="ctr">
                         <a:lnSpc>
@@ -4914,12 +5902,25 @@
                           <a:solidFill>
                             <a:srgbClr val="000000"/>
                           </a:solidFill>
+                          <a:uFill>
+                            <a:solidFill>
+                              <a:srgbClr val="ffffff"/>
+                            </a:solidFill>
+                          </a:uFill>
                           <a:latin typeface="Arial"/>
                           <a:ea typeface="Arial"/>
                         </a:rPr>
                         <a:t>UZYTKOWNICY</a:t>
                       </a:r>
                       <a:endParaRPr b="0" lang="pl-PL" sz="1400" spc="-1" strike="noStrike">
+                        <a:solidFill>
+                          <a:srgbClr val="000000"/>
+                        </a:solidFill>
+                        <a:uFill>
+                          <a:solidFill>
+                            <a:srgbClr val="ffffff"/>
+                          </a:solidFill>
+                        </a:uFill>
                         <a:latin typeface="Arial"/>
                       </a:endParaRPr>
                     </a:p>
@@ -4952,9 +5953,7 @@
               <a:tr h="379440">
                 <a:tc>
                   <a:txBody>
-                    <a:bodyPr lIns="91080" rIns="91080">
-                      <a:noAutofit/>
-                    </a:bodyPr>
+                    <a:bodyPr lIns="91080" rIns="91080"/>
                     <a:p>
                       <a:pPr>
                         <a:lnSpc>
@@ -4966,6 +5965,11 @@
                           <a:solidFill>
                             <a:srgbClr val="000000"/>
                           </a:solidFill>
+                          <a:uFill>
+                            <a:solidFill>
+                              <a:srgbClr val="ffffff"/>
+                            </a:solidFill>
+                          </a:uFill>
                           <a:latin typeface="Arial"/>
                           <a:ea typeface="Arial"/>
                         </a:rPr>
@@ -4976,12 +5980,25 @@
                           <a:solidFill>
                             <a:srgbClr val="000000"/>
                           </a:solidFill>
+                          <a:uFill>
+                            <a:solidFill>
+                              <a:srgbClr val="ffffff"/>
+                            </a:solidFill>
+                          </a:uFill>
                           <a:latin typeface="Arial"/>
                           <a:ea typeface="Arial"/>
                         </a:rPr>
                         <a:t> , integer primary key autoincrement</a:t>
                       </a:r>
                       <a:endParaRPr b="0" lang="pl-PL" sz="1400" spc="-1" strike="noStrike">
+                        <a:solidFill>
+                          <a:srgbClr val="000000"/>
+                        </a:solidFill>
+                        <a:uFill>
+                          <a:solidFill>
+                            <a:srgbClr val="ffffff"/>
+                          </a:solidFill>
+                        </a:uFill>
                         <a:latin typeface="Arial"/>
                       </a:endParaRPr>
                     </a:p>
@@ -5014,9 +6031,7 @@
               <a:tr h="379440">
                 <a:tc>
                   <a:txBody>
-                    <a:bodyPr lIns="91080" rIns="91080">
-                      <a:noAutofit/>
-                    </a:bodyPr>
+                    <a:bodyPr lIns="91080" rIns="91080"/>
                     <a:p>
                       <a:pPr>
                         <a:lnSpc>
@@ -5028,12 +6043,25 @@
                           <a:solidFill>
                             <a:srgbClr val="000000"/>
                           </a:solidFill>
+                          <a:uFill>
+                            <a:solidFill>
+                              <a:srgbClr val="ffffff"/>
+                            </a:solidFill>
+                          </a:uFill>
                           <a:latin typeface="Arial"/>
                           <a:ea typeface="Arial"/>
                         </a:rPr>
                         <a:t>IMIE , text</a:t>
                       </a:r>
                       <a:endParaRPr b="0" lang="pl-PL" sz="1400" spc="-1" strike="noStrike">
+                        <a:solidFill>
+                          <a:srgbClr val="000000"/>
+                        </a:solidFill>
+                        <a:uFill>
+                          <a:solidFill>
+                            <a:srgbClr val="ffffff"/>
+                          </a:solidFill>
+                        </a:uFill>
                         <a:latin typeface="Arial"/>
                       </a:endParaRPr>
                     </a:p>
@@ -5066,9 +6094,7 @@
               <a:tr h="379440">
                 <a:tc>
                   <a:txBody>
-                    <a:bodyPr lIns="91080" rIns="91080">
-                      <a:noAutofit/>
-                    </a:bodyPr>
+                    <a:bodyPr lIns="91080" rIns="91080"/>
                     <a:p>
                       <a:pPr>
                         <a:lnSpc>
@@ -5080,12 +6106,25 @@
                           <a:solidFill>
                             <a:srgbClr val="000000"/>
                           </a:solidFill>
+                          <a:uFill>
+                            <a:solidFill>
+                              <a:srgbClr val="ffffff"/>
+                            </a:solidFill>
+                          </a:uFill>
                           <a:latin typeface="Arial"/>
                           <a:ea typeface="Arial"/>
                         </a:rPr>
                         <a:t>NAZWISKO , text</a:t>
                       </a:r>
                       <a:endParaRPr b="0" lang="pl-PL" sz="1400" spc="-1" strike="noStrike">
+                        <a:solidFill>
+                          <a:srgbClr val="000000"/>
+                        </a:solidFill>
+                        <a:uFill>
+                          <a:solidFill>
+                            <a:srgbClr val="ffffff"/>
+                          </a:solidFill>
+                        </a:uFill>
                         <a:latin typeface="Arial"/>
                       </a:endParaRPr>
                     </a:p>
@@ -5118,9 +6157,7 @@
               <a:tr h="379440">
                 <a:tc>
                   <a:txBody>
-                    <a:bodyPr lIns="91080" rIns="91080">
-                      <a:noAutofit/>
-                    </a:bodyPr>
+                    <a:bodyPr lIns="91080" rIns="91080"/>
                     <a:p>
                       <a:pPr>
                         <a:lnSpc>
@@ -5132,6 +6169,11 @@
                           <a:solidFill>
                             <a:srgbClr val="000000"/>
                           </a:solidFill>
+                          <a:uFill>
+                            <a:solidFill>
+                              <a:srgbClr val="ffffff"/>
+                            </a:solidFill>
+                          </a:uFill>
                           <a:latin typeface="Arial"/>
                           <a:ea typeface="Arial"/>
                         </a:rPr>
@@ -5142,12 +6184,25 @@
                           <a:solidFill>
                             <a:srgbClr val="000000"/>
                           </a:solidFill>
+                          <a:uFill>
+                            <a:solidFill>
+                              <a:srgbClr val="ffffff"/>
+                            </a:solidFill>
+                          </a:uFill>
                           <a:latin typeface="Arial"/>
                           <a:ea typeface="Arial"/>
                         </a:rPr>
                         <a:t> , integer foreign key("DZIALY_ID") references "DZIALY"("ID")</a:t>
                       </a:r>
                       <a:endParaRPr b="0" lang="pl-PL" sz="1400" spc="-1" strike="noStrike">
+                        <a:solidFill>
+                          <a:srgbClr val="000000"/>
+                        </a:solidFill>
+                        <a:uFill>
+                          <a:solidFill>
+                            <a:srgbClr val="ffffff"/>
+                          </a:solidFill>
+                        </a:uFill>
                         <a:latin typeface="Arial"/>
                       </a:endParaRPr>
                     </a:p>
@@ -5177,12 +6232,10 @@
                   </a:tcPr>
                 </a:tc>
               </a:tr>
-              <a:tr h="576360">
+              <a:tr h="576000">
                 <a:tc>
                   <a:txBody>
-                    <a:bodyPr lIns="91080" rIns="91080">
-                      <a:noAutofit/>
-                    </a:bodyPr>
+                    <a:bodyPr lIns="91080" rIns="91080"/>
                     <a:p>
                       <a:pPr>
                         <a:lnSpc>
@@ -5194,6 +6247,11 @@
                           <a:solidFill>
                             <a:srgbClr val="000000"/>
                           </a:solidFill>
+                          <a:uFill>
+                            <a:solidFill>
+                              <a:srgbClr val="ffffff"/>
+                            </a:solidFill>
+                          </a:uFill>
                           <a:latin typeface="Arial"/>
                           <a:ea typeface="Arial"/>
                         </a:rPr>
@@ -5204,12 +6262,25 @@
                           <a:solidFill>
                             <a:srgbClr val="000000"/>
                           </a:solidFill>
+                          <a:uFill>
+                            <a:solidFill>
+                              <a:srgbClr val="ffffff"/>
+                            </a:solidFill>
+                          </a:uFill>
                           <a:latin typeface="Arial"/>
                           <a:ea typeface="Arial"/>
                         </a:rPr>
                         <a:t> , integer foreign key ("STANOWISKA_ID") references "STANOWISKA"("ID")</a:t>
                       </a:r>
                       <a:endParaRPr b="0" lang="pl-PL" sz="1400" spc="-1" strike="noStrike">
+                        <a:solidFill>
+                          <a:srgbClr val="000000"/>
+                        </a:solidFill>
+                        <a:uFill>
+                          <a:solidFill>
+                            <a:srgbClr val="ffffff"/>
+                          </a:solidFill>
+                        </a:uFill>
                         <a:latin typeface="Arial"/>
                       </a:endParaRPr>
                     </a:p>
@@ -5245,14 +6316,6 @@
       </p:graphicFrame>
     </p:spTree>
   </p:cSld>
-  <mc:AlternateContent>
-    <mc:Choice Requires="p14">
-      <p:transition spd="slow" p14:dur="2000"/>
-    </mc:Choice>
-    <mc:Fallback>
-      <p:transition spd="slow"/>
-    </mc:Fallback>
-  </mc:AlternateContent>
   <p:timing>
     <p:tnLst>
       <p:par>
@@ -5309,7 +6372,7 @@
         <p:spPr>
           <a:xfrm>
             <a:off x="311760" y="444960"/>
-            <a:ext cx="8519760" cy="572040"/>
+            <a:ext cx="8519400" cy="571680"/>
           </a:xfrm>
           <a:prstGeom prst="rect">
             <a:avLst/>
@@ -5326,9 +6389,7 @@
           <a:fontRef idx="minor"/>
         </p:style>
         <p:txBody>
-          <a:bodyPr lIns="90000" rIns="90000" tIns="91440" bIns="91440">
-            <a:noAutofit/>
-          </a:bodyPr>
+          <a:bodyPr lIns="90000" rIns="90000" tIns="91440" bIns="91440"/>
           <a:p>
             <a:pPr>
               <a:lnSpc>
@@ -5340,12 +6401,25 @@
                 <a:solidFill>
                   <a:srgbClr val="000000"/>
                 </a:solidFill>
+                <a:uFill>
+                  <a:solidFill>
+                    <a:srgbClr val="ffffff"/>
+                  </a:solidFill>
+                </a:uFill>
                 <a:latin typeface="Arial"/>
                 <a:ea typeface="Arial"/>
               </a:rPr>
               <a:t>Schemat tabel ciąg dalszy.</a:t>
             </a:r>
             <a:endParaRPr b="0" lang="pl-PL" sz="2800" spc="-1" strike="noStrike">
+              <a:solidFill>
+                <a:srgbClr val="000000"/>
+              </a:solidFill>
+              <a:uFill>
+                <a:solidFill>
+                  <a:srgbClr val="ffffff"/>
+                </a:solidFill>
+              </a:uFill>
               <a:latin typeface="Arial"/>
             </a:endParaRPr>
           </a:p>
@@ -5360,7 +6434,7 @@
         <p:spPr>
           <a:xfrm>
             <a:off x="311760" y="1115280"/>
-            <a:ext cx="8519760" cy="3415680"/>
+            <a:ext cx="8519400" cy="3415320"/>
           </a:xfrm>
           <a:prstGeom prst="rect">
             <a:avLst/>
@@ -5377,9 +6451,7 @@
           <a:fontRef idx="minor"/>
         </p:style>
         <p:txBody>
-          <a:bodyPr lIns="90000" rIns="90000" tIns="91440" bIns="91440">
-            <a:noAutofit/>
-          </a:bodyPr>
+          <a:bodyPr lIns="90000" rIns="90000" tIns="91440" bIns="91440"/>
           <a:p>
             <a:pPr>
               <a:lnSpc>
@@ -5394,12 +6466,25 @@
                 <a:solidFill>
                   <a:srgbClr val="595959"/>
                 </a:solidFill>
+                <a:uFill>
+                  <a:solidFill>
+                    <a:srgbClr val="ffffff"/>
+                  </a:solidFill>
+                </a:uFill>
                 <a:latin typeface="Arial"/>
                 <a:ea typeface="Arial"/>
               </a:rPr>
               <a:t>Tabele: Dzialy, Stanowiska, Uzytkownicy, Sprzet</a:t>
             </a:r>
             <a:endParaRPr b="0" lang="pl-PL" sz="1800" spc="-1" strike="noStrike">
+              <a:solidFill>
+                <a:srgbClr val="000000"/>
+              </a:solidFill>
+              <a:uFill>
+                <a:solidFill>
+                  <a:srgbClr val="ffffff"/>
+                </a:solidFill>
+              </a:uFill>
               <a:latin typeface="Arial"/>
             </a:endParaRPr>
           </a:p>
@@ -5422,12 +6507,10 @@
               <a:tblGrid>
                 <a:gridCol w="7238880"/>
               </a:tblGrid>
-              <a:tr h="380880">
+              <a:tr h="354960">
                 <a:tc>
                   <a:txBody>
-                    <a:bodyPr lIns="91080" rIns="91080">
-                      <a:noAutofit/>
-                    </a:bodyPr>
+                    <a:bodyPr lIns="91080" rIns="91080"/>
                     <a:p>
                       <a:pPr algn="ctr">
                         <a:lnSpc>
@@ -5439,12 +6522,25 @@
                           <a:solidFill>
                             <a:srgbClr val="000000"/>
                           </a:solidFill>
+                          <a:uFill>
+                            <a:solidFill>
+                              <a:srgbClr val="ffffff"/>
+                            </a:solidFill>
+                          </a:uFill>
                           <a:latin typeface="Arial"/>
                           <a:ea typeface="Arial"/>
                         </a:rPr>
                         <a:t>SPRZETY</a:t>
                       </a:r>
                       <a:endParaRPr b="0" lang="pl-PL" sz="1400" spc="-1" strike="noStrike">
+                        <a:solidFill>
+                          <a:srgbClr val="000000"/>
+                        </a:solidFill>
+                        <a:uFill>
+                          <a:solidFill>
+                            <a:srgbClr val="ffffff"/>
+                          </a:solidFill>
+                        </a:uFill>
                         <a:latin typeface="Arial"/>
                       </a:endParaRPr>
                     </a:p>
@@ -5474,12 +6570,10 @@
                   </a:tcPr>
                 </a:tc>
               </a:tr>
-              <a:tr h="380880">
+              <a:tr h="354960">
                 <a:tc>
                   <a:txBody>
-                    <a:bodyPr lIns="91080" rIns="91080">
-                      <a:noAutofit/>
-                    </a:bodyPr>
+                    <a:bodyPr lIns="91080" rIns="91080"/>
                     <a:p>
                       <a:pPr>
                         <a:lnSpc>
@@ -5491,6 +6585,11 @@
                           <a:solidFill>
                             <a:srgbClr val="000000"/>
                           </a:solidFill>
+                          <a:uFill>
+                            <a:solidFill>
+                              <a:srgbClr val="ffffff"/>
+                            </a:solidFill>
+                          </a:uFill>
                           <a:latin typeface="Arial"/>
                           <a:ea typeface="Arial"/>
                         </a:rPr>
@@ -5501,12 +6600,25 @@
                           <a:solidFill>
                             <a:srgbClr val="000000"/>
                           </a:solidFill>
+                          <a:uFill>
+                            <a:solidFill>
+                              <a:srgbClr val="ffffff"/>
+                            </a:solidFill>
+                          </a:uFill>
                           <a:latin typeface="Arial"/>
                           <a:ea typeface="Arial"/>
                         </a:rPr>
                         <a:t> , integer primary key autoincrement</a:t>
                       </a:r>
                       <a:endParaRPr b="0" lang="pl-PL" sz="1400" spc="-1" strike="noStrike">
+                        <a:solidFill>
+                          <a:srgbClr val="000000"/>
+                        </a:solidFill>
+                        <a:uFill>
+                          <a:solidFill>
+                            <a:srgbClr val="ffffff"/>
+                          </a:solidFill>
+                        </a:uFill>
                         <a:latin typeface="Arial"/>
                       </a:endParaRPr>
                     </a:p>
@@ -5536,12 +6648,10 @@
                   </a:tcPr>
                 </a:tc>
               </a:tr>
-              <a:tr h="380880">
+              <a:tr h="354960">
                 <a:tc>
                   <a:txBody>
-                    <a:bodyPr lIns="91080" rIns="91080">
-                      <a:noAutofit/>
-                    </a:bodyPr>
+                    <a:bodyPr lIns="91080" rIns="91080"/>
                     <a:p>
                       <a:pPr>
                         <a:lnSpc>
@@ -5553,12 +6663,25 @@
                           <a:solidFill>
                             <a:srgbClr val="000000"/>
                           </a:solidFill>
+                          <a:uFill>
+                            <a:solidFill>
+                              <a:srgbClr val="ffffff"/>
+                            </a:solidFill>
+                          </a:uFill>
                           <a:latin typeface="Arial"/>
                           <a:ea typeface="Arial"/>
                         </a:rPr>
                         <a:t>NAZWA , text</a:t>
                       </a:r>
                       <a:endParaRPr b="0" lang="pl-PL" sz="1400" spc="-1" strike="noStrike">
+                        <a:solidFill>
+                          <a:srgbClr val="000000"/>
+                        </a:solidFill>
+                        <a:uFill>
+                          <a:solidFill>
+                            <a:srgbClr val="ffffff"/>
+                          </a:solidFill>
+                        </a:uFill>
                         <a:latin typeface="Arial"/>
                       </a:endParaRPr>
                     </a:p>
@@ -5588,12 +6711,10 @@
                   </a:tcPr>
                 </a:tc>
               </a:tr>
-              <a:tr h="380880">
+              <a:tr h="354960">
                 <a:tc>
                   <a:txBody>
-                    <a:bodyPr lIns="91080" rIns="91080">
-                      <a:noAutofit/>
-                    </a:bodyPr>
+                    <a:bodyPr lIns="91080" rIns="91080"/>
                     <a:p>
                       <a:pPr>
                         <a:lnSpc>
@@ -5605,12 +6726,25 @@
                           <a:solidFill>
                             <a:srgbClr val="000000"/>
                           </a:solidFill>
+                          <a:uFill>
+                            <a:solidFill>
+                              <a:srgbClr val="ffffff"/>
+                            </a:solidFill>
+                          </a:uFill>
                           <a:latin typeface="Arial"/>
                           <a:ea typeface="Arial"/>
                         </a:rPr>
                         <a:t>OPIS , text</a:t>
                       </a:r>
                       <a:endParaRPr b="0" lang="pl-PL" sz="1400" spc="-1" strike="noStrike">
+                        <a:solidFill>
+                          <a:srgbClr val="000000"/>
+                        </a:solidFill>
+                        <a:uFill>
+                          <a:solidFill>
+                            <a:srgbClr val="ffffff"/>
+                          </a:solidFill>
+                        </a:uFill>
                         <a:latin typeface="Arial"/>
                       </a:endParaRPr>
                     </a:p>
@@ -5640,12 +6774,10 @@
                   </a:tcPr>
                 </a:tc>
               </a:tr>
-              <a:tr h="381240">
+              <a:tr h="485640">
                 <a:tc>
                   <a:txBody>
-                    <a:bodyPr lIns="91080" rIns="91080">
-                      <a:noAutofit/>
-                    </a:bodyPr>
+                    <a:bodyPr lIns="91080" rIns="91080"/>
                     <a:p>
                       <a:pPr>
                         <a:lnSpc>
@@ -5657,6 +6789,11 @@
                           <a:solidFill>
                             <a:srgbClr val="000000"/>
                           </a:solidFill>
+                          <a:uFill>
+                            <a:solidFill>
+                              <a:srgbClr val="ffffff"/>
+                            </a:solidFill>
+                          </a:uFill>
                           <a:latin typeface="Arial"/>
                           <a:ea typeface="Arial"/>
                         </a:rPr>
@@ -5667,12 +6804,25 @@
                           <a:solidFill>
                             <a:srgbClr val="000000"/>
                           </a:solidFill>
+                          <a:uFill>
+                            <a:solidFill>
+                              <a:srgbClr val="ffffff"/>
+                            </a:solidFill>
+                          </a:uFill>
                           <a:latin typeface="Arial"/>
                           <a:ea typeface="Arial"/>
                         </a:rPr>
-                        <a:t> , integer, foreign key (UZYTKOWNICY_ID) references UZYKOWNICY (ID) </a:t>
+                        <a:t> , integer foreign key (UZYTKOWNICY_ID) references UZYKOWNICY (ID) </a:t>
                       </a:r>
                       <a:endParaRPr b="0" lang="pl-PL" sz="1400" spc="-1" strike="noStrike">
+                        <a:solidFill>
+                          <a:srgbClr val="000000"/>
+                        </a:solidFill>
+                        <a:uFill>
+                          <a:solidFill>
+                            <a:srgbClr val="ffffff"/>
+                          </a:solidFill>
+                        </a:uFill>
                         <a:latin typeface="Arial"/>
                       </a:endParaRPr>
                     </a:p>
@@ -5708,14 +6858,6 @@
       </p:graphicFrame>
     </p:spTree>
   </p:cSld>
-  <mc:AlternateContent>
-    <mc:Choice Requires="p14">
-      <p:transition spd="slow" p14:dur="2000"/>
-    </mc:Choice>
-    <mc:Fallback>
-      <p:transition spd="slow"/>
-    </mc:Fallback>
-  </mc:AlternateContent>
   <p:timing>
     <p:tnLst>
       <p:par>
@@ -5772,7 +6914,7 @@
         <p:spPr>
           <a:xfrm>
             <a:off x="311760" y="444960"/>
-            <a:ext cx="8519760" cy="572040"/>
+            <a:ext cx="8519400" cy="571680"/>
           </a:xfrm>
           <a:prstGeom prst="rect">
             <a:avLst/>
@@ -5789,9 +6931,7 @@
           <a:fontRef idx="minor"/>
         </p:style>
         <p:txBody>
-          <a:bodyPr lIns="90000" rIns="90000" tIns="91440" bIns="91440">
-            <a:noAutofit/>
-          </a:bodyPr>
+          <a:bodyPr lIns="90000" rIns="90000" tIns="91440" bIns="91440"/>
           <a:p>
             <a:pPr>
               <a:lnSpc>
@@ -5803,12 +6943,25 @@
                 <a:solidFill>
                   <a:srgbClr val="000000"/>
                 </a:solidFill>
+                <a:uFill>
+                  <a:solidFill>
+                    <a:srgbClr val="ffffff"/>
+                  </a:solidFill>
+                </a:uFill>
                 <a:latin typeface="Arial"/>
                 <a:ea typeface="Arial"/>
               </a:rPr>
               <a:t>Relacja pomiędzy tabelami Dzialy a Uzytkownicy.</a:t>
             </a:r>
             <a:endParaRPr b="0" lang="pl-PL" sz="2800" spc="-1" strike="noStrike">
+              <a:solidFill>
+                <a:srgbClr val="000000"/>
+              </a:solidFill>
+              <a:uFill>
+                <a:solidFill>
+                  <a:srgbClr val="ffffff"/>
+                </a:solidFill>
+              </a:uFill>
               <a:latin typeface="Arial"/>
             </a:endParaRPr>
           </a:p>
@@ -5823,7 +6976,7 @@
         <p:spPr>
           <a:xfrm>
             <a:off x="311760" y="1152360"/>
-            <a:ext cx="8519760" cy="3415680"/>
+            <a:ext cx="8519400" cy="3415320"/>
           </a:xfrm>
           <a:prstGeom prst="rect">
             <a:avLst/>
@@ -5840,9 +6993,7 @@
           <a:fontRef idx="minor"/>
         </p:style>
         <p:txBody>
-          <a:bodyPr lIns="90000" rIns="90000" tIns="91440" bIns="91440">
-            <a:noAutofit/>
-          </a:bodyPr>
+          <a:bodyPr lIns="90000" rIns="90000" tIns="91440" bIns="91440"/>
           <a:p>
             <a:pPr>
               <a:lnSpc>
@@ -5857,12 +7008,25 @@
                 <a:solidFill>
                   <a:srgbClr val="595959"/>
                 </a:solidFill>
+                <a:uFill>
+                  <a:solidFill>
+                    <a:srgbClr val="ffffff"/>
+                  </a:solidFill>
+                </a:uFill>
                 <a:latin typeface="Arial"/>
                 <a:ea typeface="Arial"/>
               </a:rPr>
               <a:t>Użytkownik może należeć tylko do jednego działu. Ten sam dział może być przypisany kilku użytkownikom.</a:t>
             </a:r>
             <a:endParaRPr b="0" lang="pl-PL" sz="1800" spc="-1" strike="noStrike">
+              <a:solidFill>
+                <a:srgbClr val="000000"/>
+              </a:solidFill>
+              <a:uFill>
+                <a:solidFill>
+                  <a:srgbClr val="ffffff"/>
+                </a:solidFill>
+              </a:uFill>
               <a:latin typeface="Arial"/>
             </a:endParaRPr>
           </a:p>
@@ -5888,9 +7052,7 @@
               <a:tr h="380880">
                 <a:tc>
                   <a:txBody>
-                    <a:bodyPr lIns="91080" rIns="91080">
-                      <a:noAutofit/>
-                    </a:bodyPr>
+                    <a:bodyPr lIns="91080" rIns="91080"/>
                     <a:p>
                       <a:pPr algn="ctr">
                         <a:lnSpc>
@@ -5902,12 +7064,25 @@
                           <a:solidFill>
                             <a:srgbClr val="000000"/>
                           </a:solidFill>
+                          <a:uFill>
+                            <a:solidFill>
+                              <a:srgbClr val="ffffff"/>
+                            </a:solidFill>
+                          </a:uFill>
                           <a:latin typeface="Arial"/>
                           <a:ea typeface="Arial"/>
                         </a:rPr>
                         <a:t>Uzytkownicy</a:t>
                       </a:r>
                       <a:endParaRPr b="0" lang="pl-PL" sz="1400" spc="-1" strike="noStrike">
+                        <a:solidFill>
+                          <a:srgbClr val="000000"/>
+                        </a:solidFill>
+                        <a:uFill>
+                          <a:solidFill>
+                            <a:srgbClr val="ffffff"/>
+                          </a:solidFill>
+                        </a:uFill>
                         <a:latin typeface="Arial"/>
                       </a:endParaRPr>
                     </a:p>
@@ -5942,9 +7117,7 @@
               <a:tr h="380880">
                 <a:tc>
                   <a:txBody>
-                    <a:bodyPr lIns="91080" rIns="91080">
-                      <a:noAutofit/>
-                    </a:bodyPr>
+                    <a:bodyPr lIns="91080" rIns="91080"/>
                     <a:p>
                       <a:pPr>
                         <a:lnSpc>
@@ -5956,12 +7129,25 @@
                           <a:solidFill>
                             <a:srgbClr val="000000"/>
                           </a:solidFill>
+                          <a:uFill>
+                            <a:solidFill>
+                              <a:srgbClr val="ffffff"/>
+                            </a:solidFill>
+                          </a:uFill>
                           <a:latin typeface="Arial"/>
                           <a:ea typeface="Arial"/>
                         </a:rPr>
                         <a:t>id</a:t>
                       </a:r>
                       <a:endParaRPr b="0" lang="pl-PL" sz="1400" spc="-1" strike="noStrike">
+                        <a:solidFill>
+                          <a:srgbClr val="000000"/>
+                        </a:solidFill>
+                        <a:uFill>
+                          <a:solidFill>
+                            <a:srgbClr val="ffffff"/>
+                          </a:solidFill>
+                        </a:uFill>
                         <a:latin typeface="Arial"/>
                       </a:endParaRPr>
                     </a:p>
@@ -5996,9 +7182,7 @@
               <a:tr h="380880">
                 <a:tc>
                   <a:txBody>
-                    <a:bodyPr lIns="91080" rIns="91080">
-                      <a:noAutofit/>
-                    </a:bodyPr>
+                    <a:bodyPr lIns="91080" rIns="91080"/>
                     <a:p>
                       <a:pPr>
                         <a:lnSpc>
@@ -6010,12 +7194,25 @@
                           <a:solidFill>
                             <a:srgbClr val="000000"/>
                           </a:solidFill>
+                          <a:uFill>
+                            <a:solidFill>
+                              <a:srgbClr val="ffffff"/>
+                            </a:solidFill>
+                          </a:uFill>
                           <a:latin typeface="Arial"/>
                           <a:ea typeface="Arial"/>
                         </a:rPr>
                         <a:t>imie</a:t>
                       </a:r>
                       <a:endParaRPr b="0" lang="pl-PL" sz="1400" spc="-1" strike="noStrike">
+                        <a:solidFill>
+                          <a:srgbClr val="000000"/>
+                        </a:solidFill>
+                        <a:uFill>
+                          <a:solidFill>
+                            <a:srgbClr val="ffffff"/>
+                          </a:solidFill>
+                        </a:uFill>
                         <a:latin typeface="Arial"/>
                       </a:endParaRPr>
                     </a:p>
@@ -6048,9 +7245,7 @@
               <a:tr h="380880">
                 <a:tc>
                   <a:txBody>
-                    <a:bodyPr lIns="91080" rIns="91080">
-                      <a:noAutofit/>
-                    </a:bodyPr>
+                    <a:bodyPr lIns="91080" rIns="91080"/>
                     <a:p>
                       <a:pPr>
                         <a:lnSpc>
@@ -6062,12 +7257,25 @@
                           <a:solidFill>
                             <a:srgbClr val="000000"/>
                           </a:solidFill>
+                          <a:uFill>
+                            <a:solidFill>
+                              <a:srgbClr val="ffffff"/>
+                            </a:solidFill>
+                          </a:uFill>
                           <a:latin typeface="Arial"/>
                           <a:ea typeface="Arial"/>
                         </a:rPr>
                         <a:t>nazwisko</a:t>
                       </a:r>
                       <a:endParaRPr b="0" lang="pl-PL" sz="1400" spc="-1" strike="noStrike">
+                        <a:solidFill>
+                          <a:srgbClr val="000000"/>
+                        </a:solidFill>
+                        <a:uFill>
+                          <a:solidFill>
+                            <a:srgbClr val="ffffff"/>
+                          </a:solidFill>
+                        </a:uFill>
                         <a:latin typeface="Arial"/>
                       </a:endParaRPr>
                     </a:p>
@@ -6100,9 +7308,7 @@
               <a:tr h="380880">
                 <a:tc>
                   <a:txBody>
-                    <a:bodyPr lIns="91080" rIns="91080">
-                      <a:noAutofit/>
-                    </a:bodyPr>
+                    <a:bodyPr lIns="91080" rIns="91080"/>
                     <a:p>
                       <a:pPr>
                         <a:lnSpc>
@@ -6114,12 +7320,25 @@
                           <a:solidFill>
                             <a:srgbClr val="000000"/>
                           </a:solidFill>
+                          <a:uFill>
+                            <a:solidFill>
+                              <a:srgbClr val="ffffff"/>
+                            </a:solidFill>
+                          </a:uFill>
                           <a:latin typeface="Arial"/>
                           <a:ea typeface="Arial"/>
                         </a:rPr>
                         <a:t>dzialy_id</a:t>
                       </a:r>
                       <a:endParaRPr b="0" lang="pl-PL" sz="1400" spc="-1" strike="noStrike">
+                        <a:solidFill>
+                          <a:srgbClr val="000000"/>
+                        </a:solidFill>
+                        <a:uFill>
+                          <a:solidFill>
+                            <a:srgbClr val="ffffff"/>
+                          </a:solidFill>
+                        </a:uFill>
                         <a:latin typeface="Arial"/>
                       </a:endParaRPr>
                     </a:p>
@@ -6151,12 +7370,10 @@
                   </a:tcPr>
                 </a:tc>
               </a:tr>
-              <a:tr h="381240">
+              <a:tr h="380880">
                 <a:tc>
                   <a:txBody>
-                    <a:bodyPr lIns="91080" rIns="91080">
-                      <a:noAutofit/>
-                    </a:bodyPr>
+                    <a:bodyPr lIns="91080" rIns="91080"/>
                     <a:p>
                       <a:pPr>
                         <a:lnSpc>
@@ -6168,12 +7385,25 @@
                           <a:solidFill>
                             <a:srgbClr val="000000"/>
                           </a:solidFill>
+                          <a:uFill>
+                            <a:solidFill>
+                              <a:srgbClr val="ffffff"/>
+                            </a:solidFill>
+                          </a:uFill>
                           <a:latin typeface="Arial"/>
                           <a:ea typeface="Arial"/>
                         </a:rPr>
                         <a:t>stanowiska_id</a:t>
                       </a:r>
                       <a:endParaRPr b="0" lang="pl-PL" sz="1400" spc="-1" strike="noStrike">
+                        <a:solidFill>
+                          <a:srgbClr val="000000"/>
+                        </a:solidFill>
+                        <a:uFill>
+                          <a:solidFill>
+                            <a:srgbClr val="ffffff"/>
+                          </a:solidFill>
+                        </a:uFill>
                         <a:latin typeface="Arial"/>
                       </a:endParaRPr>
                     </a:p>
@@ -6218,7 +7448,7 @@
         <p:spPr>
           <a:xfrm>
             <a:off x="1329840" y="3653280"/>
-            <a:ext cx="470160" cy="234720"/>
+            <a:ext cx="469800" cy="234360"/>
           </a:xfrm>
           <a:prstGeom prst="rect">
             <a:avLst/>
@@ -6235,9 +7465,7 @@
           <a:fontRef idx="minor"/>
         </p:style>
         <p:txBody>
-          <a:bodyPr lIns="90000" rIns="90000" tIns="91440" bIns="91440">
-            <a:noAutofit/>
-          </a:bodyPr>
+          <a:bodyPr lIns="90000" rIns="90000" tIns="91440" bIns="91440"/>
           <a:p>
             <a:pPr>
               <a:lnSpc>
@@ -6249,12 +7477,25 @@
                 <a:solidFill>
                   <a:srgbClr val="000000"/>
                 </a:solidFill>
+                <a:uFill>
+                  <a:solidFill>
+                    <a:srgbClr val="ffffff"/>
+                  </a:solidFill>
+                </a:uFill>
                 <a:latin typeface="Arial"/>
                 <a:ea typeface="Arial"/>
               </a:rPr>
               <a:t>1</a:t>
             </a:r>
             <a:endParaRPr b="0" lang="pl-PL" sz="1400" spc="-1" strike="noStrike">
+              <a:solidFill>
+                <a:srgbClr val="000000"/>
+              </a:solidFill>
+              <a:uFill>
+                <a:solidFill>
+                  <a:srgbClr val="ffffff"/>
+                </a:solidFill>
+              </a:uFill>
               <a:latin typeface="Arial"/>
             </a:endParaRPr>
           </a:p>
@@ -6268,8 +7509,8 @@
         </p:nvSpPr>
         <p:spPr>
           <a:xfrm rot="5400000">
-            <a:off x="1950480" y="3655440"/>
-            <a:ext cx="259560" cy="303480"/>
+            <a:off x="1950840" y="3655440"/>
+            <a:ext cx="259200" cy="303120"/>
           </a:xfrm>
           <a:prstGeom prst="rect">
             <a:avLst/>
@@ -6286,9 +7527,7 @@
           <a:fontRef idx="minor"/>
         </p:style>
         <p:txBody>
-          <a:bodyPr lIns="90000" rIns="90000" tIns="91440" bIns="91440">
-            <a:noAutofit/>
-          </a:bodyPr>
+          <a:bodyPr lIns="90000" rIns="90000" tIns="91440" bIns="91440"/>
           <a:p>
             <a:pPr>
               <a:lnSpc>
@@ -6300,62 +7539,33 @@
                 <a:solidFill>
                   <a:srgbClr val="000000"/>
                 </a:solidFill>
+                <a:uFill>
+                  <a:solidFill>
+                    <a:srgbClr val="ffffff"/>
+                  </a:solidFill>
+                </a:uFill>
                 <a:latin typeface="Arial"/>
                 <a:ea typeface="Arial"/>
               </a:rPr>
               <a:t>8</a:t>
             </a:r>
             <a:endParaRPr b="0" lang="pl-PL" sz="1400" spc="-1" strike="noStrike">
+              <a:solidFill>
+                <a:srgbClr val="000000"/>
+              </a:solidFill>
+              <a:uFill>
+                <a:solidFill>
+                  <a:srgbClr val="ffffff"/>
+                </a:solidFill>
+              </a:uFill>
               <a:latin typeface="Arial"/>
             </a:endParaRPr>
           </a:p>
         </p:txBody>
-      </p:sp>
-      <p:sp>
-        <p:nvSpPr>
-          <p:cNvPr id="95" name="CustomShape 6"/>
-          <p:cNvSpPr/>
-          <p:nvPr/>
-        </p:nvSpPr>
-        <p:spPr>
-          <a:xfrm flipH="1" rot="10800000">
-            <a:off x="2304000" y="3936960"/>
-            <a:ext cx="1002960" cy="48960"/>
-          </a:xfrm>
-          <a:custGeom>
-            <a:avLst/>
-            <a:gdLst/>
-            <a:ahLst/>
-            <a:rect l="l" t="t" r="r" b="b"/>
-            <a:pathLst>
-              <a:path w="21600" h="21600">
-                <a:moveTo>
-                  <a:pt x="0" y="0"/>
-                </a:moveTo>
-                <a:lnTo>
-                  <a:pt x="21600" y="21600"/>
-                </a:lnTo>
-              </a:path>
-            </a:pathLst>
-          </a:custGeom>
-          <a:noFill/>
-          <a:ln w="9360">
-            <a:solidFill>
-              <a:schemeClr val="dk2"/>
-            </a:solidFill>
-            <a:round/>
-          </a:ln>
-        </p:spPr>
-        <p:style>
-          <a:lnRef idx="0"/>
-          <a:fillRef idx="0"/>
-          <a:effectRef idx="0"/>
-          <a:fontRef idx="minor"/>
-        </p:style>
       </p:sp>
       <p:graphicFrame>
         <p:nvGraphicFramePr>
-          <p:cNvPr id="96" name="Table 7"/>
+          <p:cNvPr id="95" name="Table 6"/>
           <p:cNvGraphicFramePr/>
           <p:nvPr/>
         </p:nvGraphicFramePr>
@@ -6373,9 +7583,7 @@
               <a:tr h="380880">
                 <a:tc>
                   <a:txBody>
-                    <a:bodyPr lIns="91080" rIns="91080">
-                      <a:noAutofit/>
-                    </a:bodyPr>
+                    <a:bodyPr lIns="91080" rIns="91080"/>
                     <a:p>
                       <a:pPr algn="ctr">
                         <a:lnSpc>
@@ -6387,12 +7595,25 @@
                           <a:solidFill>
                             <a:srgbClr val="000000"/>
                           </a:solidFill>
+                          <a:uFill>
+                            <a:solidFill>
+                              <a:srgbClr val="ffffff"/>
+                            </a:solidFill>
+                          </a:uFill>
                           <a:latin typeface="Arial"/>
                           <a:ea typeface="Arial"/>
                         </a:rPr>
                         <a:t>Dzialy</a:t>
                       </a:r>
                       <a:endParaRPr b="0" lang="pl-PL" sz="1400" spc="-1" strike="noStrike">
+                        <a:solidFill>
+                          <a:srgbClr val="000000"/>
+                        </a:solidFill>
+                        <a:uFill>
+                          <a:solidFill>
+                            <a:srgbClr val="ffffff"/>
+                          </a:solidFill>
+                        </a:uFill>
                         <a:latin typeface="Arial"/>
                       </a:endParaRPr>
                     </a:p>
@@ -6427,9 +7648,7 @@
               <a:tr h="380880">
                 <a:tc>
                   <a:txBody>
-                    <a:bodyPr lIns="91080" rIns="91080">
-                      <a:noAutofit/>
-                    </a:bodyPr>
+                    <a:bodyPr lIns="91080" rIns="91080"/>
                     <a:p>
                       <a:pPr>
                         <a:lnSpc>
@@ -6441,6 +7660,11 @@
                           <a:solidFill>
                             <a:srgbClr val="000000"/>
                           </a:solidFill>
+                          <a:uFill>
+                            <a:solidFill>
+                              <a:srgbClr val="ffffff"/>
+                            </a:solidFill>
+                          </a:uFill>
                           <a:latin typeface="Arial"/>
                           <a:ea typeface="Arial"/>
                         </a:rPr>
@@ -6451,12 +7675,25 @@
                           <a:solidFill>
                             <a:srgbClr val="000000"/>
                           </a:solidFill>
+                          <a:uFill>
+                            <a:solidFill>
+                              <a:srgbClr val="ffffff"/>
+                            </a:solidFill>
+                          </a:uFill>
                           <a:latin typeface="Arial"/>
                           <a:ea typeface="Arial"/>
                         </a:rPr>
                         <a:t>d</a:t>
                       </a:r>
                       <a:endParaRPr b="0" lang="pl-PL" sz="1400" spc="-1" strike="noStrike">
+                        <a:solidFill>
+                          <a:srgbClr val="000000"/>
+                        </a:solidFill>
+                        <a:uFill>
+                          <a:solidFill>
+                            <a:srgbClr val="ffffff"/>
+                          </a:solidFill>
+                        </a:uFill>
                         <a:latin typeface="Arial"/>
                       </a:endParaRPr>
                     </a:p>
@@ -6488,12 +7725,10 @@
                   </a:tcPr>
                 </a:tc>
               </a:tr>
-              <a:tr h="380880">
+              <a:tr h="380520">
                 <a:tc>
                   <a:txBody>
-                    <a:bodyPr lIns="91080" rIns="91080">
-                      <a:noAutofit/>
-                    </a:bodyPr>
+                    <a:bodyPr lIns="91080" rIns="91080"/>
                     <a:p>
                       <a:pPr>
                         <a:lnSpc>
@@ -6505,12 +7740,25 @@
                           <a:solidFill>
                             <a:srgbClr val="000000"/>
                           </a:solidFill>
+                          <a:uFill>
+                            <a:solidFill>
+                              <a:srgbClr val="ffffff"/>
+                            </a:solidFill>
+                          </a:uFill>
                           <a:latin typeface="Arial"/>
                           <a:ea typeface="Arial"/>
                         </a:rPr>
                         <a:t>nazwa</a:t>
                       </a:r>
                       <a:endParaRPr b="0" lang="pl-PL" sz="1400" spc="-1" strike="noStrike">
+                        <a:solidFill>
+                          <a:srgbClr val="000000"/>
+                        </a:solidFill>
+                        <a:uFill>
+                          <a:solidFill>
+                            <a:srgbClr val="ffffff"/>
+                          </a:solidFill>
+                        </a:uFill>
                         <a:latin typeface="Arial"/>
                       </a:endParaRPr>
                     </a:p>
@@ -6546,13 +7794,13 @@
       </p:graphicFrame>
       <p:graphicFrame>
         <p:nvGraphicFramePr>
-          <p:cNvPr id="97" name="Table 8"/>
+          <p:cNvPr id="96" name="Table 7"/>
           <p:cNvGraphicFramePr/>
           <p:nvPr/>
         </p:nvGraphicFramePr>
         <p:xfrm>
           <a:off x="4853520" y="2301480"/>
-          <a:ext cx="4209120" cy="2002320"/>
+          <a:ext cx="4208760" cy="2348640"/>
         </p:xfrm>
         <a:graphic>
           <a:graphicData uri="http://schemas.openxmlformats.org/drawingml/2006/table">
@@ -6564,9 +7812,7 @@
               <a:tr h="291600">
                 <a:tc>
                   <a:txBody>
-                    <a:bodyPr lIns="91080" rIns="91080">
-                      <a:noAutofit/>
-                    </a:bodyPr>
+                    <a:bodyPr lIns="91080" rIns="91080"/>
                     <a:p>
                       <a:pPr algn="ctr">
                         <a:lnSpc>
@@ -6578,13 +7824,26 @@
                           <a:solidFill>
                             <a:srgbClr val="000000"/>
                           </a:solidFill>
+                          <a:uFill>
+                            <a:solidFill>
+                              <a:srgbClr val="ffffff"/>
+                            </a:solidFill>
+                          </a:uFill>
                           <a:latin typeface="Arial"/>
                           <a:ea typeface="Arial"/>
                         </a:rPr>
                         <a:t>UZYTKOWNICY</a:t>
                       </a:r>
                       <a:endParaRPr b="0" lang="pl-PL" sz="1400" spc="-1" strike="noStrike">
-                        <a:latin typeface="Times New Roman"/>
+                        <a:solidFill>
+                          <a:srgbClr val="000000"/>
+                        </a:solidFill>
+                        <a:uFill>
+                          <a:solidFill>
+                            <a:srgbClr val="ffffff"/>
+                          </a:solidFill>
+                        </a:uFill>
+                        <a:latin typeface="Arial"/>
                       </a:endParaRPr>
                     </a:p>
                   </a:txBody>
@@ -6616,9 +7875,7 @@
               <a:tr h="291600">
                 <a:tc>
                   <a:txBody>
-                    <a:bodyPr lIns="91080" rIns="91080">
-                      <a:noAutofit/>
-                    </a:bodyPr>
+                    <a:bodyPr lIns="91080" rIns="91080"/>
                     <a:p>
                       <a:pPr>
                         <a:lnSpc>
@@ -6630,6 +7887,11 @@
                           <a:solidFill>
                             <a:srgbClr val="000000"/>
                           </a:solidFill>
+                          <a:uFill>
+                            <a:solidFill>
+                              <a:srgbClr val="ffffff"/>
+                            </a:solidFill>
+                          </a:uFill>
                           <a:latin typeface="Arial"/>
                           <a:ea typeface="Arial"/>
                         </a:rPr>
@@ -6640,13 +7902,26 @@
                           <a:solidFill>
                             <a:srgbClr val="000000"/>
                           </a:solidFill>
+                          <a:uFill>
+                            <a:solidFill>
+                              <a:srgbClr val="ffffff"/>
+                            </a:solidFill>
+                          </a:uFill>
                           <a:latin typeface="Arial"/>
                           <a:ea typeface="Arial"/>
                         </a:rPr>
                         <a:t> , integer primary key autoincrement</a:t>
                       </a:r>
                       <a:endParaRPr b="0" lang="pl-PL" sz="1400" spc="-1" strike="noStrike">
-                        <a:latin typeface="Times New Roman"/>
+                        <a:solidFill>
+                          <a:srgbClr val="000000"/>
+                        </a:solidFill>
+                        <a:uFill>
+                          <a:solidFill>
+                            <a:srgbClr val="ffffff"/>
+                          </a:solidFill>
+                        </a:uFill>
+                        <a:latin typeface="Arial"/>
                       </a:endParaRPr>
                     </a:p>
                   </a:txBody>
@@ -6678,9 +7953,7 @@
               <a:tr h="291600">
                 <a:tc>
                   <a:txBody>
-                    <a:bodyPr lIns="91080" rIns="91080">
-                      <a:noAutofit/>
-                    </a:bodyPr>
+                    <a:bodyPr lIns="91080" rIns="91080"/>
                     <a:p>
                       <a:pPr>
                         <a:lnSpc>
@@ -6692,13 +7965,26 @@
                           <a:solidFill>
                             <a:srgbClr val="000000"/>
                           </a:solidFill>
+                          <a:uFill>
+                            <a:solidFill>
+                              <a:srgbClr val="ffffff"/>
+                            </a:solidFill>
+                          </a:uFill>
                           <a:latin typeface="Arial"/>
                           <a:ea typeface="Arial"/>
                         </a:rPr>
                         <a:t>IMIE , text</a:t>
                       </a:r>
                       <a:endParaRPr b="0" lang="pl-PL" sz="1400" spc="-1" strike="noStrike">
-                        <a:latin typeface="Times New Roman"/>
+                        <a:solidFill>
+                          <a:srgbClr val="000000"/>
+                        </a:solidFill>
+                        <a:uFill>
+                          <a:solidFill>
+                            <a:srgbClr val="ffffff"/>
+                          </a:solidFill>
+                        </a:uFill>
+                        <a:latin typeface="Arial"/>
                       </a:endParaRPr>
                     </a:p>
                   </a:txBody>
@@ -6730,9 +8016,7 @@
               <a:tr h="291600">
                 <a:tc>
                   <a:txBody>
-                    <a:bodyPr lIns="91080" rIns="91080">
-                      <a:noAutofit/>
-                    </a:bodyPr>
+                    <a:bodyPr lIns="91080" rIns="91080"/>
                     <a:p>
                       <a:pPr>
                         <a:lnSpc>
@@ -6744,13 +8028,26 @@
                           <a:solidFill>
                             <a:srgbClr val="000000"/>
                           </a:solidFill>
+                          <a:uFill>
+                            <a:solidFill>
+                              <a:srgbClr val="ffffff"/>
+                            </a:solidFill>
+                          </a:uFill>
                           <a:latin typeface="Arial"/>
                           <a:ea typeface="Arial"/>
                         </a:rPr>
                         <a:t>NAZWISKO , text</a:t>
                       </a:r>
                       <a:endParaRPr b="0" lang="pl-PL" sz="1400" spc="-1" strike="noStrike">
-                        <a:latin typeface="Times New Roman"/>
+                        <a:solidFill>
+                          <a:srgbClr val="000000"/>
+                        </a:solidFill>
+                        <a:uFill>
+                          <a:solidFill>
+                            <a:srgbClr val="ffffff"/>
+                          </a:solidFill>
+                        </a:uFill>
+                        <a:latin typeface="Arial"/>
                       </a:endParaRPr>
                     </a:p>
                   </a:txBody>
@@ -6782,9 +8079,7 @@
               <a:tr h="491400">
                 <a:tc>
                   <a:txBody>
-                    <a:bodyPr lIns="91080" rIns="91080">
-                      <a:noAutofit/>
-                    </a:bodyPr>
+                    <a:bodyPr lIns="91080" rIns="91080"/>
                     <a:p>
                       <a:pPr>
                         <a:lnSpc>
@@ -6796,6 +8091,11 @@
                           <a:solidFill>
                             <a:srgbClr val="000000"/>
                           </a:solidFill>
+                          <a:uFill>
+                            <a:solidFill>
+                              <a:srgbClr val="ffffff"/>
+                            </a:solidFill>
+                          </a:uFill>
                           <a:latin typeface="Arial"/>
                           <a:ea typeface="Arial"/>
                         </a:rPr>
@@ -6806,13 +8106,41 @@
                           <a:solidFill>
                             <a:srgbClr val="000000"/>
                           </a:solidFill>
+                          <a:uFill>
+                            <a:solidFill>
+                              <a:srgbClr val="ffffff"/>
+                            </a:solidFill>
+                          </a:uFill>
                           <a:latin typeface="Arial"/>
                           <a:ea typeface="Arial"/>
                         </a:rPr>
-                        <a:t> , integer foreign key("DZIALY_ID") references "DZIALY"("ID")</a:t>
+                        <a:t> , integer foreign key("DZIALY_ID") references "DZIALY"("</a:t>
+                      </a:r>
+                      <a:r>
+                        <a:rPr b="0" lang="pl-PL" sz="1400" spc="-1" strike="noStrike">
+                          <a:solidFill>
+                            <a:srgbClr val="000000"/>
+                          </a:solidFill>
+                          <a:uFill>
+                            <a:solidFill>
+                              <a:srgbClr val="ffffff"/>
+                            </a:solidFill>
+                          </a:uFill>
+                          <a:latin typeface="Arial"/>
+                          <a:ea typeface="Arial"/>
+                        </a:rPr>
+                        <a:t>ID")</a:t>
                       </a:r>
                       <a:endParaRPr b="0" lang="pl-PL" sz="1400" spc="-1" strike="noStrike">
-                        <a:latin typeface="Times New Roman"/>
+                        <a:solidFill>
+                          <a:srgbClr val="000000"/>
+                        </a:solidFill>
+                        <a:uFill>
+                          <a:solidFill>
+                            <a:srgbClr val="ffffff"/>
+                          </a:solidFill>
+                        </a:uFill>
+                        <a:latin typeface="Arial"/>
                       </a:endParaRPr>
                     </a:p>
                   </a:txBody>
@@ -6841,12 +8169,10 @@
                   </a:tcPr>
                 </a:tc>
               </a:tr>
-              <a:tr h="691200">
+              <a:tr h="690840">
                 <a:tc>
                   <a:txBody>
-                    <a:bodyPr lIns="91080" rIns="91080">
-                      <a:noAutofit/>
-                    </a:bodyPr>
+                    <a:bodyPr lIns="91080" rIns="91080"/>
                     <a:p>
                       <a:pPr>
                         <a:lnSpc>
@@ -6858,6 +8184,11 @@
                           <a:solidFill>
                             <a:srgbClr val="000000"/>
                           </a:solidFill>
+                          <a:uFill>
+                            <a:solidFill>
+                              <a:srgbClr val="ffffff"/>
+                            </a:solidFill>
+                          </a:uFill>
                           <a:latin typeface="Arial"/>
                           <a:ea typeface="Arial"/>
                         </a:rPr>
@@ -6868,13 +8199,26 @@
                           <a:solidFill>
                             <a:srgbClr val="000000"/>
                           </a:solidFill>
+                          <a:uFill>
+                            <a:solidFill>
+                              <a:srgbClr val="ffffff"/>
+                            </a:solidFill>
+                          </a:uFill>
                           <a:latin typeface="Arial"/>
                           <a:ea typeface="Arial"/>
                         </a:rPr>
                         <a:t> , integer foreign key ("STANOWISKA_ID") references "STANOWISKA"("ID")</a:t>
                       </a:r>
                       <a:endParaRPr b="0" lang="pl-PL" sz="1400" spc="-1" strike="noStrike">
-                        <a:latin typeface="Times New Roman"/>
+                        <a:solidFill>
+                          <a:srgbClr val="000000"/>
+                        </a:solidFill>
+                        <a:uFill>
+                          <a:solidFill>
+                            <a:srgbClr val="ffffff"/>
+                          </a:solidFill>
+                        </a:uFill>
+                        <a:latin typeface="Arial"/>
                       </a:endParaRPr>
                     </a:p>
                   </a:txBody>
@@ -6909,14 +8253,14 @@
       </p:graphicFrame>
       <p:sp>
         <p:nvSpPr>
-          <p:cNvPr id="98" name="CustomShape 9"/>
+          <p:cNvPr id="97" name="CustomShape 8"/>
           <p:cNvSpPr/>
           <p:nvPr/>
         </p:nvSpPr>
         <p:spPr>
           <a:xfrm flipH="1" rot="10800000">
-            <a:off x="2304360" y="3936960"/>
-            <a:ext cx="1002960" cy="48960"/>
+            <a:off x="2318400" y="3960000"/>
+            <a:ext cx="1002600" cy="48600"/>
           </a:xfrm>
           <a:custGeom>
             <a:avLst/>
@@ -6951,14 +8295,6 @@
       </p:sp>
     </p:spTree>
   </p:cSld>
-  <mc:AlternateContent>
-    <mc:Choice Requires="p14">
-      <p:transition spd="slow" p14:dur="2000"/>
-    </mc:Choice>
-    <mc:Fallback>
-      <p:transition spd="slow"/>
-    </mc:Fallback>
-  </mc:AlternateContent>
   <p:timing>
     <p:tnLst>
       <p:par>
@@ -7008,14 +8344,14 @@
       </p:grpSpPr>
       <p:sp>
         <p:nvSpPr>
-          <p:cNvPr id="99" name="CustomShape 1"/>
+          <p:cNvPr id="98" name="CustomShape 1"/>
           <p:cNvSpPr/>
           <p:nvPr/>
         </p:nvSpPr>
         <p:spPr>
           <a:xfrm>
             <a:off x="311760" y="444960"/>
-            <a:ext cx="8519760" cy="572040"/>
+            <a:ext cx="8519400" cy="571680"/>
           </a:xfrm>
           <a:prstGeom prst="rect">
             <a:avLst/>
@@ -7032,9 +8368,7 @@
           <a:fontRef idx="minor"/>
         </p:style>
         <p:txBody>
-          <a:bodyPr lIns="90000" rIns="90000" tIns="91440" bIns="91440">
-            <a:noAutofit/>
-          </a:bodyPr>
+          <a:bodyPr lIns="90000" rIns="90000" tIns="91440" bIns="91440"/>
           <a:p>
             <a:pPr>
               <a:lnSpc>
@@ -7046,12 +8380,25 @@
                 <a:solidFill>
                   <a:srgbClr val="000000"/>
                 </a:solidFill>
+                <a:uFill>
+                  <a:solidFill>
+                    <a:srgbClr val="ffffff"/>
+                  </a:solidFill>
+                </a:uFill>
                 <a:latin typeface="Arial"/>
                 <a:ea typeface="Arial"/>
               </a:rPr>
               <a:t>Relacja pomiędzy tabelami Stanowiska Uzytkownicy.</a:t>
             </a:r>
             <a:endParaRPr b="0" lang="pl-PL" sz="2800" spc="-1" strike="noStrike">
+              <a:solidFill>
+                <a:srgbClr val="000000"/>
+              </a:solidFill>
+              <a:uFill>
+                <a:solidFill>
+                  <a:srgbClr val="ffffff"/>
+                </a:solidFill>
+              </a:uFill>
               <a:latin typeface="Arial"/>
             </a:endParaRPr>
           </a:p>
@@ -7059,14 +8406,14 @@
       </p:sp>
       <p:sp>
         <p:nvSpPr>
-          <p:cNvPr id="100" name="CustomShape 2"/>
+          <p:cNvPr id="99" name="CustomShape 2"/>
           <p:cNvSpPr/>
           <p:nvPr/>
         </p:nvSpPr>
         <p:spPr>
           <a:xfrm>
             <a:off x="311760" y="1152360"/>
-            <a:ext cx="8519760" cy="3415680"/>
+            <a:ext cx="8519400" cy="3415320"/>
           </a:xfrm>
           <a:prstGeom prst="rect">
             <a:avLst/>
@@ -7083,9 +8430,7 @@
           <a:fontRef idx="minor"/>
         </p:style>
         <p:txBody>
-          <a:bodyPr lIns="90000" rIns="90000" tIns="91440" bIns="91440">
-            <a:noAutofit/>
-          </a:bodyPr>
+          <a:bodyPr lIns="90000" rIns="90000" tIns="91440" bIns="91440"/>
           <a:p>
             <a:pPr>
               <a:lnSpc>
@@ -7100,12 +8445,25 @@
                 <a:solidFill>
                   <a:srgbClr val="595959"/>
                 </a:solidFill>
+                <a:uFill>
+                  <a:solidFill>
+                    <a:srgbClr val="ffffff"/>
+                  </a:solidFill>
+                </a:uFill>
                 <a:latin typeface="Arial"/>
                 <a:ea typeface="Arial"/>
               </a:rPr>
               <a:t>Użytkownik może należeć tylko do jednego stanowiska. To samo stanowisko może być przypisane kilku użytkownikom.</a:t>
             </a:r>
             <a:endParaRPr b="0" lang="pl-PL" sz="1800" spc="-1" strike="noStrike">
+              <a:solidFill>
+                <a:srgbClr val="000000"/>
+              </a:solidFill>
+              <a:uFill>
+                <a:solidFill>
+                  <a:srgbClr val="ffffff"/>
+                </a:solidFill>
+              </a:uFill>
               <a:latin typeface="Arial"/>
             </a:endParaRPr>
           </a:p>
@@ -7113,7 +8471,7 @@
       </p:sp>
       <p:graphicFrame>
         <p:nvGraphicFramePr>
-          <p:cNvPr id="101" name="Table 3"/>
+          <p:cNvPr id="100" name="Table 3"/>
           <p:cNvGraphicFramePr/>
           <p:nvPr/>
         </p:nvGraphicFramePr>
@@ -7131,9 +8489,7 @@
               <a:tr h="380880">
                 <a:tc>
                   <a:txBody>
-                    <a:bodyPr lIns="91080" rIns="91080">
-                      <a:noAutofit/>
-                    </a:bodyPr>
+                    <a:bodyPr lIns="91080" rIns="91080"/>
                     <a:p>
                       <a:pPr algn="ctr">
                         <a:lnSpc>
@@ -7145,12 +8501,25 @@
                           <a:solidFill>
                             <a:srgbClr val="000000"/>
                           </a:solidFill>
+                          <a:uFill>
+                            <a:solidFill>
+                              <a:srgbClr val="ffffff"/>
+                            </a:solidFill>
+                          </a:uFill>
                           <a:latin typeface="Arial"/>
                           <a:ea typeface="Arial"/>
                         </a:rPr>
                         <a:t>Stanowiska</a:t>
                       </a:r>
                       <a:endParaRPr b="0" lang="pl-PL" sz="1400" spc="-1" strike="noStrike">
+                        <a:solidFill>
+                          <a:srgbClr val="000000"/>
+                        </a:solidFill>
+                        <a:uFill>
+                          <a:solidFill>
+                            <a:srgbClr val="ffffff"/>
+                          </a:solidFill>
+                        </a:uFill>
                         <a:latin typeface="Arial"/>
                       </a:endParaRPr>
                     </a:p>
@@ -7185,9 +8554,7 @@
               <a:tr h="380880">
                 <a:tc>
                   <a:txBody>
-                    <a:bodyPr lIns="91080" rIns="91080">
-                      <a:noAutofit/>
-                    </a:bodyPr>
+                    <a:bodyPr lIns="91080" rIns="91080"/>
                     <a:p>
                       <a:pPr>
                         <a:lnSpc>
@@ -7199,12 +8566,25 @@
                           <a:solidFill>
                             <a:srgbClr val="000000"/>
                           </a:solidFill>
+                          <a:uFill>
+                            <a:solidFill>
+                              <a:srgbClr val="ffffff"/>
+                            </a:solidFill>
+                          </a:uFill>
                           <a:latin typeface="Arial"/>
                           <a:ea typeface="Arial"/>
                         </a:rPr>
                         <a:t>id</a:t>
                       </a:r>
                       <a:endParaRPr b="0" lang="pl-PL" sz="1400" spc="-1" strike="noStrike">
+                        <a:solidFill>
+                          <a:srgbClr val="000000"/>
+                        </a:solidFill>
+                        <a:uFill>
+                          <a:solidFill>
+                            <a:srgbClr val="ffffff"/>
+                          </a:solidFill>
+                        </a:uFill>
                         <a:latin typeface="Arial"/>
                       </a:endParaRPr>
                     </a:p>
@@ -7236,12 +8616,10 @@
                   </a:tcPr>
                 </a:tc>
               </a:tr>
-              <a:tr h="380880">
+              <a:tr h="380520">
                 <a:tc>
                   <a:txBody>
-                    <a:bodyPr lIns="91080" rIns="91080">
-                      <a:noAutofit/>
-                    </a:bodyPr>
+                    <a:bodyPr lIns="91080" rIns="91080"/>
                     <a:p>
                       <a:pPr>
                         <a:lnSpc>
@@ -7253,12 +8631,25 @@
                           <a:solidFill>
                             <a:srgbClr val="000000"/>
                           </a:solidFill>
+                          <a:uFill>
+                            <a:solidFill>
+                              <a:srgbClr val="ffffff"/>
+                            </a:solidFill>
+                          </a:uFill>
                           <a:latin typeface="Arial"/>
                           <a:ea typeface="Arial"/>
                         </a:rPr>
                         <a:t>nazwa</a:t>
                       </a:r>
                       <a:endParaRPr b="0" lang="pl-PL" sz="1400" spc="-1" strike="noStrike">
+                        <a:solidFill>
+                          <a:srgbClr val="000000"/>
+                        </a:solidFill>
+                        <a:uFill>
+                          <a:solidFill>
+                            <a:srgbClr val="ffffff"/>
+                          </a:solidFill>
+                        </a:uFill>
                         <a:latin typeface="Arial"/>
                       </a:endParaRPr>
                     </a:p>
@@ -7294,7 +8685,7 @@
       </p:graphicFrame>
       <p:graphicFrame>
         <p:nvGraphicFramePr>
-          <p:cNvPr id="102" name="Table 4"/>
+          <p:cNvPr id="101" name="Table 4"/>
           <p:cNvGraphicFramePr/>
           <p:nvPr/>
         </p:nvGraphicFramePr>
@@ -7312,9 +8703,7 @@
               <a:tr h="380880">
                 <a:tc>
                   <a:txBody>
-                    <a:bodyPr lIns="91080" rIns="91080">
-                      <a:noAutofit/>
-                    </a:bodyPr>
+                    <a:bodyPr lIns="91080" rIns="91080"/>
                     <a:p>
                       <a:pPr algn="ctr">
                         <a:lnSpc>
@@ -7326,12 +8715,25 @@
                           <a:solidFill>
                             <a:srgbClr val="000000"/>
                           </a:solidFill>
+                          <a:uFill>
+                            <a:solidFill>
+                              <a:srgbClr val="ffffff"/>
+                            </a:solidFill>
+                          </a:uFill>
                           <a:latin typeface="Arial"/>
                           <a:ea typeface="Arial"/>
                         </a:rPr>
                         <a:t>Uzytkownicy</a:t>
                       </a:r>
                       <a:endParaRPr b="0" lang="pl-PL" sz="1400" spc="-1" strike="noStrike">
+                        <a:solidFill>
+                          <a:srgbClr val="000000"/>
+                        </a:solidFill>
+                        <a:uFill>
+                          <a:solidFill>
+                            <a:srgbClr val="ffffff"/>
+                          </a:solidFill>
+                        </a:uFill>
                         <a:latin typeface="Arial"/>
                       </a:endParaRPr>
                     </a:p>
@@ -7366,9 +8768,7 @@
               <a:tr h="380880">
                 <a:tc>
                   <a:txBody>
-                    <a:bodyPr lIns="91080" rIns="91080">
-                      <a:noAutofit/>
-                    </a:bodyPr>
+                    <a:bodyPr lIns="91080" rIns="91080"/>
                     <a:p>
                       <a:pPr>
                         <a:lnSpc>
@@ -7380,12 +8780,25 @@
                           <a:solidFill>
                             <a:srgbClr val="000000"/>
                           </a:solidFill>
+                          <a:uFill>
+                            <a:solidFill>
+                              <a:srgbClr val="ffffff"/>
+                            </a:solidFill>
+                          </a:uFill>
                           <a:latin typeface="Arial"/>
                           <a:ea typeface="Arial"/>
                         </a:rPr>
                         <a:t>id</a:t>
                       </a:r>
                       <a:endParaRPr b="0" lang="pl-PL" sz="1400" spc="-1" strike="noStrike">
+                        <a:solidFill>
+                          <a:srgbClr val="000000"/>
+                        </a:solidFill>
+                        <a:uFill>
+                          <a:solidFill>
+                            <a:srgbClr val="ffffff"/>
+                          </a:solidFill>
+                        </a:uFill>
                         <a:latin typeface="Arial"/>
                       </a:endParaRPr>
                     </a:p>
@@ -7420,9 +8833,7 @@
               <a:tr h="380880">
                 <a:tc>
                   <a:txBody>
-                    <a:bodyPr lIns="91080" rIns="91080">
-                      <a:noAutofit/>
-                    </a:bodyPr>
+                    <a:bodyPr lIns="91080" rIns="91080"/>
                     <a:p>
                       <a:pPr>
                         <a:lnSpc>
@@ -7434,12 +8845,25 @@
                           <a:solidFill>
                             <a:srgbClr val="000000"/>
                           </a:solidFill>
+                          <a:uFill>
+                            <a:solidFill>
+                              <a:srgbClr val="ffffff"/>
+                            </a:solidFill>
+                          </a:uFill>
                           <a:latin typeface="Arial"/>
                           <a:ea typeface="Arial"/>
                         </a:rPr>
                         <a:t>imie</a:t>
                       </a:r>
                       <a:endParaRPr b="0" lang="pl-PL" sz="1400" spc="-1" strike="noStrike">
+                        <a:solidFill>
+                          <a:srgbClr val="000000"/>
+                        </a:solidFill>
+                        <a:uFill>
+                          <a:solidFill>
+                            <a:srgbClr val="ffffff"/>
+                          </a:solidFill>
+                        </a:uFill>
                         <a:latin typeface="Arial"/>
                       </a:endParaRPr>
                     </a:p>
@@ -7472,9 +8896,7 @@
               <a:tr h="380880">
                 <a:tc>
                   <a:txBody>
-                    <a:bodyPr lIns="91080" rIns="91080">
-                      <a:noAutofit/>
-                    </a:bodyPr>
+                    <a:bodyPr lIns="91080" rIns="91080"/>
                     <a:p>
                       <a:pPr>
                         <a:lnSpc>
@@ -7486,12 +8908,25 @@
                           <a:solidFill>
                             <a:srgbClr val="000000"/>
                           </a:solidFill>
+                          <a:uFill>
+                            <a:solidFill>
+                              <a:srgbClr val="ffffff"/>
+                            </a:solidFill>
+                          </a:uFill>
                           <a:latin typeface="Arial"/>
                           <a:ea typeface="Arial"/>
                         </a:rPr>
                         <a:t>nazwisko</a:t>
                       </a:r>
                       <a:endParaRPr b="0" lang="pl-PL" sz="1400" spc="-1" strike="noStrike">
+                        <a:solidFill>
+                          <a:srgbClr val="000000"/>
+                        </a:solidFill>
+                        <a:uFill>
+                          <a:solidFill>
+                            <a:srgbClr val="ffffff"/>
+                          </a:solidFill>
+                        </a:uFill>
                         <a:latin typeface="Arial"/>
                       </a:endParaRPr>
                     </a:p>
@@ -7524,9 +8959,7 @@
               <a:tr h="380880">
                 <a:tc>
                   <a:txBody>
-                    <a:bodyPr lIns="91080" rIns="91080">
-                      <a:noAutofit/>
-                    </a:bodyPr>
+                    <a:bodyPr lIns="91080" rIns="91080"/>
                     <a:p>
                       <a:pPr>
                         <a:lnSpc>
@@ -7538,12 +8971,25 @@
                           <a:solidFill>
                             <a:srgbClr val="000000"/>
                           </a:solidFill>
+                          <a:uFill>
+                            <a:solidFill>
+                              <a:srgbClr val="ffffff"/>
+                            </a:solidFill>
+                          </a:uFill>
                           <a:latin typeface="Arial"/>
                           <a:ea typeface="Arial"/>
                         </a:rPr>
                         <a:t>dzialy_id</a:t>
                       </a:r>
                       <a:endParaRPr b="0" lang="pl-PL" sz="1400" spc="-1" strike="noStrike">
+                        <a:solidFill>
+                          <a:srgbClr val="000000"/>
+                        </a:solidFill>
+                        <a:uFill>
+                          <a:solidFill>
+                            <a:srgbClr val="ffffff"/>
+                          </a:solidFill>
+                        </a:uFill>
                         <a:latin typeface="Arial"/>
                       </a:endParaRPr>
                     </a:p>
@@ -7575,12 +9021,10 @@
                   </a:tcPr>
                 </a:tc>
               </a:tr>
-              <a:tr h="381240">
+              <a:tr h="380880">
                 <a:tc>
                   <a:txBody>
-                    <a:bodyPr lIns="91080" rIns="91080">
-                      <a:noAutofit/>
-                    </a:bodyPr>
+                    <a:bodyPr lIns="91080" rIns="91080"/>
                     <a:p>
                       <a:pPr>
                         <a:lnSpc>
@@ -7592,12 +9036,25 @@
                           <a:solidFill>
                             <a:srgbClr val="000000"/>
                           </a:solidFill>
+                          <a:uFill>
+                            <a:solidFill>
+                              <a:srgbClr val="ffffff"/>
+                            </a:solidFill>
+                          </a:uFill>
                           <a:latin typeface="Arial"/>
                           <a:ea typeface="Arial"/>
                         </a:rPr>
                         <a:t>stanowiska_id</a:t>
                       </a:r>
                       <a:endParaRPr b="0" lang="pl-PL" sz="1400" spc="-1" strike="noStrike">
+                        <a:solidFill>
+                          <a:srgbClr val="000000"/>
+                        </a:solidFill>
+                        <a:uFill>
+                          <a:solidFill>
+                            <a:srgbClr val="ffffff"/>
+                          </a:solidFill>
+                        </a:uFill>
                         <a:latin typeface="Arial"/>
                       </a:endParaRPr>
                     </a:p>
@@ -7635,14 +9092,14 @@
       </p:graphicFrame>
       <p:sp>
         <p:nvSpPr>
-          <p:cNvPr id="103" name="CustomShape 5"/>
+          <p:cNvPr id="102" name="CustomShape 5"/>
           <p:cNvSpPr/>
           <p:nvPr/>
         </p:nvSpPr>
         <p:spPr>
           <a:xfrm>
             <a:off x="1871640" y="3514680"/>
-            <a:ext cx="470160" cy="234720"/>
+            <a:ext cx="469800" cy="234360"/>
           </a:xfrm>
           <a:prstGeom prst="rect">
             <a:avLst/>
@@ -7659,9 +9116,7 @@
           <a:fontRef idx="minor"/>
         </p:style>
         <p:txBody>
-          <a:bodyPr lIns="90000" rIns="90000" tIns="91440" bIns="91440">
-            <a:noAutofit/>
-          </a:bodyPr>
+          <a:bodyPr lIns="90000" rIns="90000" tIns="91440" bIns="91440"/>
           <a:p>
             <a:pPr>
               <a:lnSpc>
@@ -7673,12 +9128,25 @@
                 <a:solidFill>
                   <a:srgbClr val="000000"/>
                 </a:solidFill>
+                <a:uFill>
+                  <a:solidFill>
+                    <a:srgbClr val="ffffff"/>
+                  </a:solidFill>
+                </a:uFill>
                 <a:latin typeface="Arial"/>
                 <a:ea typeface="Arial"/>
               </a:rPr>
               <a:t>1</a:t>
             </a:r>
             <a:endParaRPr b="0" lang="pl-PL" sz="1400" spc="-1" strike="noStrike">
+              <a:solidFill>
+                <a:srgbClr val="000000"/>
+              </a:solidFill>
+              <a:uFill>
+                <a:solidFill>
+                  <a:srgbClr val="ffffff"/>
+                </a:solidFill>
+              </a:uFill>
               <a:latin typeface="Arial"/>
             </a:endParaRPr>
           </a:p>
@@ -7686,14 +9154,14 @@
       </p:sp>
       <p:sp>
         <p:nvSpPr>
-          <p:cNvPr id="104" name="CustomShape 6"/>
+          <p:cNvPr id="103" name="CustomShape 6"/>
           <p:cNvSpPr/>
           <p:nvPr/>
         </p:nvSpPr>
         <p:spPr>
           <a:xfrm rot="5400000">
-            <a:off x="2405160" y="3948480"/>
-            <a:ext cx="259560" cy="234720"/>
+            <a:off x="2405520" y="3948480"/>
+            <a:ext cx="259200" cy="234360"/>
           </a:xfrm>
           <a:prstGeom prst="rect">
             <a:avLst/>
@@ -7710,9 +9178,7 @@
           <a:fontRef idx="minor"/>
         </p:style>
         <p:txBody>
-          <a:bodyPr lIns="90000" rIns="90000" tIns="91440" bIns="91440">
-            <a:noAutofit/>
-          </a:bodyPr>
+          <a:bodyPr lIns="90000" rIns="90000" tIns="91440" bIns="91440"/>
           <a:p>
             <a:pPr>
               <a:lnSpc>
@@ -7724,12 +9190,25 @@
                 <a:solidFill>
                   <a:srgbClr val="000000"/>
                 </a:solidFill>
+                <a:uFill>
+                  <a:solidFill>
+                    <a:srgbClr val="ffffff"/>
+                  </a:solidFill>
+                </a:uFill>
                 <a:latin typeface="Arial"/>
                 <a:ea typeface="Arial"/>
               </a:rPr>
               <a:t>8</a:t>
             </a:r>
             <a:endParaRPr b="0" lang="pl-PL" sz="1400" spc="-1" strike="noStrike">
+              <a:solidFill>
+                <a:srgbClr val="000000"/>
+              </a:solidFill>
+              <a:uFill>
+                <a:solidFill>
+                  <a:srgbClr val="ffffff"/>
+                </a:solidFill>
+              </a:uFill>
               <a:latin typeface="Arial"/>
             </a:endParaRPr>
           </a:p>
@@ -7737,14 +9216,14 @@
       </p:sp>
       <p:sp>
         <p:nvSpPr>
-          <p:cNvPr id="105" name="CustomShape 7"/>
+          <p:cNvPr id="104" name="CustomShape 7"/>
           <p:cNvSpPr/>
           <p:nvPr/>
         </p:nvSpPr>
         <p:spPr>
           <a:xfrm>
             <a:off x="1846800" y="3929040"/>
-            <a:ext cx="954000" cy="371160"/>
+            <a:ext cx="953640" cy="370800"/>
           </a:xfrm>
           <a:custGeom>
             <a:avLst/>
@@ -7779,14 +9258,6 @@
       </p:sp>
     </p:spTree>
   </p:cSld>
-  <mc:AlternateContent>
-    <mc:Choice Requires="p14">
-      <p:transition spd="slow" p14:dur="2000"/>
-    </mc:Choice>
-    <mc:Fallback>
-      <p:transition spd="slow"/>
-    </mc:Fallback>
-  </mc:AlternateContent>
   <p:timing>
     <p:tnLst>
       <p:par>
@@ -7836,14 +9307,14 @@
       </p:grpSpPr>
       <p:sp>
         <p:nvSpPr>
-          <p:cNvPr id="106" name="CustomShape 1"/>
+          <p:cNvPr id="105" name="CustomShape 1"/>
           <p:cNvSpPr/>
           <p:nvPr/>
         </p:nvSpPr>
         <p:spPr>
           <a:xfrm>
             <a:off x="311760" y="209520"/>
-            <a:ext cx="8519760" cy="572040"/>
+            <a:ext cx="8519400" cy="571680"/>
           </a:xfrm>
           <a:prstGeom prst="rect">
             <a:avLst/>
@@ -7860,9 +9331,7 @@
           <a:fontRef idx="minor"/>
         </p:style>
         <p:txBody>
-          <a:bodyPr lIns="90000" rIns="90000" tIns="91440" bIns="91440">
-            <a:noAutofit/>
-          </a:bodyPr>
+          <a:bodyPr lIns="90000" rIns="90000" tIns="91440" bIns="91440"/>
           <a:p>
             <a:pPr>
               <a:lnSpc>
@@ -7874,12 +9343,25 @@
                 <a:solidFill>
                   <a:srgbClr val="000000"/>
                 </a:solidFill>
+                <a:uFill>
+                  <a:solidFill>
+                    <a:srgbClr val="ffffff"/>
+                  </a:solidFill>
+                </a:uFill>
                 <a:latin typeface="Arial"/>
                 <a:ea typeface="Arial"/>
               </a:rPr>
               <a:t>Relacja pomiędzy tabelami Uzytkownicy a Sprzety. </a:t>
             </a:r>
             <a:endParaRPr b="0" lang="pl-PL" sz="2800" spc="-1" strike="noStrike">
+              <a:solidFill>
+                <a:srgbClr val="000000"/>
+              </a:solidFill>
+              <a:uFill>
+                <a:solidFill>
+                  <a:srgbClr val="ffffff"/>
+                </a:solidFill>
+              </a:uFill>
               <a:latin typeface="Arial"/>
             </a:endParaRPr>
           </a:p>
@@ -7887,14 +9369,14 @@
       </p:sp>
       <p:sp>
         <p:nvSpPr>
-          <p:cNvPr id="107" name="CustomShape 2"/>
+          <p:cNvPr id="106" name="CustomShape 2"/>
           <p:cNvSpPr/>
           <p:nvPr/>
         </p:nvSpPr>
         <p:spPr>
           <a:xfrm>
             <a:off x="311760" y="842760"/>
-            <a:ext cx="8519760" cy="4089240"/>
+            <a:ext cx="8519400" cy="4088880"/>
           </a:xfrm>
           <a:prstGeom prst="rect">
             <a:avLst/>
@@ -7911,9 +9393,7 @@
           <a:fontRef idx="minor"/>
         </p:style>
         <p:txBody>
-          <a:bodyPr lIns="90000" rIns="90000" tIns="91440" bIns="91440">
-            <a:noAutofit/>
-          </a:bodyPr>
+          <a:bodyPr lIns="90000" rIns="90000" tIns="91440" bIns="91440"/>
           <a:p>
             <a:pPr>
               <a:lnSpc>
@@ -7928,12 +9408,25 @@
                 <a:solidFill>
                   <a:srgbClr val="595959"/>
                 </a:solidFill>
+                <a:uFill>
+                  <a:solidFill>
+                    <a:srgbClr val="ffffff"/>
+                  </a:solidFill>
+                </a:uFill>
                 <a:latin typeface="Arial"/>
                 <a:ea typeface="Arial"/>
               </a:rPr>
               <a:t>Jeden sprzęt może należeć w danej chwili tylko do jednego użytkownika. Jeden użytkownik może posiadać przypisanych wiele rożnych sprzętów.</a:t>
             </a:r>
             <a:endParaRPr b="0" lang="pl-PL" sz="1800" spc="-1" strike="noStrike">
+              <a:solidFill>
+                <a:srgbClr val="000000"/>
+              </a:solidFill>
+              <a:uFill>
+                <a:solidFill>
+                  <a:srgbClr val="ffffff"/>
+                </a:solidFill>
+              </a:uFill>
               <a:latin typeface="Arial"/>
             </a:endParaRPr>
           </a:p>
@@ -7941,7 +9434,7 @@
       </p:sp>
       <p:graphicFrame>
         <p:nvGraphicFramePr>
-          <p:cNvPr id="108" name="Table 3"/>
+          <p:cNvPr id="107" name="Table 3"/>
           <p:cNvGraphicFramePr/>
           <p:nvPr/>
         </p:nvGraphicFramePr>
@@ -7959,9 +9452,7 @@
               <a:tr h="380880">
                 <a:tc>
                   <a:txBody>
-                    <a:bodyPr lIns="91080" rIns="91080">
-                      <a:noAutofit/>
-                    </a:bodyPr>
+                    <a:bodyPr lIns="91080" rIns="91080"/>
                     <a:p>
                       <a:pPr algn="ctr">
                         <a:lnSpc>
@@ -7973,12 +9464,25 @@
                           <a:solidFill>
                             <a:srgbClr val="000000"/>
                           </a:solidFill>
+                          <a:uFill>
+                            <a:solidFill>
+                              <a:srgbClr val="ffffff"/>
+                            </a:solidFill>
+                          </a:uFill>
                           <a:latin typeface="Arial"/>
                           <a:ea typeface="Arial"/>
                         </a:rPr>
                         <a:t>Uzytkownicy</a:t>
                       </a:r>
                       <a:endParaRPr b="0" lang="pl-PL" sz="1400" spc="-1" strike="noStrike">
+                        <a:solidFill>
+                          <a:srgbClr val="000000"/>
+                        </a:solidFill>
+                        <a:uFill>
+                          <a:solidFill>
+                            <a:srgbClr val="ffffff"/>
+                          </a:solidFill>
+                        </a:uFill>
                         <a:latin typeface="Arial"/>
                       </a:endParaRPr>
                     </a:p>
@@ -8013,9 +9517,7 @@
               <a:tr h="380880">
                 <a:tc>
                   <a:txBody>
-                    <a:bodyPr lIns="91080" rIns="91080">
-                      <a:noAutofit/>
-                    </a:bodyPr>
+                    <a:bodyPr lIns="91080" rIns="91080"/>
                     <a:p>
                       <a:pPr>
                         <a:lnSpc>
@@ -8027,12 +9529,25 @@
                           <a:solidFill>
                             <a:srgbClr val="000000"/>
                           </a:solidFill>
+                          <a:uFill>
+                            <a:solidFill>
+                              <a:srgbClr val="ffffff"/>
+                            </a:solidFill>
+                          </a:uFill>
                           <a:latin typeface="Arial"/>
                           <a:ea typeface="Arial"/>
                         </a:rPr>
                         <a:t>id</a:t>
                       </a:r>
                       <a:endParaRPr b="0" lang="pl-PL" sz="1400" spc="-1" strike="noStrike">
+                        <a:solidFill>
+                          <a:srgbClr val="000000"/>
+                        </a:solidFill>
+                        <a:uFill>
+                          <a:solidFill>
+                            <a:srgbClr val="ffffff"/>
+                          </a:solidFill>
+                        </a:uFill>
                         <a:latin typeface="Arial"/>
                       </a:endParaRPr>
                     </a:p>
@@ -8067,9 +9582,7 @@
               <a:tr h="380880">
                 <a:tc>
                   <a:txBody>
-                    <a:bodyPr lIns="91080" rIns="91080">
-                      <a:noAutofit/>
-                    </a:bodyPr>
+                    <a:bodyPr lIns="91080" rIns="91080"/>
                     <a:p>
                       <a:pPr>
                         <a:lnSpc>
@@ -8081,12 +9594,25 @@
                           <a:solidFill>
                             <a:srgbClr val="000000"/>
                           </a:solidFill>
+                          <a:uFill>
+                            <a:solidFill>
+                              <a:srgbClr val="ffffff"/>
+                            </a:solidFill>
+                          </a:uFill>
                           <a:latin typeface="Arial"/>
                           <a:ea typeface="Arial"/>
                         </a:rPr>
                         <a:t>imie</a:t>
                       </a:r>
                       <a:endParaRPr b="0" lang="pl-PL" sz="1400" spc="-1" strike="noStrike">
+                        <a:solidFill>
+                          <a:srgbClr val="000000"/>
+                        </a:solidFill>
+                        <a:uFill>
+                          <a:solidFill>
+                            <a:srgbClr val="ffffff"/>
+                          </a:solidFill>
+                        </a:uFill>
                         <a:latin typeface="Arial"/>
                       </a:endParaRPr>
                     </a:p>
@@ -8119,9 +9645,7 @@
               <a:tr h="380880">
                 <a:tc>
                   <a:txBody>
-                    <a:bodyPr lIns="91080" rIns="91080">
-                      <a:noAutofit/>
-                    </a:bodyPr>
+                    <a:bodyPr lIns="91080" rIns="91080"/>
                     <a:p>
                       <a:pPr>
                         <a:lnSpc>
@@ -8133,12 +9657,25 @@
                           <a:solidFill>
                             <a:srgbClr val="000000"/>
                           </a:solidFill>
+                          <a:uFill>
+                            <a:solidFill>
+                              <a:srgbClr val="ffffff"/>
+                            </a:solidFill>
+                          </a:uFill>
                           <a:latin typeface="Arial"/>
                           <a:ea typeface="Arial"/>
                         </a:rPr>
                         <a:t>nazwisko</a:t>
                       </a:r>
                       <a:endParaRPr b="0" lang="pl-PL" sz="1400" spc="-1" strike="noStrike">
+                        <a:solidFill>
+                          <a:srgbClr val="000000"/>
+                        </a:solidFill>
+                        <a:uFill>
+                          <a:solidFill>
+                            <a:srgbClr val="ffffff"/>
+                          </a:solidFill>
+                        </a:uFill>
                         <a:latin typeface="Arial"/>
                       </a:endParaRPr>
                     </a:p>
@@ -8171,9 +9708,7 @@
               <a:tr h="380880">
                 <a:tc>
                   <a:txBody>
-                    <a:bodyPr lIns="91080" rIns="91080">
-                      <a:noAutofit/>
-                    </a:bodyPr>
+                    <a:bodyPr lIns="91080" rIns="91080"/>
                     <a:p>
                       <a:pPr>
                         <a:lnSpc>
@@ -8185,12 +9720,25 @@
                           <a:solidFill>
                             <a:srgbClr val="000000"/>
                           </a:solidFill>
+                          <a:uFill>
+                            <a:solidFill>
+                              <a:srgbClr val="ffffff"/>
+                            </a:solidFill>
+                          </a:uFill>
                           <a:latin typeface="Arial"/>
                           <a:ea typeface="Arial"/>
                         </a:rPr>
                         <a:t>dzialy_id</a:t>
                       </a:r>
                       <a:endParaRPr b="0" lang="pl-PL" sz="1400" spc="-1" strike="noStrike">
+                        <a:solidFill>
+                          <a:srgbClr val="000000"/>
+                        </a:solidFill>
+                        <a:uFill>
+                          <a:solidFill>
+                            <a:srgbClr val="ffffff"/>
+                          </a:solidFill>
+                        </a:uFill>
                         <a:latin typeface="Arial"/>
                       </a:endParaRPr>
                     </a:p>
@@ -8222,12 +9770,10 @@
                   </a:tcPr>
                 </a:tc>
               </a:tr>
-              <a:tr h="381240">
+              <a:tr h="380880">
                 <a:tc>
                   <a:txBody>
-                    <a:bodyPr lIns="91080" rIns="91080">
-                      <a:noAutofit/>
-                    </a:bodyPr>
+                    <a:bodyPr lIns="91080" rIns="91080"/>
                     <a:p>
                       <a:pPr>
                         <a:lnSpc>
@@ -8239,12 +9785,25 @@
                           <a:solidFill>
                             <a:srgbClr val="000000"/>
                           </a:solidFill>
+                          <a:uFill>
+                            <a:solidFill>
+                              <a:srgbClr val="ffffff"/>
+                            </a:solidFill>
+                          </a:uFill>
                           <a:latin typeface="Arial"/>
                           <a:ea typeface="Arial"/>
                         </a:rPr>
                         <a:t>stanowiska_id</a:t>
                       </a:r>
                       <a:endParaRPr b="0" lang="pl-PL" sz="1400" spc="-1" strike="noStrike">
+                        <a:solidFill>
+                          <a:srgbClr val="000000"/>
+                        </a:solidFill>
+                        <a:uFill>
+                          <a:solidFill>
+                            <a:srgbClr val="ffffff"/>
+                          </a:solidFill>
+                        </a:uFill>
                         <a:latin typeface="Arial"/>
                       </a:endParaRPr>
                     </a:p>
@@ -8282,7 +9841,7 @@
       </p:graphicFrame>
       <p:graphicFrame>
         <p:nvGraphicFramePr>
-          <p:cNvPr id="109" name="Table 4"/>
+          <p:cNvPr id="108" name="Table 4"/>
           <p:cNvGraphicFramePr/>
           <p:nvPr/>
         </p:nvGraphicFramePr>
@@ -8300,9 +9859,7 @@
               <a:tr h="380880">
                 <a:tc>
                   <a:txBody>
-                    <a:bodyPr lIns="91080" rIns="91080">
-                      <a:noAutofit/>
-                    </a:bodyPr>
+                    <a:bodyPr lIns="91080" rIns="91080"/>
                     <a:p>
                       <a:pPr algn="ctr">
                         <a:lnSpc>
@@ -8314,12 +9871,25 @@
                           <a:solidFill>
                             <a:srgbClr val="000000"/>
                           </a:solidFill>
+                          <a:uFill>
+                            <a:solidFill>
+                              <a:srgbClr val="ffffff"/>
+                            </a:solidFill>
+                          </a:uFill>
                           <a:latin typeface="Arial"/>
                           <a:ea typeface="Arial"/>
                         </a:rPr>
                         <a:t>Sprzety</a:t>
                       </a:r>
                       <a:endParaRPr b="0" lang="pl-PL" sz="1400" spc="-1" strike="noStrike">
+                        <a:solidFill>
+                          <a:srgbClr val="000000"/>
+                        </a:solidFill>
+                        <a:uFill>
+                          <a:solidFill>
+                            <a:srgbClr val="ffffff"/>
+                          </a:solidFill>
+                        </a:uFill>
                         <a:latin typeface="Arial"/>
                       </a:endParaRPr>
                     </a:p>
@@ -8354,9 +9924,7 @@
               <a:tr h="380880">
                 <a:tc>
                   <a:txBody>
-                    <a:bodyPr lIns="91080" rIns="91080">
-                      <a:noAutofit/>
-                    </a:bodyPr>
+                    <a:bodyPr lIns="91080" rIns="91080"/>
                     <a:p>
                       <a:pPr>
                         <a:lnSpc>
@@ -8368,12 +9936,25 @@
                           <a:solidFill>
                             <a:srgbClr val="000000"/>
                           </a:solidFill>
+                          <a:uFill>
+                            <a:solidFill>
+                              <a:srgbClr val="ffffff"/>
+                            </a:solidFill>
+                          </a:uFill>
                           <a:latin typeface="Arial"/>
                           <a:ea typeface="Arial"/>
                         </a:rPr>
                         <a:t>id</a:t>
                       </a:r>
                       <a:endParaRPr b="0" lang="pl-PL" sz="1400" spc="-1" strike="noStrike">
+                        <a:solidFill>
+                          <a:srgbClr val="000000"/>
+                        </a:solidFill>
+                        <a:uFill>
+                          <a:solidFill>
+                            <a:srgbClr val="ffffff"/>
+                          </a:solidFill>
+                        </a:uFill>
                         <a:latin typeface="Arial"/>
                       </a:endParaRPr>
                     </a:p>
@@ -8408,9 +9989,7 @@
               <a:tr h="380880">
                 <a:tc>
                   <a:txBody>
-                    <a:bodyPr lIns="91080" rIns="91080">
-                      <a:noAutofit/>
-                    </a:bodyPr>
+                    <a:bodyPr lIns="91080" rIns="91080"/>
                     <a:p>
                       <a:pPr>
                         <a:lnSpc>
@@ -8422,12 +10001,25 @@
                           <a:solidFill>
                             <a:srgbClr val="000000"/>
                           </a:solidFill>
+                          <a:uFill>
+                            <a:solidFill>
+                              <a:srgbClr val="ffffff"/>
+                            </a:solidFill>
+                          </a:uFill>
                           <a:latin typeface="Arial"/>
                           <a:ea typeface="Arial"/>
                         </a:rPr>
                         <a:t>nazwa</a:t>
                       </a:r>
                       <a:endParaRPr b="0" lang="pl-PL" sz="1400" spc="-1" strike="noStrike">
+                        <a:solidFill>
+                          <a:srgbClr val="000000"/>
+                        </a:solidFill>
+                        <a:uFill>
+                          <a:solidFill>
+                            <a:srgbClr val="ffffff"/>
+                          </a:solidFill>
+                        </a:uFill>
                         <a:latin typeface="Arial"/>
                       </a:endParaRPr>
                     </a:p>
@@ -8460,9 +10052,7 @@
               <a:tr h="380880">
                 <a:tc>
                   <a:txBody>
-                    <a:bodyPr lIns="91080" rIns="91080">
-                      <a:noAutofit/>
-                    </a:bodyPr>
+                    <a:bodyPr lIns="91080" rIns="91080"/>
                     <a:p>
                       <a:pPr>
                         <a:lnSpc>
@@ -8474,12 +10064,25 @@
                           <a:solidFill>
                             <a:srgbClr val="000000"/>
                           </a:solidFill>
+                          <a:uFill>
+                            <a:solidFill>
+                              <a:srgbClr val="ffffff"/>
+                            </a:solidFill>
+                          </a:uFill>
                           <a:latin typeface="Arial"/>
                           <a:ea typeface="Arial"/>
                         </a:rPr>
                         <a:t>opis</a:t>
                       </a:r>
                       <a:endParaRPr b="0" lang="pl-PL" sz="1400" spc="-1" strike="noStrike">
+                        <a:solidFill>
+                          <a:srgbClr val="000000"/>
+                        </a:solidFill>
+                        <a:uFill>
+                          <a:solidFill>
+                            <a:srgbClr val="ffffff"/>
+                          </a:solidFill>
+                        </a:uFill>
                         <a:latin typeface="Arial"/>
                       </a:endParaRPr>
                     </a:p>
@@ -8509,12 +10112,10 @@
                   </a:tcPr>
                 </a:tc>
               </a:tr>
-              <a:tr h="381240">
+              <a:tr h="380880">
                 <a:tc>
                   <a:txBody>
-                    <a:bodyPr lIns="91080" rIns="91080">
-                      <a:noAutofit/>
-                    </a:bodyPr>
+                    <a:bodyPr lIns="91080" rIns="91080"/>
                     <a:p>
                       <a:pPr>
                         <a:lnSpc>
@@ -8526,12 +10127,25 @@
                           <a:solidFill>
                             <a:srgbClr val="000000"/>
                           </a:solidFill>
+                          <a:uFill>
+                            <a:solidFill>
+                              <a:srgbClr val="ffffff"/>
+                            </a:solidFill>
+                          </a:uFill>
                           <a:latin typeface="Arial"/>
                           <a:ea typeface="Arial"/>
                         </a:rPr>
                         <a:t>uzytkownicy_id</a:t>
                       </a:r>
                       <a:endParaRPr b="0" lang="pl-PL" sz="1400" spc="-1" strike="noStrike">
+                        <a:solidFill>
+                          <a:srgbClr val="000000"/>
+                        </a:solidFill>
+                        <a:uFill>
+                          <a:solidFill>
+                            <a:srgbClr val="ffffff"/>
+                          </a:solidFill>
+                        </a:uFill>
                         <a:latin typeface="Arial"/>
                       </a:endParaRPr>
                     </a:p>
@@ -8569,14 +10183,14 @@
       </p:graphicFrame>
       <p:sp>
         <p:nvSpPr>
-          <p:cNvPr id="110" name="CustomShape 5"/>
+          <p:cNvPr id="109" name="CustomShape 5"/>
           <p:cNvSpPr/>
           <p:nvPr/>
         </p:nvSpPr>
         <p:spPr>
           <a:xfrm rot="10800000">
-            <a:off x="6480000" y="4680000"/>
-            <a:ext cx="1929240" cy="1536120"/>
+            <a:off x="6500520" y="4631760"/>
+            <a:ext cx="1928880" cy="1535760"/>
           </a:xfrm>
           <a:prstGeom prst="bentConnector3">
             <a:avLst>
@@ -8600,14 +10214,14 @@
       </p:sp>
       <p:sp>
         <p:nvSpPr>
-          <p:cNvPr id="111" name="CustomShape 6"/>
+          <p:cNvPr id="110" name="CustomShape 6"/>
           <p:cNvSpPr/>
           <p:nvPr/>
         </p:nvSpPr>
         <p:spPr>
           <a:xfrm>
             <a:off x="4635360" y="2858760"/>
-            <a:ext cx="383760" cy="234720"/>
+            <a:ext cx="383400" cy="234360"/>
           </a:xfrm>
           <a:prstGeom prst="rect">
             <a:avLst/>
@@ -8624,9 +10238,7 @@
           <a:fontRef idx="minor"/>
         </p:style>
         <p:txBody>
-          <a:bodyPr lIns="90000" rIns="90000" tIns="91440" bIns="91440">
-            <a:noAutofit/>
-          </a:bodyPr>
+          <a:bodyPr lIns="90000" rIns="90000" tIns="91440" bIns="91440"/>
           <a:p>
             <a:pPr>
               <a:lnSpc>
@@ -8638,12 +10250,25 @@
                 <a:solidFill>
                   <a:srgbClr val="000000"/>
                 </a:solidFill>
+                <a:uFill>
+                  <a:solidFill>
+                    <a:srgbClr val="ffffff"/>
+                  </a:solidFill>
+                </a:uFill>
                 <a:latin typeface="Arial"/>
                 <a:ea typeface="Arial"/>
               </a:rPr>
               <a:t>1</a:t>
             </a:r>
             <a:endParaRPr b="0" lang="pl-PL" sz="1400" spc="-1" strike="noStrike">
+              <a:solidFill>
+                <a:srgbClr val="000000"/>
+              </a:solidFill>
+              <a:uFill>
+                <a:solidFill>
+                  <a:srgbClr val="ffffff"/>
+                </a:solidFill>
+              </a:uFill>
               <a:latin typeface="Arial"/>
             </a:endParaRPr>
           </a:p>
@@ -8651,14 +10276,14 @@
       </p:sp>
       <p:sp>
         <p:nvSpPr>
-          <p:cNvPr id="112" name="CustomShape 7"/>
+          <p:cNvPr id="111" name="CustomShape 7"/>
           <p:cNvSpPr/>
           <p:nvPr/>
         </p:nvSpPr>
         <p:spPr>
           <a:xfrm rot="5400000">
-            <a:off x="6271920" y="4449600"/>
-            <a:ext cx="383760" cy="234720"/>
+            <a:off x="6272280" y="4449600"/>
+            <a:ext cx="383400" cy="234360"/>
           </a:xfrm>
           <a:prstGeom prst="rect">
             <a:avLst/>
@@ -8675,9 +10300,7 @@
           <a:fontRef idx="minor"/>
         </p:style>
         <p:txBody>
-          <a:bodyPr lIns="90000" rIns="90000" tIns="91440" bIns="91440">
-            <a:noAutofit/>
-          </a:bodyPr>
+          <a:bodyPr lIns="90000" rIns="90000" tIns="91440" bIns="91440"/>
           <a:p>
             <a:pPr>
               <a:lnSpc>
@@ -8689,12 +10312,25 @@
                 <a:solidFill>
                   <a:srgbClr val="000000"/>
                 </a:solidFill>
+                <a:uFill>
+                  <a:solidFill>
+                    <a:srgbClr val="ffffff"/>
+                  </a:solidFill>
+                </a:uFill>
                 <a:latin typeface="Arial"/>
                 <a:ea typeface="Arial"/>
               </a:rPr>
               <a:t>8</a:t>
             </a:r>
             <a:endParaRPr b="0" lang="pl-PL" sz="1400" spc="-1" strike="noStrike">
+              <a:solidFill>
+                <a:srgbClr val="000000"/>
+              </a:solidFill>
+              <a:uFill>
+                <a:solidFill>
+                  <a:srgbClr val="ffffff"/>
+                </a:solidFill>
+              </a:uFill>
               <a:latin typeface="Arial"/>
             </a:endParaRPr>
           </a:p>
@@ -8702,14 +10338,6 @@
       </p:sp>
     </p:spTree>
   </p:cSld>
-  <mc:AlternateContent>
-    <mc:Choice Requires="p14">
-      <p:transition spd="slow" p14:dur="2000"/>
-    </mc:Choice>
-    <mc:Fallback>
-      <p:transition spd="slow"/>
-    </mc:Fallback>
-  </mc:AlternateContent>
   <p:timing>
     <p:tnLst>
       <p:par>
@@ -8759,14 +10387,14 @@
       </p:grpSpPr>
       <p:sp>
         <p:nvSpPr>
-          <p:cNvPr id="113" name="CustomShape 1"/>
+          <p:cNvPr id="112" name="CustomShape 1"/>
           <p:cNvSpPr/>
           <p:nvPr/>
         </p:nvSpPr>
         <p:spPr>
           <a:xfrm>
             <a:off x="311760" y="188280"/>
-            <a:ext cx="8519760" cy="572040"/>
+            <a:ext cx="8519400" cy="571680"/>
           </a:xfrm>
           <a:prstGeom prst="rect">
             <a:avLst/>
@@ -8783,9 +10411,7 @@
           <a:fontRef idx="minor"/>
         </p:style>
         <p:txBody>
-          <a:bodyPr lIns="90000" rIns="90000" tIns="91440" bIns="91440">
-            <a:noAutofit/>
-          </a:bodyPr>
+          <a:bodyPr lIns="90000" rIns="90000" tIns="91440" bIns="91440"/>
           <a:p>
             <a:pPr>
               <a:lnSpc>
@@ -8797,12 +10423,25 @@
                 <a:solidFill>
                   <a:srgbClr val="000000"/>
                 </a:solidFill>
+                <a:uFill>
+                  <a:solidFill>
+                    <a:srgbClr val="ffffff"/>
+                  </a:solidFill>
+                </a:uFill>
                 <a:latin typeface="Arial"/>
                 <a:ea typeface="Arial"/>
               </a:rPr>
               <a:t>Relacje wszystkich tabel</a:t>
             </a:r>
             <a:endParaRPr b="0" lang="pl-PL" sz="2800" spc="-1" strike="noStrike">
+              <a:solidFill>
+                <a:srgbClr val="000000"/>
+              </a:solidFill>
+              <a:uFill>
+                <a:solidFill>
+                  <a:srgbClr val="ffffff"/>
+                </a:solidFill>
+              </a:uFill>
               <a:latin typeface="Arial"/>
             </a:endParaRPr>
           </a:p>
@@ -8810,14 +10449,14 @@
       </p:sp>
       <p:sp>
         <p:nvSpPr>
-          <p:cNvPr id="114" name="CustomShape 2"/>
+          <p:cNvPr id="113" name="CustomShape 2"/>
           <p:cNvSpPr/>
           <p:nvPr/>
         </p:nvSpPr>
         <p:spPr>
           <a:xfrm>
             <a:off x="311760" y="760680"/>
-            <a:ext cx="8519760" cy="4010040"/>
+            <a:ext cx="8519400" cy="4009680"/>
           </a:xfrm>
           <a:prstGeom prst="rect">
             <a:avLst/>
@@ -8834,9 +10473,7 @@
           <a:fontRef idx="minor"/>
         </p:style>
         <p:txBody>
-          <a:bodyPr lIns="90000" rIns="90000" tIns="91440" bIns="91440">
-            <a:noAutofit/>
-          </a:bodyPr>
+          <a:bodyPr lIns="90000" rIns="90000" tIns="91440" bIns="91440"/>
           <a:p>
             <a:pPr>
               <a:lnSpc>
@@ -8851,12 +10488,25 @@
                 <a:solidFill>
                   <a:srgbClr val="595959"/>
                 </a:solidFill>
+                <a:uFill>
+                  <a:solidFill>
+                    <a:srgbClr val="ffffff"/>
+                  </a:solidFill>
+                </a:uFill>
                 <a:latin typeface="Arial"/>
                 <a:ea typeface="Arial"/>
               </a:rPr>
               <a:t>Tabele: Dzialy, Stanowiska, Uzytkownicy, Sprzet</a:t>
             </a:r>
             <a:endParaRPr b="0" lang="pl-PL" sz="1800" spc="-1" strike="noStrike">
+              <a:solidFill>
+                <a:srgbClr val="000000"/>
+              </a:solidFill>
+              <a:uFill>
+                <a:solidFill>
+                  <a:srgbClr val="ffffff"/>
+                </a:solidFill>
+              </a:uFill>
               <a:latin typeface="Arial"/>
             </a:endParaRPr>
           </a:p>
@@ -8864,7 +10514,7 @@
       </p:sp>
       <p:graphicFrame>
         <p:nvGraphicFramePr>
-          <p:cNvPr id="115" name="Table 3"/>
+          <p:cNvPr id="114" name="Table 3"/>
           <p:cNvGraphicFramePr/>
           <p:nvPr/>
         </p:nvGraphicFramePr>
@@ -8882,9 +10532,7 @@
               <a:tr h="380880">
                 <a:tc>
                   <a:txBody>
-                    <a:bodyPr lIns="91080" rIns="91080">
-                      <a:noAutofit/>
-                    </a:bodyPr>
+                    <a:bodyPr lIns="91080" rIns="91080"/>
                     <a:p>
                       <a:pPr algn="ctr">
                         <a:lnSpc>
@@ -8896,12 +10544,25 @@
                           <a:solidFill>
                             <a:srgbClr val="000000"/>
                           </a:solidFill>
+                          <a:uFill>
+                            <a:solidFill>
+                              <a:srgbClr val="ffffff"/>
+                            </a:solidFill>
+                          </a:uFill>
                           <a:latin typeface="Arial"/>
                           <a:ea typeface="Arial"/>
                         </a:rPr>
                         <a:t>Dzialy</a:t>
                       </a:r>
                       <a:endParaRPr b="0" lang="pl-PL" sz="1400" spc="-1" strike="noStrike">
+                        <a:solidFill>
+                          <a:srgbClr val="000000"/>
+                        </a:solidFill>
+                        <a:uFill>
+                          <a:solidFill>
+                            <a:srgbClr val="ffffff"/>
+                          </a:solidFill>
+                        </a:uFill>
                         <a:latin typeface="Arial"/>
                       </a:endParaRPr>
                     </a:p>
@@ -8936,9 +10597,7 @@
               <a:tr h="380880">
                 <a:tc>
                   <a:txBody>
-                    <a:bodyPr lIns="91080" rIns="91080">
-                      <a:noAutofit/>
-                    </a:bodyPr>
+                    <a:bodyPr lIns="91080" rIns="91080"/>
                     <a:p>
                       <a:pPr>
                         <a:lnSpc>
@@ -8950,6 +10609,11 @@
                           <a:solidFill>
                             <a:srgbClr val="000000"/>
                           </a:solidFill>
+                          <a:uFill>
+                            <a:solidFill>
+                              <a:srgbClr val="ffffff"/>
+                            </a:solidFill>
+                          </a:uFill>
                           <a:latin typeface="Arial"/>
                           <a:ea typeface="Arial"/>
                         </a:rPr>
@@ -8960,12 +10624,25 @@
                           <a:solidFill>
                             <a:srgbClr val="000000"/>
                           </a:solidFill>
+                          <a:uFill>
+                            <a:solidFill>
+                              <a:srgbClr val="ffffff"/>
+                            </a:solidFill>
+                          </a:uFill>
                           <a:latin typeface="Arial"/>
                           <a:ea typeface="Arial"/>
                         </a:rPr>
                         <a:t>d</a:t>
                       </a:r>
                       <a:endParaRPr b="0" lang="pl-PL" sz="1400" spc="-1" strike="noStrike">
+                        <a:solidFill>
+                          <a:srgbClr val="000000"/>
+                        </a:solidFill>
+                        <a:uFill>
+                          <a:solidFill>
+                            <a:srgbClr val="ffffff"/>
+                          </a:solidFill>
+                        </a:uFill>
                         <a:latin typeface="Arial"/>
                       </a:endParaRPr>
                     </a:p>
@@ -8997,12 +10674,10 @@
                   </a:tcPr>
                 </a:tc>
               </a:tr>
-              <a:tr h="380880">
+              <a:tr h="380520">
                 <a:tc>
                   <a:txBody>
-                    <a:bodyPr lIns="91080" rIns="91080">
-                      <a:noAutofit/>
-                    </a:bodyPr>
+                    <a:bodyPr lIns="91080" rIns="91080"/>
                     <a:p>
                       <a:pPr>
                         <a:lnSpc>
@@ -9014,12 +10689,25 @@
                           <a:solidFill>
                             <a:srgbClr val="000000"/>
                           </a:solidFill>
+                          <a:uFill>
+                            <a:solidFill>
+                              <a:srgbClr val="ffffff"/>
+                            </a:solidFill>
+                          </a:uFill>
                           <a:latin typeface="Arial"/>
                           <a:ea typeface="Arial"/>
                         </a:rPr>
                         <a:t>nazwa</a:t>
                       </a:r>
                       <a:endParaRPr b="0" lang="pl-PL" sz="1400" spc="-1" strike="noStrike">
+                        <a:solidFill>
+                          <a:srgbClr val="000000"/>
+                        </a:solidFill>
+                        <a:uFill>
+                          <a:solidFill>
+                            <a:srgbClr val="ffffff"/>
+                          </a:solidFill>
+                        </a:uFill>
                         <a:latin typeface="Arial"/>
                       </a:endParaRPr>
                     </a:p>
@@ -9055,7 +10743,7 @@
       </p:graphicFrame>
       <p:graphicFrame>
         <p:nvGraphicFramePr>
-          <p:cNvPr id="116" name="Table 4"/>
+          <p:cNvPr id="115" name="Table 4"/>
           <p:cNvGraphicFramePr/>
           <p:nvPr/>
         </p:nvGraphicFramePr>
@@ -9073,9 +10761,7 @@
               <a:tr h="380880">
                 <a:tc>
                   <a:txBody>
-                    <a:bodyPr lIns="91080" rIns="91080">
-                      <a:noAutofit/>
-                    </a:bodyPr>
+                    <a:bodyPr lIns="91080" rIns="91080"/>
                     <a:p>
                       <a:pPr algn="ctr">
                         <a:lnSpc>
@@ -9087,12 +10773,25 @@
                           <a:solidFill>
                             <a:srgbClr val="000000"/>
                           </a:solidFill>
+                          <a:uFill>
+                            <a:solidFill>
+                              <a:srgbClr val="ffffff"/>
+                            </a:solidFill>
+                          </a:uFill>
                           <a:latin typeface="Arial"/>
                           <a:ea typeface="Arial"/>
                         </a:rPr>
                         <a:t>Stanowiska</a:t>
                       </a:r>
                       <a:endParaRPr b="0" lang="pl-PL" sz="1400" spc="-1" strike="noStrike">
+                        <a:solidFill>
+                          <a:srgbClr val="000000"/>
+                        </a:solidFill>
+                        <a:uFill>
+                          <a:solidFill>
+                            <a:srgbClr val="ffffff"/>
+                          </a:solidFill>
+                        </a:uFill>
                         <a:latin typeface="Arial"/>
                       </a:endParaRPr>
                     </a:p>
@@ -9127,9 +10826,7 @@
               <a:tr h="380880">
                 <a:tc>
                   <a:txBody>
-                    <a:bodyPr lIns="91080" rIns="91080">
-                      <a:noAutofit/>
-                    </a:bodyPr>
+                    <a:bodyPr lIns="91080" rIns="91080"/>
                     <a:p>
                       <a:pPr>
                         <a:lnSpc>
@@ -9141,12 +10838,25 @@
                           <a:solidFill>
                             <a:srgbClr val="000000"/>
                           </a:solidFill>
+                          <a:uFill>
+                            <a:solidFill>
+                              <a:srgbClr val="ffffff"/>
+                            </a:solidFill>
+                          </a:uFill>
                           <a:latin typeface="Arial"/>
                           <a:ea typeface="Arial"/>
                         </a:rPr>
                         <a:t>id</a:t>
                       </a:r>
                       <a:endParaRPr b="0" lang="pl-PL" sz="1400" spc="-1" strike="noStrike">
+                        <a:solidFill>
+                          <a:srgbClr val="000000"/>
+                        </a:solidFill>
+                        <a:uFill>
+                          <a:solidFill>
+                            <a:srgbClr val="ffffff"/>
+                          </a:solidFill>
+                        </a:uFill>
                         <a:latin typeface="Arial"/>
                       </a:endParaRPr>
                     </a:p>
@@ -9178,12 +10888,10 @@
                   </a:tcPr>
                 </a:tc>
               </a:tr>
-              <a:tr h="380880">
+              <a:tr h="380520">
                 <a:tc>
                   <a:txBody>
-                    <a:bodyPr lIns="91080" rIns="91080">
-                      <a:noAutofit/>
-                    </a:bodyPr>
+                    <a:bodyPr lIns="91080" rIns="91080"/>
                     <a:p>
                       <a:pPr>
                         <a:lnSpc>
@@ -9195,12 +10903,25 @@
                           <a:solidFill>
                             <a:srgbClr val="000000"/>
                           </a:solidFill>
+                          <a:uFill>
+                            <a:solidFill>
+                              <a:srgbClr val="ffffff"/>
+                            </a:solidFill>
+                          </a:uFill>
                           <a:latin typeface="Arial"/>
                           <a:ea typeface="Arial"/>
                         </a:rPr>
                         <a:t>nazwa</a:t>
                       </a:r>
                       <a:endParaRPr b="0" lang="pl-PL" sz="1400" spc="-1" strike="noStrike">
+                        <a:solidFill>
+                          <a:srgbClr val="000000"/>
+                        </a:solidFill>
+                        <a:uFill>
+                          <a:solidFill>
+                            <a:srgbClr val="ffffff"/>
+                          </a:solidFill>
+                        </a:uFill>
                         <a:latin typeface="Arial"/>
                       </a:endParaRPr>
                     </a:p>
@@ -9236,7 +10957,7 @@
       </p:graphicFrame>
       <p:graphicFrame>
         <p:nvGraphicFramePr>
-          <p:cNvPr id="117" name="Table 5"/>
+          <p:cNvPr id="116" name="Table 5"/>
           <p:cNvGraphicFramePr/>
           <p:nvPr/>
         </p:nvGraphicFramePr>
@@ -9254,9 +10975,7 @@
               <a:tr h="380880">
                 <a:tc>
                   <a:txBody>
-                    <a:bodyPr lIns="91080" rIns="91080">
-                      <a:noAutofit/>
-                    </a:bodyPr>
+                    <a:bodyPr lIns="91080" rIns="91080"/>
                     <a:p>
                       <a:pPr algn="ctr">
                         <a:lnSpc>
@@ -9268,12 +10987,25 @@
                           <a:solidFill>
                             <a:srgbClr val="000000"/>
                           </a:solidFill>
+                          <a:uFill>
+                            <a:solidFill>
+                              <a:srgbClr val="ffffff"/>
+                            </a:solidFill>
+                          </a:uFill>
                           <a:latin typeface="Arial"/>
                           <a:ea typeface="Arial"/>
                         </a:rPr>
                         <a:t>Uzytkownicy</a:t>
                       </a:r>
                       <a:endParaRPr b="0" lang="pl-PL" sz="1400" spc="-1" strike="noStrike">
+                        <a:solidFill>
+                          <a:srgbClr val="000000"/>
+                        </a:solidFill>
+                        <a:uFill>
+                          <a:solidFill>
+                            <a:srgbClr val="ffffff"/>
+                          </a:solidFill>
+                        </a:uFill>
                         <a:latin typeface="Arial"/>
                       </a:endParaRPr>
                     </a:p>
@@ -9308,9 +11040,7 @@
               <a:tr h="380880">
                 <a:tc>
                   <a:txBody>
-                    <a:bodyPr lIns="91080" rIns="91080">
-                      <a:noAutofit/>
-                    </a:bodyPr>
+                    <a:bodyPr lIns="91080" rIns="91080"/>
                     <a:p>
                       <a:pPr>
                         <a:lnSpc>
@@ -9322,12 +11052,25 @@
                           <a:solidFill>
                             <a:srgbClr val="000000"/>
                           </a:solidFill>
+                          <a:uFill>
+                            <a:solidFill>
+                              <a:srgbClr val="ffffff"/>
+                            </a:solidFill>
+                          </a:uFill>
                           <a:latin typeface="Arial"/>
                           <a:ea typeface="Arial"/>
                         </a:rPr>
                         <a:t>id</a:t>
                       </a:r>
                       <a:endParaRPr b="0" lang="pl-PL" sz="1400" spc="-1" strike="noStrike">
+                        <a:solidFill>
+                          <a:srgbClr val="000000"/>
+                        </a:solidFill>
+                        <a:uFill>
+                          <a:solidFill>
+                            <a:srgbClr val="ffffff"/>
+                          </a:solidFill>
+                        </a:uFill>
                         <a:latin typeface="Arial"/>
                       </a:endParaRPr>
                     </a:p>
@@ -9362,9 +11105,7 @@
               <a:tr h="380880">
                 <a:tc>
                   <a:txBody>
-                    <a:bodyPr lIns="91080" rIns="91080">
-                      <a:noAutofit/>
-                    </a:bodyPr>
+                    <a:bodyPr lIns="91080" rIns="91080"/>
                     <a:p>
                       <a:pPr>
                         <a:lnSpc>
@@ -9376,12 +11117,25 @@
                           <a:solidFill>
                             <a:srgbClr val="000000"/>
                           </a:solidFill>
+                          <a:uFill>
+                            <a:solidFill>
+                              <a:srgbClr val="ffffff"/>
+                            </a:solidFill>
+                          </a:uFill>
                           <a:latin typeface="Arial"/>
                           <a:ea typeface="Arial"/>
                         </a:rPr>
                         <a:t>imie</a:t>
                       </a:r>
                       <a:endParaRPr b="0" lang="pl-PL" sz="1400" spc="-1" strike="noStrike">
+                        <a:solidFill>
+                          <a:srgbClr val="000000"/>
+                        </a:solidFill>
+                        <a:uFill>
+                          <a:solidFill>
+                            <a:srgbClr val="ffffff"/>
+                          </a:solidFill>
+                        </a:uFill>
                         <a:latin typeface="Arial"/>
                       </a:endParaRPr>
                     </a:p>
@@ -9414,9 +11168,7 @@
               <a:tr h="380880">
                 <a:tc>
                   <a:txBody>
-                    <a:bodyPr lIns="91080" rIns="91080">
-                      <a:noAutofit/>
-                    </a:bodyPr>
+                    <a:bodyPr lIns="91080" rIns="91080"/>
                     <a:p>
                       <a:pPr>
                         <a:lnSpc>
@@ -9428,12 +11180,25 @@
                           <a:solidFill>
                             <a:srgbClr val="000000"/>
                           </a:solidFill>
+                          <a:uFill>
+                            <a:solidFill>
+                              <a:srgbClr val="ffffff"/>
+                            </a:solidFill>
+                          </a:uFill>
                           <a:latin typeface="Arial"/>
                           <a:ea typeface="Arial"/>
                         </a:rPr>
                         <a:t>nazwisko</a:t>
                       </a:r>
                       <a:endParaRPr b="0" lang="pl-PL" sz="1400" spc="-1" strike="noStrike">
+                        <a:solidFill>
+                          <a:srgbClr val="000000"/>
+                        </a:solidFill>
+                        <a:uFill>
+                          <a:solidFill>
+                            <a:srgbClr val="ffffff"/>
+                          </a:solidFill>
+                        </a:uFill>
                         <a:latin typeface="Arial"/>
                       </a:endParaRPr>
                     </a:p>
@@ -9466,9 +11231,7 @@
               <a:tr h="380880">
                 <a:tc>
                   <a:txBody>
-                    <a:bodyPr lIns="91080" rIns="91080">
-                      <a:noAutofit/>
-                    </a:bodyPr>
+                    <a:bodyPr lIns="91080" rIns="91080"/>
                     <a:p>
                       <a:pPr>
                         <a:lnSpc>
@@ -9480,12 +11243,25 @@
                           <a:solidFill>
                             <a:srgbClr val="000000"/>
                           </a:solidFill>
+                          <a:uFill>
+                            <a:solidFill>
+                              <a:srgbClr val="ffffff"/>
+                            </a:solidFill>
+                          </a:uFill>
                           <a:latin typeface="Arial"/>
                           <a:ea typeface="Arial"/>
                         </a:rPr>
                         <a:t>dzialy_id</a:t>
                       </a:r>
                       <a:endParaRPr b="0" lang="pl-PL" sz="1400" spc="-1" strike="noStrike">
+                        <a:solidFill>
+                          <a:srgbClr val="000000"/>
+                        </a:solidFill>
+                        <a:uFill>
+                          <a:solidFill>
+                            <a:srgbClr val="ffffff"/>
+                          </a:solidFill>
+                        </a:uFill>
                         <a:latin typeface="Arial"/>
                       </a:endParaRPr>
                     </a:p>
@@ -9517,12 +11293,10 @@
                   </a:tcPr>
                 </a:tc>
               </a:tr>
-              <a:tr h="381240">
+              <a:tr h="380880">
                 <a:tc>
                   <a:txBody>
-                    <a:bodyPr lIns="91080" rIns="91080">
-                      <a:noAutofit/>
-                    </a:bodyPr>
+                    <a:bodyPr lIns="91080" rIns="91080"/>
                     <a:p>
                       <a:pPr>
                         <a:lnSpc>
@@ -9534,12 +11308,25 @@
                           <a:solidFill>
                             <a:srgbClr val="000000"/>
                           </a:solidFill>
+                          <a:uFill>
+                            <a:solidFill>
+                              <a:srgbClr val="ffffff"/>
+                            </a:solidFill>
+                          </a:uFill>
                           <a:latin typeface="Arial"/>
                           <a:ea typeface="Arial"/>
                         </a:rPr>
                         <a:t>stanowiska_id</a:t>
                       </a:r>
                       <a:endParaRPr b="0" lang="pl-PL" sz="1400" spc="-1" strike="noStrike">
+                        <a:solidFill>
+                          <a:srgbClr val="000000"/>
+                        </a:solidFill>
+                        <a:uFill>
+                          <a:solidFill>
+                            <a:srgbClr val="ffffff"/>
+                          </a:solidFill>
+                        </a:uFill>
                         <a:latin typeface="Arial"/>
                       </a:endParaRPr>
                     </a:p>
@@ -9577,7 +11364,7 @@
       </p:graphicFrame>
       <p:graphicFrame>
         <p:nvGraphicFramePr>
-          <p:cNvPr id="118" name="Table 6"/>
+          <p:cNvPr id="117" name="Table 6"/>
           <p:cNvGraphicFramePr/>
           <p:nvPr/>
         </p:nvGraphicFramePr>
@@ -9595,9 +11382,7 @@
               <a:tr h="380880">
                 <a:tc>
                   <a:txBody>
-                    <a:bodyPr lIns="91080" rIns="91080">
-                      <a:noAutofit/>
-                    </a:bodyPr>
+                    <a:bodyPr lIns="91080" rIns="91080"/>
                     <a:p>
                       <a:pPr algn="ctr">
                         <a:lnSpc>
@@ -9609,12 +11394,25 @@
                           <a:solidFill>
                             <a:srgbClr val="000000"/>
                           </a:solidFill>
+                          <a:uFill>
+                            <a:solidFill>
+                              <a:srgbClr val="ffffff"/>
+                            </a:solidFill>
+                          </a:uFill>
                           <a:latin typeface="Arial"/>
                           <a:ea typeface="Arial"/>
                         </a:rPr>
                         <a:t>Sprzety</a:t>
                       </a:r>
                       <a:endParaRPr b="0" lang="pl-PL" sz="1400" spc="-1" strike="noStrike">
+                        <a:solidFill>
+                          <a:srgbClr val="000000"/>
+                        </a:solidFill>
+                        <a:uFill>
+                          <a:solidFill>
+                            <a:srgbClr val="ffffff"/>
+                          </a:solidFill>
+                        </a:uFill>
                         <a:latin typeface="Arial"/>
                       </a:endParaRPr>
                     </a:p>
@@ -9649,9 +11447,7 @@
               <a:tr h="380880">
                 <a:tc>
                   <a:txBody>
-                    <a:bodyPr lIns="91080" rIns="91080">
-                      <a:noAutofit/>
-                    </a:bodyPr>
+                    <a:bodyPr lIns="91080" rIns="91080"/>
                     <a:p>
                       <a:pPr>
                         <a:lnSpc>
@@ -9663,12 +11459,25 @@
                           <a:solidFill>
                             <a:srgbClr val="000000"/>
                           </a:solidFill>
+                          <a:uFill>
+                            <a:solidFill>
+                              <a:srgbClr val="ffffff"/>
+                            </a:solidFill>
+                          </a:uFill>
                           <a:latin typeface="Arial"/>
                           <a:ea typeface="Arial"/>
                         </a:rPr>
                         <a:t>id</a:t>
                       </a:r>
                       <a:endParaRPr b="0" lang="pl-PL" sz="1400" spc="-1" strike="noStrike">
+                        <a:solidFill>
+                          <a:srgbClr val="000000"/>
+                        </a:solidFill>
+                        <a:uFill>
+                          <a:solidFill>
+                            <a:srgbClr val="ffffff"/>
+                          </a:solidFill>
+                        </a:uFill>
                         <a:latin typeface="Arial"/>
                       </a:endParaRPr>
                     </a:p>
@@ -9703,9 +11512,7 @@
               <a:tr h="380880">
                 <a:tc>
                   <a:txBody>
-                    <a:bodyPr lIns="91080" rIns="91080">
-                      <a:noAutofit/>
-                    </a:bodyPr>
+                    <a:bodyPr lIns="91080" rIns="91080"/>
                     <a:p>
                       <a:pPr>
                         <a:lnSpc>
@@ -9717,12 +11524,25 @@
                           <a:solidFill>
                             <a:srgbClr val="000000"/>
                           </a:solidFill>
+                          <a:uFill>
+                            <a:solidFill>
+                              <a:srgbClr val="ffffff"/>
+                            </a:solidFill>
+                          </a:uFill>
                           <a:latin typeface="Arial"/>
                           <a:ea typeface="Arial"/>
                         </a:rPr>
                         <a:t>nazwa</a:t>
                       </a:r>
                       <a:endParaRPr b="0" lang="pl-PL" sz="1400" spc="-1" strike="noStrike">
+                        <a:solidFill>
+                          <a:srgbClr val="000000"/>
+                        </a:solidFill>
+                        <a:uFill>
+                          <a:solidFill>
+                            <a:srgbClr val="ffffff"/>
+                          </a:solidFill>
+                        </a:uFill>
                         <a:latin typeface="Arial"/>
                       </a:endParaRPr>
                     </a:p>
@@ -9755,9 +11575,7 @@
               <a:tr h="380880">
                 <a:tc>
                   <a:txBody>
-                    <a:bodyPr lIns="91080" rIns="91080">
-                      <a:noAutofit/>
-                    </a:bodyPr>
+                    <a:bodyPr lIns="91080" rIns="91080"/>
                     <a:p>
                       <a:pPr>
                         <a:lnSpc>
@@ -9769,12 +11587,25 @@
                           <a:solidFill>
                             <a:srgbClr val="000000"/>
                           </a:solidFill>
+                          <a:uFill>
+                            <a:solidFill>
+                              <a:srgbClr val="ffffff"/>
+                            </a:solidFill>
+                          </a:uFill>
                           <a:latin typeface="Arial"/>
                           <a:ea typeface="Arial"/>
                         </a:rPr>
                         <a:t>opis</a:t>
                       </a:r>
                       <a:endParaRPr b="0" lang="pl-PL" sz="1400" spc="-1" strike="noStrike">
+                        <a:solidFill>
+                          <a:srgbClr val="000000"/>
+                        </a:solidFill>
+                        <a:uFill>
+                          <a:solidFill>
+                            <a:srgbClr val="ffffff"/>
+                          </a:solidFill>
+                        </a:uFill>
                         <a:latin typeface="Arial"/>
                       </a:endParaRPr>
                     </a:p>
@@ -9804,12 +11635,10 @@
                   </a:tcPr>
                 </a:tc>
               </a:tr>
-              <a:tr h="381240">
+              <a:tr h="380880">
                 <a:tc>
                   <a:txBody>
-                    <a:bodyPr lIns="91080" rIns="91080">
-                      <a:noAutofit/>
-                    </a:bodyPr>
+                    <a:bodyPr lIns="91080" rIns="91080"/>
                     <a:p>
                       <a:pPr>
                         <a:lnSpc>
@@ -9821,12 +11650,25 @@
                           <a:solidFill>
                             <a:srgbClr val="000000"/>
                           </a:solidFill>
+                          <a:uFill>
+                            <a:solidFill>
+                              <a:srgbClr val="ffffff"/>
+                            </a:solidFill>
+                          </a:uFill>
                           <a:latin typeface="Arial"/>
                           <a:ea typeface="Arial"/>
                         </a:rPr>
                         <a:t>uzytkownicy_id</a:t>
                       </a:r>
                       <a:endParaRPr b="0" lang="pl-PL" sz="1400" spc="-1" strike="noStrike">
+                        <a:solidFill>
+                          <a:srgbClr val="000000"/>
+                        </a:solidFill>
+                        <a:uFill>
+                          <a:solidFill>
+                            <a:srgbClr val="ffffff"/>
+                          </a:solidFill>
+                        </a:uFill>
                         <a:latin typeface="Arial"/>
                       </a:endParaRPr>
                     </a:p>
@@ -9864,14 +11706,14 @@
       </p:graphicFrame>
       <p:sp>
         <p:nvSpPr>
-          <p:cNvPr id="119" name="CustomShape 7"/>
+          <p:cNvPr id="118" name="CustomShape 7"/>
           <p:cNvSpPr/>
           <p:nvPr/>
         </p:nvSpPr>
         <p:spPr>
           <a:xfrm>
             <a:off x="1388160" y="1531800"/>
-            <a:ext cx="594360" cy="259560"/>
+            <a:ext cx="594000" cy="259200"/>
           </a:xfrm>
           <a:prstGeom prst="rect">
             <a:avLst/>
@@ -9888,9 +11730,7 @@
           <a:fontRef idx="minor"/>
         </p:style>
         <p:txBody>
-          <a:bodyPr lIns="90000" rIns="90000" tIns="91440" bIns="91440">
-            <a:noAutofit/>
-          </a:bodyPr>
+          <a:bodyPr lIns="90000" rIns="90000" tIns="91440" bIns="91440"/>
           <a:p>
             <a:pPr>
               <a:lnSpc>
@@ -9902,12 +11742,25 @@
                 <a:solidFill>
                   <a:srgbClr val="000000"/>
                 </a:solidFill>
+                <a:uFill>
+                  <a:solidFill>
+                    <a:srgbClr val="ffffff"/>
+                  </a:solidFill>
+                </a:uFill>
                 <a:latin typeface="Arial"/>
                 <a:ea typeface="Arial"/>
               </a:rPr>
               <a:t>1</a:t>
             </a:r>
             <a:endParaRPr b="0" lang="pl-PL" sz="1400" spc="-1" strike="noStrike">
+              <a:solidFill>
+                <a:srgbClr val="000000"/>
+              </a:solidFill>
+              <a:uFill>
+                <a:solidFill>
+                  <a:srgbClr val="ffffff"/>
+                </a:solidFill>
+              </a:uFill>
               <a:latin typeface="Arial"/>
             </a:endParaRPr>
           </a:p>
@@ -9915,14 +11768,14 @@
       </p:sp>
       <p:sp>
         <p:nvSpPr>
-          <p:cNvPr id="120" name="CustomShape 8"/>
+          <p:cNvPr id="119" name="CustomShape 8"/>
           <p:cNvSpPr/>
           <p:nvPr/>
         </p:nvSpPr>
         <p:spPr>
           <a:xfrm>
             <a:off x="1487160" y="3700440"/>
-            <a:ext cx="470160" cy="234720"/>
+            <a:ext cx="469800" cy="234360"/>
           </a:xfrm>
           <a:prstGeom prst="rect">
             <a:avLst/>
@@ -9939,9 +11792,7 @@
           <a:fontRef idx="minor"/>
         </p:style>
         <p:txBody>
-          <a:bodyPr lIns="90000" rIns="90000" tIns="91440" bIns="91440">
-            <a:noAutofit/>
-          </a:bodyPr>
+          <a:bodyPr lIns="90000" rIns="90000" tIns="91440" bIns="91440"/>
           <a:p>
             <a:pPr>
               <a:lnSpc>
@@ -9953,12 +11804,25 @@
                 <a:solidFill>
                   <a:srgbClr val="000000"/>
                 </a:solidFill>
+                <a:uFill>
+                  <a:solidFill>
+                    <a:srgbClr val="ffffff"/>
+                  </a:solidFill>
+                </a:uFill>
                 <a:latin typeface="Arial"/>
                 <a:ea typeface="Arial"/>
               </a:rPr>
               <a:t>1</a:t>
             </a:r>
             <a:endParaRPr b="0" lang="pl-PL" sz="1400" spc="-1" strike="noStrike">
+              <a:solidFill>
+                <a:srgbClr val="000000"/>
+              </a:solidFill>
+              <a:uFill>
+                <a:solidFill>
+                  <a:srgbClr val="ffffff"/>
+                </a:solidFill>
+              </a:uFill>
               <a:latin typeface="Arial"/>
             </a:endParaRPr>
           </a:p>
@@ -9966,14 +11830,14 @@
       </p:sp>
       <p:sp>
         <p:nvSpPr>
-          <p:cNvPr id="121" name="CustomShape 9"/>
+          <p:cNvPr id="120" name="CustomShape 9"/>
           <p:cNvSpPr/>
           <p:nvPr/>
         </p:nvSpPr>
         <p:spPr>
           <a:xfrm rot="16200000">
-            <a:off x="2515680" y="3279600"/>
-            <a:ext cx="234720" cy="259560"/>
+            <a:off x="2515680" y="3279960"/>
+            <a:ext cx="234360" cy="259200"/>
           </a:xfrm>
           <a:prstGeom prst="rect">
             <a:avLst/>
@@ -9990,9 +11854,7 @@
           <a:fontRef idx="minor"/>
         </p:style>
         <p:txBody>
-          <a:bodyPr lIns="90000" rIns="90000" tIns="91440" bIns="91440">
-            <a:noAutofit/>
-          </a:bodyPr>
+          <a:bodyPr lIns="90000" rIns="90000" tIns="91440" bIns="91440"/>
           <a:p>
             <a:pPr>
               <a:lnSpc>
@@ -10004,12 +11866,25 @@
                 <a:solidFill>
                   <a:srgbClr val="000000"/>
                 </a:solidFill>
+                <a:uFill>
+                  <a:solidFill>
+                    <a:srgbClr val="ffffff"/>
+                  </a:solidFill>
+                </a:uFill>
                 <a:latin typeface="Arial"/>
                 <a:ea typeface="Arial"/>
               </a:rPr>
               <a:t>8</a:t>
             </a:r>
             <a:endParaRPr b="0" lang="pl-PL" sz="1400" spc="-1" strike="noStrike">
+              <a:solidFill>
+                <a:srgbClr val="000000"/>
+              </a:solidFill>
+              <a:uFill>
+                <a:solidFill>
+                  <a:srgbClr val="ffffff"/>
+                </a:solidFill>
+              </a:uFill>
               <a:latin typeface="Arial"/>
             </a:endParaRPr>
           </a:p>
@@ -10017,14 +11892,14 @@
       </p:sp>
       <p:sp>
         <p:nvSpPr>
-          <p:cNvPr id="122" name="CustomShape 10"/>
+          <p:cNvPr id="121" name="CustomShape 10"/>
           <p:cNvSpPr/>
           <p:nvPr/>
         </p:nvSpPr>
         <p:spPr>
           <a:xfrm rot="5400000">
-            <a:off x="2405160" y="3948480"/>
-            <a:ext cx="259560" cy="234720"/>
+            <a:off x="2405520" y="3948480"/>
+            <a:ext cx="259200" cy="234360"/>
           </a:xfrm>
           <a:prstGeom prst="rect">
             <a:avLst/>
@@ -10041,9 +11916,7 @@
           <a:fontRef idx="minor"/>
         </p:style>
         <p:txBody>
-          <a:bodyPr lIns="90000" rIns="90000" tIns="91440" bIns="91440">
-            <a:noAutofit/>
-          </a:bodyPr>
+          <a:bodyPr lIns="90000" rIns="90000" tIns="91440" bIns="91440"/>
           <a:p>
             <a:pPr>
               <a:lnSpc>
@@ -10055,12 +11928,25 @@
                 <a:solidFill>
                   <a:srgbClr val="000000"/>
                 </a:solidFill>
+                <a:uFill>
+                  <a:solidFill>
+                    <a:srgbClr val="ffffff"/>
+                  </a:solidFill>
+                </a:uFill>
                 <a:latin typeface="Arial"/>
                 <a:ea typeface="Arial"/>
               </a:rPr>
               <a:t>8</a:t>
             </a:r>
             <a:endParaRPr b="0" lang="pl-PL" sz="1400" spc="-1" strike="noStrike">
+              <a:solidFill>
+                <a:srgbClr val="000000"/>
+              </a:solidFill>
+              <a:uFill>
+                <a:solidFill>
+                  <a:srgbClr val="ffffff"/>
+                </a:solidFill>
+              </a:uFill>
               <a:latin typeface="Arial"/>
             </a:endParaRPr>
           </a:p>
@@ -10068,14 +11954,14 @@
       </p:sp>
       <p:sp>
         <p:nvSpPr>
-          <p:cNvPr id="123" name="CustomShape 11"/>
+          <p:cNvPr id="122" name="CustomShape 11"/>
           <p:cNvSpPr/>
           <p:nvPr/>
         </p:nvSpPr>
         <p:spPr>
           <a:xfrm rot="10800000">
-            <a:off x="6238440" y="2593800"/>
-            <a:ext cx="1672560" cy="73800"/>
+            <a:off x="6243840" y="2667600"/>
+            <a:ext cx="1672200" cy="73440"/>
           </a:xfrm>
           <a:prstGeom prst="bentConnector3">
             <a:avLst>
@@ -10099,14 +11985,14 @@
       </p:sp>
       <p:sp>
         <p:nvSpPr>
-          <p:cNvPr id="124" name="CustomShape 12"/>
+          <p:cNvPr id="123" name="CustomShape 12"/>
           <p:cNvSpPr/>
           <p:nvPr/>
         </p:nvSpPr>
         <p:spPr>
           <a:xfrm>
             <a:off x="1375560" y="1920960"/>
-            <a:ext cx="1436760" cy="1870560"/>
+            <a:ext cx="1436400" cy="1870200"/>
           </a:xfrm>
           <a:custGeom>
             <a:avLst/>
@@ -10141,14 +12027,14 @@
       </p:sp>
       <p:sp>
         <p:nvSpPr>
-          <p:cNvPr id="125" name="CustomShape 13"/>
+          <p:cNvPr id="124" name="CustomShape 13"/>
           <p:cNvSpPr/>
           <p:nvPr/>
         </p:nvSpPr>
         <p:spPr>
           <a:xfrm>
             <a:off x="1512000" y="4089960"/>
-            <a:ext cx="1312920" cy="172800"/>
+            <a:ext cx="1312560" cy="172440"/>
           </a:xfrm>
           <a:custGeom>
             <a:avLst/>
@@ -10183,14 +12069,14 @@
       </p:sp>
       <p:sp>
         <p:nvSpPr>
-          <p:cNvPr id="126" name="CustomShape 14"/>
+          <p:cNvPr id="125" name="CustomShape 14"/>
           <p:cNvSpPr/>
           <p:nvPr/>
         </p:nvSpPr>
         <p:spPr>
           <a:xfrm>
             <a:off x="4672440" y="2243160"/>
-            <a:ext cx="383760" cy="234720"/>
+            <a:ext cx="383400" cy="234360"/>
           </a:xfrm>
           <a:prstGeom prst="rect">
             <a:avLst/>
@@ -10207,9 +12093,7 @@
           <a:fontRef idx="minor"/>
         </p:style>
         <p:txBody>
-          <a:bodyPr lIns="90000" rIns="90000" tIns="91440" bIns="91440">
-            <a:noAutofit/>
-          </a:bodyPr>
+          <a:bodyPr lIns="90000" rIns="90000" tIns="91440" bIns="91440"/>
           <a:p>
             <a:pPr>
               <a:lnSpc>
@@ -10221,12 +12105,25 @@
                 <a:solidFill>
                   <a:srgbClr val="000000"/>
                 </a:solidFill>
+                <a:uFill>
+                  <a:solidFill>
+                    <a:srgbClr val="ffffff"/>
+                  </a:solidFill>
+                </a:uFill>
                 <a:latin typeface="Arial"/>
                 <a:ea typeface="Arial"/>
               </a:rPr>
               <a:t>1</a:t>
             </a:r>
             <a:endParaRPr b="0" lang="pl-PL" sz="1400" spc="-1" strike="noStrike">
+              <a:solidFill>
+                <a:srgbClr val="000000"/>
+              </a:solidFill>
+              <a:uFill>
+                <a:solidFill>
+                  <a:srgbClr val="ffffff"/>
+                </a:solidFill>
+              </a:uFill>
               <a:latin typeface="Arial"/>
             </a:endParaRPr>
           </a:p>
@@ -10234,14 +12131,14 @@
       </p:sp>
       <p:sp>
         <p:nvSpPr>
-          <p:cNvPr id="127" name="CustomShape 15"/>
+          <p:cNvPr id="126" name="CustomShape 15"/>
           <p:cNvSpPr/>
           <p:nvPr/>
         </p:nvSpPr>
         <p:spPr>
           <a:xfrm rot="5400000">
-            <a:off x="5862960" y="2454120"/>
-            <a:ext cx="383760" cy="234720"/>
+            <a:off x="5863320" y="2454120"/>
+            <a:ext cx="383400" cy="234360"/>
           </a:xfrm>
           <a:prstGeom prst="rect">
             <a:avLst/>
@@ -10258,9 +12155,7 @@
           <a:fontRef idx="minor"/>
         </p:style>
         <p:txBody>
-          <a:bodyPr lIns="90000" rIns="90000" tIns="91440" bIns="91440">
-            <a:noAutofit/>
-          </a:bodyPr>
+          <a:bodyPr lIns="90000" rIns="90000" tIns="91440" bIns="91440"/>
           <a:p>
             <a:pPr>
               <a:lnSpc>
@@ -10272,12 +12167,25 @@
                 <a:solidFill>
                   <a:srgbClr val="000000"/>
                 </a:solidFill>
+                <a:uFill>
+                  <a:solidFill>
+                    <a:srgbClr val="ffffff"/>
+                  </a:solidFill>
+                </a:uFill>
                 <a:latin typeface="Arial"/>
                 <a:ea typeface="Arial"/>
               </a:rPr>
               <a:t>8</a:t>
             </a:r>
             <a:endParaRPr b="0" lang="pl-PL" sz="1400" spc="-1" strike="noStrike">
+              <a:solidFill>
+                <a:srgbClr val="000000"/>
+              </a:solidFill>
+              <a:uFill>
+                <a:solidFill>
+                  <a:srgbClr val="ffffff"/>
+                </a:solidFill>
+              </a:uFill>
               <a:latin typeface="Arial"/>
             </a:endParaRPr>
           </a:p>
@@ -10285,14 +12193,6 @@
       </p:sp>
     </p:spTree>
   </p:cSld>
-  <mc:AlternateContent>
-    <mc:Choice Requires="p14">
-      <p:transition spd="slow" p14:dur="2000"/>
-    </mc:Choice>
-    <mc:Fallback>
-      <p:transition spd="slow"/>
-    </mc:Fallback>
-  </mc:AlternateContent>
   <p:timing>
     <p:tnLst>
       <p:par>
@@ -10334,31 +12234,31 @@
         <a:sysClr val="window" lastClr="FFFFFF"/>
       </a:lt1>
       <a:dk2>
-        <a:srgbClr val="1f497d"/>
+        <a:srgbClr val="1F497D"/>
       </a:dk2>
       <a:lt2>
-        <a:srgbClr val="eeece1"/>
+        <a:srgbClr val="EEECE1"/>
       </a:lt2>
       <a:accent1>
-        <a:srgbClr val="4f81bd"/>
+        <a:srgbClr val="4F81BD"/>
       </a:accent1>
       <a:accent2>
-        <a:srgbClr val="c0504d"/>
+        <a:srgbClr val="C0504D"/>
       </a:accent2>
       <a:accent3>
-        <a:srgbClr val="9bbb59"/>
+        <a:srgbClr val="9BBB59"/>
       </a:accent3>
       <a:accent4>
-        <a:srgbClr val="8064a2"/>
+        <a:srgbClr val="8064A2"/>
       </a:accent4>
       <a:accent5>
-        <a:srgbClr val="4bacc6"/>
+        <a:srgbClr val="4BACC6"/>
       </a:accent5>
       <a:accent6>
-        <a:srgbClr val="f79646"/>
+        <a:srgbClr val="F79646"/>
       </a:accent6>
       <a:hlink>
-        <a:srgbClr val="0000ff"/>
+        <a:srgbClr val="0000FF"/>
       </a:hlink>
       <a:folHlink>
         <a:srgbClr val="800080"/>
@@ -10557,31 +12457,31 @@
         <a:sysClr val="window" lastClr="FFFFFF"/>
       </a:lt1>
       <a:dk2>
-        <a:srgbClr val="1f497d"/>
+        <a:srgbClr val="1F497D"/>
       </a:dk2>
       <a:lt2>
-        <a:srgbClr val="eeece1"/>
+        <a:srgbClr val="EEECE1"/>
       </a:lt2>
       <a:accent1>
-        <a:srgbClr val="4f81bd"/>
+        <a:srgbClr val="4F81BD"/>
       </a:accent1>
       <a:accent2>
-        <a:srgbClr val="c0504d"/>
+        <a:srgbClr val="C0504D"/>
       </a:accent2>
       <a:accent3>
-        <a:srgbClr val="9bbb59"/>
+        <a:srgbClr val="9BBB59"/>
       </a:accent3>
       <a:accent4>
-        <a:srgbClr val="8064a2"/>
+        <a:srgbClr val="8064A2"/>
       </a:accent4>
       <a:accent5>
-        <a:srgbClr val="4bacc6"/>
+        <a:srgbClr val="4BACC6"/>
       </a:accent5>
       <a:accent6>
-        <a:srgbClr val="f79646"/>
+        <a:srgbClr val="F79646"/>
       </a:accent6>
       <a:hlink>
-        <a:srgbClr val="0000ff"/>
+        <a:srgbClr val="0000FF"/>
       </a:hlink>
       <a:folHlink>
         <a:srgbClr val="800080"/>
